--- a/docs/Introduction to Perl.pptx
+++ b/docs/Introduction to Perl.pptx
@@ -5,7 +5,7 @@
     <p:sldMasterId id="2147483648" r:id="rId1"/>
   </p:sldMasterIdLst>
   <p:notesMasterIdLst>
-    <p:notesMasterId r:id="rId51"/>
+    <p:notesMasterId r:id="rId80"/>
   </p:notesMasterIdLst>
   <p:sldIdLst>
     <p:sldId id="256" r:id="rId2"/>
@@ -57,6 +57,35 @@
     <p:sldId id="302" r:id="rId48"/>
     <p:sldId id="303" r:id="rId49"/>
     <p:sldId id="304" r:id="rId50"/>
+    <p:sldId id="305" r:id="rId51"/>
+    <p:sldId id="306" r:id="rId52"/>
+    <p:sldId id="307" r:id="rId53"/>
+    <p:sldId id="308" r:id="rId54"/>
+    <p:sldId id="309" r:id="rId55"/>
+    <p:sldId id="310" r:id="rId56"/>
+    <p:sldId id="311" r:id="rId57"/>
+    <p:sldId id="312" r:id="rId58"/>
+    <p:sldId id="313" r:id="rId59"/>
+    <p:sldId id="314" r:id="rId60"/>
+    <p:sldId id="315" r:id="rId61"/>
+    <p:sldId id="316" r:id="rId62"/>
+    <p:sldId id="317" r:id="rId63"/>
+    <p:sldId id="318" r:id="rId64"/>
+    <p:sldId id="319" r:id="rId65"/>
+    <p:sldId id="320" r:id="rId66"/>
+    <p:sldId id="321" r:id="rId67"/>
+    <p:sldId id="322" r:id="rId68"/>
+    <p:sldId id="323" r:id="rId69"/>
+    <p:sldId id="324" r:id="rId70"/>
+    <p:sldId id="325" r:id="rId71"/>
+    <p:sldId id="326" r:id="rId72"/>
+    <p:sldId id="327" r:id="rId73"/>
+    <p:sldId id="328" r:id="rId74"/>
+    <p:sldId id="329" r:id="rId75"/>
+    <p:sldId id="330" r:id="rId76"/>
+    <p:sldId id="331" r:id="rId77"/>
+    <p:sldId id="332" r:id="rId78"/>
+    <p:sldId id="333" r:id="rId79"/>
   </p:sldIdLst>
   <p:sldSz cx="9144000" cy="6858000" type="screen4x3"/>
   <p:notesSz cx="6858000" cy="9144000"/>
@@ -583,6 +612,930 @@
     <p:extLst>
       <p:ext uri="{BB962C8B-B14F-4D97-AF65-F5344CB8AC3E}">
         <p14:creationId xmlns:p14="http://schemas.microsoft.com/office/powerpoint/2010/main" val="2661388270"/>
+      </p:ext>
+    </p:extLst>
+  </p:cSld>
+  <p:clrMapOvr>
+    <a:masterClrMapping/>
+  </p:clrMapOvr>
+</p:notes>
+</file>
+
+<file path=ppt/notesSlides/notesSlide10.xml><?xml version="1.0" encoding="utf-8"?>
+<p:notes xmlns:a="http://schemas.openxmlformats.org/drawingml/2006/main" xmlns:r="http://schemas.openxmlformats.org/officeDocument/2006/relationships" xmlns:p="http://schemas.openxmlformats.org/presentationml/2006/main">
+  <p:cSld>
+    <p:spTree>
+      <p:nvGrpSpPr>
+        <p:cNvPr id="1" name=""/>
+        <p:cNvGrpSpPr/>
+        <p:nvPr/>
+      </p:nvGrpSpPr>
+      <p:grpSpPr>
+        <a:xfrm>
+          <a:off x="0" y="0"/>
+          <a:ext cx="0" cy="0"/>
+          <a:chOff x="0" y="0"/>
+          <a:chExt cx="0" cy="0"/>
+        </a:xfrm>
+      </p:grpSpPr>
+      <p:sp>
+        <p:nvSpPr>
+          <p:cNvPr id="2" name="Slide Image Placeholder 1"/>
+          <p:cNvSpPr>
+            <a:spLocks noGrp="1" noRot="1" noChangeAspect="1"/>
+          </p:cNvSpPr>
+          <p:nvPr>
+            <p:ph type="sldImg"/>
+          </p:nvPr>
+        </p:nvSpPr>
+        <p:spPr/>
+      </p:sp>
+      <p:sp>
+        <p:nvSpPr>
+          <p:cNvPr id="3" name="Notes Placeholder 2"/>
+          <p:cNvSpPr>
+            <a:spLocks noGrp="1"/>
+          </p:cNvSpPr>
+          <p:nvPr>
+            <p:ph type="body" idx="1"/>
+          </p:nvPr>
+        </p:nvSpPr>
+        <p:spPr/>
+        <p:txBody>
+          <a:bodyPr/>
+          <a:lstStyle/>
+          <a:p>
+            <a:endParaRPr lang="en-US" dirty="0"/>
+          </a:p>
+        </p:txBody>
+      </p:sp>
+      <p:sp>
+        <p:nvSpPr>
+          <p:cNvPr id="4" name="Slide Number Placeholder 3"/>
+          <p:cNvSpPr>
+            <a:spLocks noGrp="1"/>
+          </p:cNvSpPr>
+          <p:nvPr>
+            <p:ph type="sldNum" sz="quarter" idx="10"/>
+          </p:nvPr>
+        </p:nvSpPr>
+        <p:spPr/>
+        <p:txBody>
+          <a:bodyPr/>
+          <a:lstStyle/>
+          <a:p>
+            <a:fld id="{689E1875-9936-49E8-A7D5-816B1B90719B}" type="slidenum">
+              <a:rPr lang="en-US" smtClean="0"/>
+              <a:t>76</a:t>
+            </a:fld>
+            <a:endParaRPr lang="en-US"/>
+          </a:p>
+        </p:txBody>
+      </p:sp>
+    </p:spTree>
+    <p:extLst>
+      <p:ext uri="{BB962C8B-B14F-4D97-AF65-F5344CB8AC3E}">
+        <p14:creationId xmlns:p14="http://schemas.microsoft.com/office/powerpoint/2010/main" val="512616315"/>
+      </p:ext>
+    </p:extLst>
+  </p:cSld>
+  <p:clrMapOvr>
+    <a:masterClrMapping/>
+  </p:clrMapOvr>
+</p:notes>
+</file>
+
+<file path=ppt/notesSlides/notesSlide11.xml><?xml version="1.0" encoding="utf-8"?>
+<p:notes xmlns:a="http://schemas.openxmlformats.org/drawingml/2006/main" xmlns:r="http://schemas.openxmlformats.org/officeDocument/2006/relationships" xmlns:p="http://schemas.openxmlformats.org/presentationml/2006/main">
+  <p:cSld>
+    <p:spTree>
+      <p:nvGrpSpPr>
+        <p:cNvPr id="1" name=""/>
+        <p:cNvGrpSpPr/>
+        <p:nvPr/>
+      </p:nvGrpSpPr>
+      <p:grpSpPr>
+        <a:xfrm>
+          <a:off x="0" y="0"/>
+          <a:ext cx="0" cy="0"/>
+          <a:chOff x="0" y="0"/>
+          <a:chExt cx="0" cy="0"/>
+        </a:xfrm>
+      </p:grpSpPr>
+      <p:sp>
+        <p:nvSpPr>
+          <p:cNvPr id="2" name="Slide Image Placeholder 1"/>
+          <p:cNvSpPr>
+            <a:spLocks noGrp="1" noRot="1" noChangeAspect="1"/>
+          </p:cNvSpPr>
+          <p:nvPr>
+            <p:ph type="sldImg"/>
+          </p:nvPr>
+        </p:nvSpPr>
+        <p:spPr/>
+      </p:sp>
+      <p:sp>
+        <p:nvSpPr>
+          <p:cNvPr id="3" name="Notes Placeholder 2"/>
+          <p:cNvSpPr>
+            <a:spLocks noGrp="1"/>
+          </p:cNvSpPr>
+          <p:nvPr>
+            <p:ph type="body" idx="1"/>
+          </p:nvPr>
+        </p:nvSpPr>
+        <p:spPr/>
+        <p:txBody>
+          <a:bodyPr/>
+          <a:lstStyle/>
+          <a:p>
+            <a:endParaRPr lang="en-US" dirty="0"/>
+          </a:p>
+        </p:txBody>
+      </p:sp>
+      <p:sp>
+        <p:nvSpPr>
+          <p:cNvPr id="4" name="Slide Number Placeholder 3"/>
+          <p:cNvSpPr>
+            <a:spLocks noGrp="1"/>
+          </p:cNvSpPr>
+          <p:nvPr>
+            <p:ph type="sldNum" sz="quarter" idx="10"/>
+          </p:nvPr>
+        </p:nvSpPr>
+        <p:spPr/>
+        <p:txBody>
+          <a:bodyPr/>
+          <a:lstStyle/>
+          <a:p>
+            <a:fld id="{689E1875-9936-49E8-A7D5-816B1B90719B}" type="slidenum">
+              <a:rPr lang="en-US" smtClean="0"/>
+              <a:t>77</a:t>
+            </a:fld>
+            <a:endParaRPr lang="en-US"/>
+          </a:p>
+        </p:txBody>
+      </p:sp>
+    </p:spTree>
+    <p:extLst>
+      <p:ext uri="{BB962C8B-B14F-4D97-AF65-F5344CB8AC3E}">
+        <p14:creationId xmlns:p14="http://schemas.microsoft.com/office/powerpoint/2010/main" val="512616315"/>
+      </p:ext>
+    </p:extLst>
+  </p:cSld>
+  <p:clrMapOvr>
+    <a:masterClrMapping/>
+  </p:clrMapOvr>
+</p:notes>
+</file>
+
+<file path=ppt/notesSlides/notesSlide12.xml><?xml version="1.0" encoding="utf-8"?>
+<p:notes xmlns:a="http://schemas.openxmlformats.org/drawingml/2006/main" xmlns:r="http://schemas.openxmlformats.org/officeDocument/2006/relationships" xmlns:p="http://schemas.openxmlformats.org/presentationml/2006/main">
+  <p:cSld>
+    <p:spTree>
+      <p:nvGrpSpPr>
+        <p:cNvPr id="1" name=""/>
+        <p:cNvGrpSpPr/>
+        <p:nvPr/>
+      </p:nvGrpSpPr>
+      <p:grpSpPr>
+        <a:xfrm>
+          <a:off x="0" y="0"/>
+          <a:ext cx="0" cy="0"/>
+          <a:chOff x="0" y="0"/>
+          <a:chExt cx="0" cy="0"/>
+        </a:xfrm>
+      </p:grpSpPr>
+      <p:sp>
+        <p:nvSpPr>
+          <p:cNvPr id="2" name="Slide Image Placeholder 1"/>
+          <p:cNvSpPr>
+            <a:spLocks noGrp="1" noRot="1" noChangeAspect="1"/>
+          </p:cNvSpPr>
+          <p:nvPr>
+            <p:ph type="sldImg"/>
+          </p:nvPr>
+        </p:nvSpPr>
+        <p:spPr/>
+      </p:sp>
+      <p:sp>
+        <p:nvSpPr>
+          <p:cNvPr id="3" name="Notes Placeholder 2"/>
+          <p:cNvSpPr>
+            <a:spLocks noGrp="1"/>
+          </p:cNvSpPr>
+          <p:nvPr>
+            <p:ph type="body" idx="1"/>
+          </p:nvPr>
+        </p:nvSpPr>
+        <p:spPr/>
+        <p:txBody>
+          <a:bodyPr/>
+          <a:lstStyle/>
+          <a:p>
+            <a:endParaRPr lang="en-US" dirty="0"/>
+          </a:p>
+        </p:txBody>
+      </p:sp>
+      <p:sp>
+        <p:nvSpPr>
+          <p:cNvPr id="4" name="Slide Number Placeholder 3"/>
+          <p:cNvSpPr>
+            <a:spLocks noGrp="1"/>
+          </p:cNvSpPr>
+          <p:nvPr>
+            <p:ph type="sldNum" sz="quarter" idx="10"/>
+          </p:nvPr>
+        </p:nvSpPr>
+        <p:spPr/>
+        <p:txBody>
+          <a:bodyPr/>
+          <a:lstStyle/>
+          <a:p>
+            <a:fld id="{689E1875-9936-49E8-A7D5-816B1B90719B}" type="slidenum">
+              <a:rPr lang="en-US" smtClean="0"/>
+              <a:t>78</a:t>
+            </a:fld>
+            <a:endParaRPr lang="en-US"/>
+          </a:p>
+        </p:txBody>
+      </p:sp>
+    </p:spTree>
+    <p:extLst>
+      <p:ext uri="{BB962C8B-B14F-4D97-AF65-F5344CB8AC3E}">
+        <p14:creationId xmlns:p14="http://schemas.microsoft.com/office/powerpoint/2010/main" val="512616315"/>
+      </p:ext>
+    </p:extLst>
+  </p:cSld>
+  <p:clrMapOvr>
+    <a:masterClrMapping/>
+  </p:clrMapOvr>
+</p:notes>
+</file>
+
+<file path=ppt/notesSlides/notesSlide2.xml><?xml version="1.0" encoding="utf-8"?>
+<p:notes xmlns:a="http://schemas.openxmlformats.org/drawingml/2006/main" xmlns:r="http://schemas.openxmlformats.org/officeDocument/2006/relationships" xmlns:p="http://schemas.openxmlformats.org/presentationml/2006/main">
+  <p:cSld>
+    <p:spTree>
+      <p:nvGrpSpPr>
+        <p:cNvPr id="1" name=""/>
+        <p:cNvGrpSpPr/>
+        <p:nvPr/>
+      </p:nvGrpSpPr>
+      <p:grpSpPr>
+        <a:xfrm>
+          <a:off x="0" y="0"/>
+          <a:ext cx="0" cy="0"/>
+          <a:chOff x="0" y="0"/>
+          <a:chExt cx="0" cy="0"/>
+        </a:xfrm>
+      </p:grpSpPr>
+      <p:sp>
+        <p:nvSpPr>
+          <p:cNvPr id="2" name="Slide Image Placeholder 1"/>
+          <p:cNvSpPr>
+            <a:spLocks noGrp="1" noRot="1" noChangeAspect="1"/>
+          </p:cNvSpPr>
+          <p:nvPr>
+            <p:ph type="sldImg"/>
+          </p:nvPr>
+        </p:nvSpPr>
+        <p:spPr/>
+      </p:sp>
+      <p:sp>
+        <p:nvSpPr>
+          <p:cNvPr id="3" name="Notes Placeholder 2"/>
+          <p:cNvSpPr>
+            <a:spLocks noGrp="1"/>
+          </p:cNvSpPr>
+          <p:nvPr>
+            <p:ph type="body" idx="1"/>
+          </p:nvPr>
+        </p:nvSpPr>
+        <p:spPr/>
+        <p:txBody>
+          <a:bodyPr/>
+          <a:lstStyle/>
+          <a:p>
+            <a:endParaRPr lang="en-US" dirty="0"/>
+          </a:p>
+        </p:txBody>
+      </p:sp>
+      <p:sp>
+        <p:nvSpPr>
+          <p:cNvPr id="4" name="Slide Number Placeholder 3"/>
+          <p:cNvSpPr>
+            <a:spLocks noGrp="1"/>
+          </p:cNvSpPr>
+          <p:nvPr>
+            <p:ph type="sldNum" sz="quarter" idx="10"/>
+          </p:nvPr>
+        </p:nvSpPr>
+        <p:spPr/>
+        <p:txBody>
+          <a:bodyPr/>
+          <a:lstStyle/>
+          <a:p>
+            <a:fld id="{689E1875-9936-49E8-A7D5-816B1B90719B}" type="slidenum">
+              <a:rPr lang="en-US" smtClean="0"/>
+              <a:t>60</a:t>
+            </a:fld>
+            <a:endParaRPr lang="en-US"/>
+          </a:p>
+        </p:txBody>
+      </p:sp>
+    </p:spTree>
+    <p:extLst>
+      <p:ext uri="{BB962C8B-B14F-4D97-AF65-F5344CB8AC3E}">
+        <p14:creationId xmlns:p14="http://schemas.microsoft.com/office/powerpoint/2010/main" val="2244120021"/>
+      </p:ext>
+    </p:extLst>
+  </p:cSld>
+  <p:clrMapOvr>
+    <a:masterClrMapping/>
+  </p:clrMapOvr>
+</p:notes>
+</file>
+
+<file path=ppt/notesSlides/notesSlide3.xml><?xml version="1.0" encoding="utf-8"?>
+<p:notes xmlns:a="http://schemas.openxmlformats.org/drawingml/2006/main" xmlns:r="http://schemas.openxmlformats.org/officeDocument/2006/relationships" xmlns:p="http://schemas.openxmlformats.org/presentationml/2006/main">
+  <p:cSld>
+    <p:spTree>
+      <p:nvGrpSpPr>
+        <p:cNvPr id="1" name=""/>
+        <p:cNvGrpSpPr/>
+        <p:nvPr/>
+      </p:nvGrpSpPr>
+      <p:grpSpPr>
+        <a:xfrm>
+          <a:off x="0" y="0"/>
+          <a:ext cx="0" cy="0"/>
+          <a:chOff x="0" y="0"/>
+          <a:chExt cx="0" cy="0"/>
+        </a:xfrm>
+      </p:grpSpPr>
+      <p:sp>
+        <p:nvSpPr>
+          <p:cNvPr id="2" name="Slide Image Placeholder 1"/>
+          <p:cNvSpPr>
+            <a:spLocks noGrp="1" noRot="1" noChangeAspect="1"/>
+          </p:cNvSpPr>
+          <p:nvPr>
+            <p:ph type="sldImg"/>
+          </p:nvPr>
+        </p:nvSpPr>
+        <p:spPr/>
+      </p:sp>
+      <p:sp>
+        <p:nvSpPr>
+          <p:cNvPr id="3" name="Notes Placeholder 2"/>
+          <p:cNvSpPr>
+            <a:spLocks noGrp="1"/>
+          </p:cNvSpPr>
+          <p:nvPr>
+            <p:ph type="body" idx="1"/>
+          </p:nvPr>
+        </p:nvSpPr>
+        <p:spPr/>
+        <p:txBody>
+          <a:bodyPr/>
+          <a:lstStyle/>
+          <a:p>
+            <a:endParaRPr lang="en-US" dirty="0"/>
+          </a:p>
+        </p:txBody>
+      </p:sp>
+      <p:sp>
+        <p:nvSpPr>
+          <p:cNvPr id="4" name="Slide Number Placeholder 3"/>
+          <p:cNvSpPr>
+            <a:spLocks noGrp="1"/>
+          </p:cNvSpPr>
+          <p:nvPr>
+            <p:ph type="sldNum" sz="quarter" idx="10"/>
+          </p:nvPr>
+        </p:nvSpPr>
+        <p:spPr/>
+        <p:txBody>
+          <a:bodyPr/>
+          <a:lstStyle/>
+          <a:p>
+            <a:fld id="{689E1875-9936-49E8-A7D5-816B1B90719B}" type="slidenum">
+              <a:rPr lang="en-US" smtClean="0"/>
+              <a:t>62</a:t>
+            </a:fld>
+            <a:endParaRPr lang="en-US"/>
+          </a:p>
+        </p:txBody>
+      </p:sp>
+    </p:spTree>
+    <p:extLst>
+      <p:ext uri="{BB962C8B-B14F-4D97-AF65-F5344CB8AC3E}">
+        <p14:creationId xmlns:p14="http://schemas.microsoft.com/office/powerpoint/2010/main" val="3935271643"/>
+      </p:ext>
+    </p:extLst>
+  </p:cSld>
+  <p:clrMapOvr>
+    <a:masterClrMapping/>
+  </p:clrMapOvr>
+</p:notes>
+</file>
+
+<file path=ppt/notesSlides/notesSlide4.xml><?xml version="1.0" encoding="utf-8"?>
+<p:notes xmlns:a="http://schemas.openxmlformats.org/drawingml/2006/main" xmlns:r="http://schemas.openxmlformats.org/officeDocument/2006/relationships" xmlns:p="http://schemas.openxmlformats.org/presentationml/2006/main">
+  <p:cSld>
+    <p:spTree>
+      <p:nvGrpSpPr>
+        <p:cNvPr id="1" name=""/>
+        <p:cNvGrpSpPr/>
+        <p:nvPr/>
+      </p:nvGrpSpPr>
+      <p:grpSpPr>
+        <a:xfrm>
+          <a:off x="0" y="0"/>
+          <a:ext cx="0" cy="0"/>
+          <a:chOff x="0" y="0"/>
+          <a:chExt cx="0" cy="0"/>
+        </a:xfrm>
+      </p:grpSpPr>
+      <p:sp>
+        <p:nvSpPr>
+          <p:cNvPr id="2" name="Slide Image Placeholder 1"/>
+          <p:cNvSpPr>
+            <a:spLocks noGrp="1" noRot="1" noChangeAspect="1"/>
+          </p:cNvSpPr>
+          <p:nvPr>
+            <p:ph type="sldImg"/>
+          </p:nvPr>
+        </p:nvSpPr>
+        <p:spPr/>
+      </p:sp>
+      <p:sp>
+        <p:nvSpPr>
+          <p:cNvPr id="3" name="Notes Placeholder 2"/>
+          <p:cNvSpPr>
+            <a:spLocks noGrp="1"/>
+          </p:cNvSpPr>
+          <p:nvPr>
+            <p:ph type="body" idx="1"/>
+          </p:nvPr>
+        </p:nvSpPr>
+        <p:spPr/>
+        <p:txBody>
+          <a:bodyPr/>
+          <a:lstStyle/>
+          <a:p>
+            <a:endParaRPr lang="en-US" dirty="0"/>
+          </a:p>
+        </p:txBody>
+      </p:sp>
+      <p:sp>
+        <p:nvSpPr>
+          <p:cNvPr id="4" name="Slide Number Placeholder 3"/>
+          <p:cNvSpPr>
+            <a:spLocks noGrp="1"/>
+          </p:cNvSpPr>
+          <p:nvPr>
+            <p:ph type="sldNum" sz="quarter" idx="10"/>
+          </p:nvPr>
+        </p:nvSpPr>
+        <p:spPr/>
+        <p:txBody>
+          <a:bodyPr/>
+          <a:lstStyle/>
+          <a:p>
+            <a:fld id="{689E1875-9936-49E8-A7D5-816B1B90719B}" type="slidenum">
+              <a:rPr lang="en-US" smtClean="0"/>
+              <a:t>63</a:t>
+            </a:fld>
+            <a:endParaRPr lang="en-US"/>
+          </a:p>
+        </p:txBody>
+      </p:sp>
+    </p:spTree>
+    <p:extLst>
+      <p:ext uri="{BB962C8B-B14F-4D97-AF65-F5344CB8AC3E}">
+        <p14:creationId xmlns:p14="http://schemas.microsoft.com/office/powerpoint/2010/main" val="3935271643"/>
+      </p:ext>
+    </p:extLst>
+  </p:cSld>
+  <p:clrMapOvr>
+    <a:masterClrMapping/>
+  </p:clrMapOvr>
+</p:notes>
+</file>
+
+<file path=ppt/notesSlides/notesSlide5.xml><?xml version="1.0" encoding="utf-8"?>
+<p:notes xmlns:a="http://schemas.openxmlformats.org/drawingml/2006/main" xmlns:r="http://schemas.openxmlformats.org/officeDocument/2006/relationships" xmlns:p="http://schemas.openxmlformats.org/presentationml/2006/main">
+  <p:cSld>
+    <p:spTree>
+      <p:nvGrpSpPr>
+        <p:cNvPr id="1" name=""/>
+        <p:cNvGrpSpPr/>
+        <p:nvPr/>
+      </p:nvGrpSpPr>
+      <p:grpSpPr>
+        <a:xfrm>
+          <a:off x="0" y="0"/>
+          <a:ext cx="0" cy="0"/>
+          <a:chOff x="0" y="0"/>
+          <a:chExt cx="0" cy="0"/>
+        </a:xfrm>
+      </p:grpSpPr>
+      <p:sp>
+        <p:nvSpPr>
+          <p:cNvPr id="2" name="Slide Image Placeholder 1"/>
+          <p:cNvSpPr>
+            <a:spLocks noGrp="1" noRot="1" noChangeAspect="1"/>
+          </p:cNvSpPr>
+          <p:nvPr>
+            <p:ph type="sldImg"/>
+          </p:nvPr>
+        </p:nvSpPr>
+        <p:spPr/>
+      </p:sp>
+      <p:sp>
+        <p:nvSpPr>
+          <p:cNvPr id="3" name="Notes Placeholder 2"/>
+          <p:cNvSpPr>
+            <a:spLocks noGrp="1"/>
+          </p:cNvSpPr>
+          <p:nvPr>
+            <p:ph type="body" idx="1"/>
+          </p:nvPr>
+        </p:nvSpPr>
+        <p:spPr/>
+        <p:txBody>
+          <a:bodyPr/>
+          <a:lstStyle/>
+          <a:p>
+            <a:endParaRPr lang="en-US" dirty="0"/>
+          </a:p>
+        </p:txBody>
+      </p:sp>
+      <p:sp>
+        <p:nvSpPr>
+          <p:cNvPr id="4" name="Slide Number Placeholder 3"/>
+          <p:cNvSpPr>
+            <a:spLocks noGrp="1"/>
+          </p:cNvSpPr>
+          <p:nvPr>
+            <p:ph type="sldNum" sz="quarter" idx="10"/>
+          </p:nvPr>
+        </p:nvSpPr>
+        <p:spPr/>
+        <p:txBody>
+          <a:bodyPr/>
+          <a:lstStyle/>
+          <a:p>
+            <a:fld id="{689E1875-9936-49E8-A7D5-816B1B90719B}" type="slidenum">
+              <a:rPr lang="en-US" smtClean="0"/>
+              <a:t>64</a:t>
+            </a:fld>
+            <a:endParaRPr lang="en-US"/>
+          </a:p>
+        </p:txBody>
+      </p:sp>
+    </p:spTree>
+    <p:extLst>
+      <p:ext uri="{BB962C8B-B14F-4D97-AF65-F5344CB8AC3E}">
+        <p14:creationId xmlns:p14="http://schemas.microsoft.com/office/powerpoint/2010/main" val="3935271643"/>
+      </p:ext>
+    </p:extLst>
+  </p:cSld>
+  <p:clrMapOvr>
+    <a:masterClrMapping/>
+  </p:clrMapOvr>
+</p:notes>
+</file>
+
+<file path=ppt/notesSlides/notesSlide6.xml><?xml version="1.0" encoding="utf-8"?>
+<p:notes xmlns:a="http://schemas.openxmlformats.org/drawingml/2006/main" xmlns:r="http://schemas.openxmlformats.org/officeDocument/2006/relationships" xmlns:p="http://schemas.openxmlformats.org/presentationml/2006/main">
+  <p:cSld>
+    <p:spTree>
+      <p:nvGrpSpPr>
+        <p:cNvPr id="1" name=""/>
+        <p:cNvGrpSpPr/>
+        <p:nvPr/>
+      </p:nvGrpSpPr>
+      <p:grpSpPr>
+        <a:xfrm>
+          <a:off x="0" y="0"/>
+          <a:ext cx="0" cy="0"/>
+          <a:chOff x="0" y="0"/>
+          <a:chExt cx="0" cy="0"/>
+        </a:xfrm>
+      </p:grpSpPr>
+      <p:sp>
+        <p:nvSpPr>
+          <p:cNvPr id="2" name="Slide Image Placeholder 1"/>
+          <p:cNvSpPr>
+            <a:spLocks noGrp="1" noRot="1" noChangeAspect="1"/>
+          </p:cNvSpPr>
+          <p:nvPr>
+            <p:ph type="sldImg"/>
+          </p:nvPr>
+        </p:nvSpPr>
+        <p:spPr/>
+      </p:sp>
+      <p:sp>
+        <p:nvSpPr>
+          <p:cNvPr id="3" name="Notes Placeholder 2"/>
+          <p:cNvSpPr>
+            <a:spLocks noGrp="1"/>
+          </p:cNvSpPr>
+          <p:nvPr>
+            <p:ph type="body" idx="1"/>
+          </p:nvPr>
+        </p:nvSpPr>
+        <p:spPr/>
+        <p:txBody>
+          <a:bodyPr/>
+          <a:lstStyle/>
+          <a:p>
+            <a:endParaRPr lang="en-US" dirty="0"/>
+          </a:p>
+        </p:txBody>
+      </p:sp>
+      <p:sp>
+        <p:nvSpPr>
+          <p:cNvPr id="4" name="Slide Number Placeholder 3"/>
+          <p:cNvSpPr>
+            <a:spLocks noGrp="1"/>
+          </p:cNvSpPr>
+          <p:nvPr>
+            <p:ph type="sldNum" sz="quarter" idx="10"/>
+          </p:nvPr>
+        </p:nvSpPr>
+        <p:spPr/>
+        <p:txBody>
+          <a:bodyPr/>
+          <a:lstStyle/>
+          <a:p>
+            <a:fld id="{689E1875-9936-49E8-A7D5-816B1B90719B}" type="slidenum">
+              <a:rPr lang="en-US" smtClean="0"/>
+              <a:t>65</a:t>
+            </a:fld>
+            <a:endParaRPr lang="en-US"/>
+          </a:p>
+        </p:txBody>
+      </p:sp>
+    </p:spTree>
+    <p:extLst>
+      <p:ext uri="{BB962C8B-B14F-4D97-AF65-F5344CB8AC3E}">
+        <p14:creationId xmlns:p14="http://schemas.microsoft.com/office/powerpoint/2010/main" val="3935271643"/>
+      </p:ext>
+    </p:extLst>
+  </p:cSld>
+  <p:clrMapOvr>
+    <a:masterClrMapping/>
+  </p:clrMapOvr>
+</p:notes>
+</file>
+
+<file path=ppt/notesSlides/notesSlide7.xml><?xml version="1.0" encoding="utf-8"?>
+<p:notes xmlns:a="http://schemas.openxmlformats.org/drawingml/2006/main" xmlns:r="http://schemas.openxmlformats.org/officeDocument/2006/relationships" xmlns:p="http://schemas.openxmlformats.org/presentationml/2006/main">
+  <p:cSld>
+    <p:spTree>
+      <p:nvGrpSpPr>
+        <p:cNvPr id="1" name=""/>
+        <p:cNvGrpSpPr/>
+        <p:nvPr/>
+      </p:nvGrpSpPr>
+      <p:grpSpPr>
+        <a:xfrm>
+          <a:off x="0" y="0"/>
+          <a:ext cx="0" cy="0"/>
+          <a:chOff x="0" y="0"/>
+          <a:chExt cx="0" cy="0"/>
+        </a:xfrm>
+      </p:grpSpPr>
+      <p:sp>
+        <p:nvSpPr>
+          <p:cNvPr id="2" name="Slide Image Placeholder 1"/>
+          <p:cNvSpPr>
+            <a:spLocks noGrp="1" noRot="1" noChangeAspect="1"/>
+          </p:cNvSpPr>
+          <p:nvPr>
+            <p:ph type="sldImg"/>
+          </p:nvPr>
+        </p:nvSpPr>
+        <p:spPr/>
+      </p:sp>
+      <p:sp>
+        <p:nvSpPr>
+          <p:cNvPr id="3" name="Notes Placeholder 2"/>
+          <p:cNvSpPr>
+            <a:spLocks noGrp="1"/>
+          </p:cNvSpPr>
+          <p:nvPr>
+            <p:ph type="body" idx="1"/>
+          </p:nvPr>
+        </p:nvSpPr>
+        <p:spPr/>
+        <p:txBody>
+          <a:bodyPr/>
+          <a:lstStyle/>
+          <a:p>
+            <a:endParaRPr lang="en-US" dirty="0"/>
+          </a:p>
+        </p:txBody>
+      </p:sp>
+      <p:sp>
+        <p:nvSpPr>
+          <p:cNvPr id="4" name="Slide Number Placeholder 3"/>
+          <p:cNvSpPr>
+            <a:spLocks noGrp="1"/>
+          </p:cNvSpPr>
+          <p:nvPr>
+            <p:ph type="sldNum" sz="quarter" idx="10"/>
+          </p:nvPr>
+        </p:nvSpPr>
+        <p:spPr/>
+        <p:txBody>
+          <a:bodyPr/>
+          <a:lstStyle/>
+          <a:p>
+            <a:fld id="{689E1875-9936-49E8-A7D5-816B1B90719B}" type="slidenum">
+              <a:rPr lang="en-US" smtClean="0"/>
+              <a:t>66</a:t>
+            </a:fld>
+            <a:endParaRPr lang="en-US"/>
+          </a:p>
+        </p:txBody>
+      </p:sp>
+    </p:spTree>
+    <p:extLst>
+      <p:ext uri="{BB962C8B-B14F-4D97-AF65-F5344CB8AC3E}">
+        <p14:creationId xmlns:p14="http://schemas.microsoft.com/office/powerpoint/2010/main" val="3935271643"/>
+      </p:ext>
+    </p:extLst>
+  </p:cSld>
+  <p:clrMapOvr>
+    <a:masterClrMapping/>
+  </p:clrMapOvr>
+</p:notes>
+</file>
+
+<file path=ppt/notesSlides/notesSlide8.xml><?xml version="1.0" encoding="utf-8"?>
+<p:notes xmlns:a="http://schemas.openxmlformats.org/drawingml/2006/main" xmlns:r="http://schemas.openxmlformats.org/officeDocument/2006/relationships" xmlns:p="http://schemas.openxmlformats.org/presentationml/2006/main">
+  <p:cSld>
+    <p:spTree>
+      <p:nvGrpSpPr>
+        <p:cNvPr id="1" name=""/>
+        <p:cNvGrpSpPr/>
+        <p:nvPr/>
+      </p:nvGrpSpPr>
+      <p:grpSpPr>
+        <a:xfrm>
+          <a:off x="0" y="0"/>
+          <a:ext cx="0" cy="0"/>
+          <a:chOff x="0" y="0"/>
+          <a:chExt cx="0" cy="0"/>
+        </a:xfrm>
+      </p:grpSpPr>
+      <p:sp>
+        <p:nvSpPr>
+          <p:cNvPr id="2" name="Slide Image Placeholder 1"/>
+          <p:cNvSpPr>
+            <a:spLocks noGrp="1" noRot="1" noChangeAspect="1"/>
+          </p:cNvSpPr>
+          <p:nvPr>
+            <p:ph type="sldImg"/>
+          </p:nvPr>
+        </p:nvSpPr>
+        <p:spPr/>
+      </p:sp>
+      <p:sp>
+        <p:nvSpPr>
+          <p:cNvPr id="3" name="Notes Placeholder 2"/>
+          <p:cNvSpPr>
+            <a:spLocks noGrp="1"/>
+          </p:cNvSpPr>
+          <p:nvPr>
+            <p:ph type="body" idx="1"/>
+          </p:nvPr>
+        </p:nvSpPr>
+        <p:spPr/>
+        <p:txBody>
+          <a:bodyPr/>
+          <a:lstStyle/>
+          <a:p>
+            <a:endParaRPr lang="en-US" dirty="0"/>
+          </a:p>
+        </p:txBody>
+      </p:sp>
+      <p:sp>
+        <p:nvSpPr>
+          <p:cNvPr id="4" name="Slide Number Placeholder 3"/>
+          <p:cNvSpPr>
+            <a:spLocks noGrp="1"/>
+          </p:cNvSpPr>
+          <p:nvPr>
+            <p:ph type="sldNum" sz="quarter" idx="10"/>
+          </p:nvPr>
+        </p:nvSpPr>
+        <p:spPr/>
+        <p:txBody>
+          <a:bodyPr/>
+          <a:lstStyle/>
+          <a:p>
+            <a:fld id="{689E1875-9936-49E8-A7D5-816B1B90719B}" type="slidenum">
+              <a:rPr lang="en-US" smtClean="0"/>
+              <a:t>67</a:t>
+            </a:fld>
+            <a:endParaRPr lang="en-US"/>
+          </a:p>
+        </p:txBody>
+      </p:sp>
+    </p:spTree>
+    <p:extLst>
+      <p:ext uri="{BB962C8B-B14F-4D97-AF65-F5344CB8AC3E}">
+        <p14:creationId xmlns:p14="http://schemas.microsoft.com/office/powerpoint/2010/main" val="3935271643"/>
+      </p:ext>
+    </p:extLst>
+  </p:cSld>
+  <p:clrMapOvr>
+    <a:masterClrMapping/>
+  </p:clrMapOvr>
+</p:notes>
+</file>
+
+<file path=ppt/notesSlides/notesSlide9.xml><?xml version="1.0" encoding="utf-8"?>
+<p:notes xmlns:a="http://schemas.openxmlformats.org/drawingml/2006/main" xmlns:r="http://schemas.openxmlformats.org/officeDocument/2006/relationships" xmlns:p="http://schemas.openxmlformats.org/presentationml/2006/main">
+  <p:cSld>
+    <p:spTree>
+      <p:nvGrpSpPr>
+        <p:cNvPr id="1" name=""/>
+        <p:cNvGrpSpPr/>
+        <p:nvPr/>
+      </p:nvGrpSpPr>
+      <p:grpSpPr>
+        <a:xfrm>
+          <a:off x="0" y="0"/>
+          <a:ext cx="0" cy="0"/>
+          <a:chOff x="0" y="0"/>
+          <a:chExt cx="0" cy="0"/>
+        </a:xfrm>
+      </p:grpSpPr>
+      <p:sp>
+        <p:nvSpPr>
+          <p:cNvPr id="2" name="Slide Image Placeholder 1"/>
+          <p:cNvSpPr>
+            <a:spLocks noGrp="1" noRot="1" noChangeAspect="1"/>
+          </p:cNvSpPr>
+          <p:nvPr>
+            <p:ph type="sldImg"/>
+          </p:nvPr>
+        </p:nvSpPr>
+        <p:spPr/>
+      </p:sp>
+      <p:sp>
+        <p:nvSpPr>
+          <p:cNvPr id="3" name="Notes Placeholder 2"/>
+          <p:cNvSpPr>
+            <a:spLocks noGrp="1"/>
+          </p:cNvSpPr>
+          <p:nvPr>
+            <p:ph type="body" idx="1"/>
+          </p:nvPr>
+        </p:nvSpPr>
+        <p:spPr/>
+        <p:txBody>
+          <a:bodyPr/>
+          <a:lstStyle/>
+          <a:p>
+            <a:endParaRPr lang="en-US" dirty="0"/>
+          </a:p>
+        </p:txBody>
+      </p:sp>
+      <p:sp>
+        <p:nvSpPr>
+          <p:cNvPr id="4" name="Slide Number Placeholder 3"/>
+          <p:cNvSpPr>
+            <a:spLocks noGrp="1"/>
+          </p:cNvSpPr>
+          <p:nvPr>
+            <p:ph type="sldNum" sz="quarter" idx="10"/>
+          </p:nvPr>
+        </p:nvSpPr>
+        <p:spPr/>
+        <p:txBody>
+          <a:bodyPr/>
+          <a:lstStyle/>
+          <a:p>
+            <a:fld id="{689E1875-9936-49E8-A7D5-816B1B90719B}" type="slidenum">
+              <a:rPr lang="en-US" smtClean="0"/>
+              <a:t>75</a:t>
+            </a:fld>
+            <a:endParaRPr lang="en-US"/>
+          </a:p>
+        </p:txBody>
+      </p:sp>
+    </p:spTree>
+    <p:extLst>
+      <p:ext uri="{BB962C8B-B14F-4D97-AF65-F5344CB8AC3E}">
+        <p14:creationId xmlns:p14="http://schemas.microsoft.com/office/powerpoint/2010/main" val="512616315"/>
       </p:ext>
     </p:extLst>
   </p:cSld>
@@ -12982,18 +13935,11 @@
                     </a:p>
                     <a:p>
                       <a:r>
-                        <a:rPr lang="en-US" sz="1600" smtClean="0">
-                          <a:latin typeface="Courier New" pitchFamily="49" charset="0"/>
-                          <a:cs typeface="Courier New" pitchFamily="49" charset="0"/>
-                        </a:rPr>
-                        <a:t>print </a:t>
-                      </a:r>
-                      <a:r>
-                        <a:rPr lang="en-US" sz="1600" dirty="0" smtClean="0">
-                          <a:latin typeface="Courier New" pitchFamily="49" charset="0"/>
-                          <a:cs typeface="Courier New" pitchFamily="49" charset="0"/>
-                        </a:rPr>
-                        <a:t>"The primes smaller than 10 are: @small\n";</a:t>
+                        <a:rPr lang="en-US" sz="1600" dirty="0" smtClean="0">
+                          <a:latin typeface="Courier New" pitchFamily="49" charset="0"/>
+                          <a:cs typeface="Courier New" pitchFamily="49" charset="0"/>
+                        </a:rPr>
+                        <a:t>print "The primes smaller than 10 are: @small\n";</a:t>
                       </a:r>
                       <a:endParaRPr lang="en-US" sz="1600" dirty="0">
                         <a:latin typeface="Courier New" pitchFamily="49" charset="0"/>
@@ -13339,6 +14285,2324 @@
 </p:sld>
 </file>
 
+<file path=ppt/slides/slide50.xml><?xml version="1.0" encoding="utf-8"?>
+<p:sld xmlns:a="http://schemas.openxmlformats.org/drawingml/2006/main" xmlns:r="http://schemas.openxmlformats.org/officeDocument/2006/relationships" xmlns:p="http://schemas.openxmlformats.org/presentationml/2006/main">
+  <p:cSld>
+    <p:spTree>
+      <p:nvGrpSpPr>
+        <p:cNvPr id="1" name=""/>
+        <p:cNvGrpSpPr/>
+        <p:nvPr/>
+      </p:nvGrpSpPr>
+      <p:grpSpPr>
+        <a:xfrm>
+          <a:off x="0" y="0"/>
+          <a:ext cx="0" cy="0"/>
+          <a:chOff x="0" y="0"/>
+          <a:chExt cx="0" cy="0"/>
+        </a:xfrm>
+      </p:grpSpPr>
+      <p:sp>
+        <p:nvSpPr>
+          <p:cNvPr id="2" name="Title 1"/>
+          <p:cNvSpPr>
+            <a:spLocks noGrp="1"/>
+          </p:cNvSpPr>
+          <p:nvPr>
+            <p:ph type="title"/>
+          </p:nvPr>
+        </p:nvSpPr>
+        <p:spPr/>
+        <p:txBody>
+          <a:bodyPr/>
+          <a:lstStyle/>
+          <a:p>
+            <a:r>
+              <a:rPr lang="en-US" dirty="0" smtClean="0"/>
+              <a:t>Flow Control</a:t>
+            </a:r>
+            <a:endParaRPr lang="en-US" dirty="0"/>
+          </a:p>
+        </p:txBody>
+      </p:sp>
+      <p:sp>
+        <p:nvSpPr>
+          <p:cNvPr id="3" name="Content Placeholder 2"/>
+          <p:cNvSpPr>
+            <a:spLocks noGrp="1"/>
+          </p:cNvSpPr>
+          <p:nvPr>
+            <p:ph idx="1"/>
+          </p:nvPr>
+        </p:nvSpPr>
+        <p:spPr/>
+        <p:txBody>
+          <a:bodyPr>
+            <a:normAutofit/>
+          </a:bodyPr>
+          <a:lstStyle/>
+          <a:p>
+            <a:r>
+              <a:rPr lang="en-US" sz="2000" dirty="0" smtClean="0"/>
+              <a:t>Flow control is more expressive in Perl</a:t>
+            </a:r>
+          </a:p>
+          <a:p>
+            <a:r>
+              <a:rPr lang="en-US" sz="2000" dirty="0" smtClean="0"/>
+              <a:t>Conditional statements</a:t>
+            </a:r>
+          </a:p>
+          <a:p>
+            <a:r>
+              <a:rPr lang="en-US" sz="2000" dirty="0" smtClean="0"/>
+              <a:t>if</a:t>
+            </a:r>
+          </a:p>
+          <a:p>
+            <a:r>
+              <a:rPr lang="en-US" sz="2000" dirty="0" smtClean="0"/>
+              <a:t>unless</a:t>
+            </a:r>
+          </a:p>
+          <a:p>
+            <a:r>
+              <a:rPr lang="en-US" sz="2000" dirty="0" smtClean="0"/>
+              <a:t>Loop statements</a:t>
+            </a:r>
+          </a:p>
+          <a:p>
+            <a:r>
+              <a:rPr lang="en-US" sz="2000" dirty="0" smtClean="0"/>
+              <a:t>while</a:t>
+            </a:r>
+          </a:p>
+          <a:p>
+            <a:r>
+              <a:rPr lang="en-US" sz="2000" dirty="0" smtClean="0"/>
+              <a:t>until</a:t>
+            </a:r>
+          </a:p>
+          <a:p>
+            <a:r>
+              <a:rPr lang="en-US" sz="2000" dirty="0" smtClean="0"/>
+              <a:t>for</a:t>
+            </a:r>
+          </a:p>
+          <a:p>
+            <a:r>
+              <a:rPr lang="en-US" sz="2000" dirty="0" err="1" smtClean="0"/>
+              <a:t>foreach</a:t>
+            </a:r>
+            <a:endParaRPr lang="en-US" sz="2000" dirty="0" smtClean="0"/>
+          </a:p>
+          <a:p>
+            <a:r>
+              <a:rPr lang="en-US" sz="2000" dirty="0" smtClean="0"/>
+              <a:t>Modifiers</a:t>
+            </a:r>
+          </a:p>
+          <a:p>
+            <a:r>
+              <a:rPr lang="en-US" sz="2000" dirty="0" smtClean="0"/>
+              <a:t>Simple statements may be modified</a:t>
+            </a:r>
+          </a:p>
+          <a:p>
+            <a:r>
+              <a:rPr lang="en-US" sz="2000" dirty="0" smtClean="0"/>
+              <a:t>See </a:t>
+            </a:r>
+            <a:r>
+              <a:rPr lang="en-US" sz="2000" dirty="0" err="1" smtClean="0"/>
+              <a:t>perldoc</a:t>
+            </a:r>
+            <a:r>
+              <a:rPr lang="en-US" sz="2000" dirty="0" smtClean="0"/>
+              <a:t> </a:t>
+            </a:r>
+            <a:r>
+              <a:rPr lang="en-US" sz="2000" dirty="0" err="1" smtClean="0"/>
+              <a:t>perlsyn</a:t>
+            </a:r>
+            <a:r>
+              <a:rPr lang="en-US" sz="2000" dirty="0" smtClean="0"/>
+              <a:t> for complete syntax</a:t>
+            </a:r>
+            <a:endParaRPr lang="en-US" sz="1600" dirty="0" smtClean="0"/>
+          </a:p>
+        </p:txBody>
+      </p:sp>
+    </p:spTree>
+    <p:extLst>
+      <p:ext uri="{BB962C8B-B14F-4D97-AF65-F5344CB8AC3E}">
+        <p14:creationId xmlns:p14="http://schemas.microsoft.com/office/powerpoint/2010/main" val="1202445759"/>
+      </p:ext>
+    </p:extLst>
+  </p:cSld>
+  <p:clrMapOvr>
+    <a:masterClrMapping/>
+  </p:clrMapOvr>
+  <p:timing>
+    <p:tnLst>
+      <p:par>
+        <p:cTn id="1" dur="indefinite" restart="never" nodeType="tmRoot"/>
+      </p:par>
+    </p:tnLst>
+  </p:timing>
+</p:sld>
+</file>
+
+<file path=ppt/slides/slide51.xml><?xml version="1.0" encoding="utf-8"?>
+<p:sld xmlns:a="http://schemas.openxmlformats.org/drawingml/2006/main" xmlns:r="http://schemas.openxmlformats.org/officeDocument/2006/relationships" xmlns:p="http://schemas.openxmlformats.org/presentationml/2006/main">
+  <p:cSld>
+    <p:spTree>
+      <p:nvGrpSpPr>
+        <p:cNvPr id="1" name=""/>
+        <p:cNvGrpSpPr/>
+        <p:nvPr/>
+      </p:nvGrpSpPr>
+      <p:grpSpPr>
+        <a:xfrm>
+          <a:off x="0" y="0"/>
+          <a:ext cx="0" cy="0"/>
+          <a:chOff x="0" y="0"/>
+          <a:chExt cx="0" cy="0"/>
+        </a:xfrm>
+      </p:grpSpPr>
+      <p:sp>
+        <p:nvSpPr>
+          <p:cNvPr id="2" name="Title 1"/>
+          <p:cNvSpPr>
+            <a:spLocks noGrp="1"/>
+          </p:cNvSpPr>
+          <p:nvPr>
+            <p:ph type="title"/>
+          </p:nvPr>
+        </p:nvSpPr>
+        <p:spPr/>
+        <p:txBody>
+          <a:bodyPr/>
+          <a:lstStyle/>
+          <a:p>
+            <a:r>
+              <a:rPr lang="en-US" dirty="0" smtClean="0"/>
+              <a:t>Conditional Statements</a:t>
+            </a:r>
+            <a:endParaRPr lang="en-US" dirty="0"/>
+          </a:p>
+        </p:txBody>
+      </p:sp>
+      <p:sp>
+        <p:nvSpPr>
+          <p:cNvPr id="3" name="Content Placeholder 2"/>
+          <p:cNvSpPr>
+            <a:spLocks noGrp="1"/>
+          </p:cNvSpPr>
+          <p:nvPr>
+            <p:ph idx="1"/>
+          </p:nvPr>
+        </p:nvSpPr>
+        <p:spPr/>
+        <p:txBody>
+          <a:bodyPr>
+            <a:normAutofit/>
+          </a:bodyPr>
+          <a:lstStyle/>
+          <a:p>
+            <a:r>
+              <a:rPr lang="en-US" sz="1600" dirty="0" smtClean="0"/>
+              <a:t>Conditional statements provide </a:t>
+            </a:r>
+            <a:r>
+              <a:rPr lang="en-US" sz="1600" dirty="0" err="1" smtClean="0"/>
+              <a:t>boolean</a:t>
+            </a:r>
+            <a:r>
+              <a:rPr lang="en-US" sz="1600" dirty="0" smtClean="0"/>
+              <a:t> context</a:t>
+            </a:r>
+          </a:p>
+          <a:p>
+            <a:r>
+              <a:rPr lang="en-US" sz="1600" dirty="0" smtClean="0"/>
+              <a:t>if statement controls the following block</a:t>
+            </a:r>
+          </a:p>
+          <a:p>
+            <a:r>
+              <a:rPr lang="en-US" sz="1600" dirty="0" smtClean="0"/>
+              <a:t>if, </a:t>
+            </a:r>
+            <a:r>
+              <a:rPr lang="en-US" sz="1600" dirty="0" err="1" smtClean="0"/>
+              <a:t>elsif</a:t>
+            </a:r>
+            <a:r>
+              <a:rPr lang="en-US" sz="1600" dirty="0" smtClean="0"/>
+              <a:t>, else</a:t>
+            </a:r>
+          </a:p>
+          <a:p>
+            <a:r>
+              <a:rPr lang="en-US" sz="1600" dirty="0" smtClean="0"/>
+              <a:t>Yes, that does say </a:t>
+            </a:r>
+            <a:r>
+              <a:rPr lang="en-US" sz="1600" dirty="0" err="1" smtClean="0"/>
+              <a:t>elsif</a:t>
+            </a:r>
+            <a:r>
+              <a:rPr lang="en-US" sz="1600" dirty="0" smtClean="0"/>
+              <a:t>. Oh well.</a:t>
+            </a:r>
+          </a:p>
+          <a:p>
+            <a:r>
+              <a:rPr lang="en-US" sz="1600" dirty="0" smtClean="0"/>
+              <a:t>unless is opposite of if</a:t>
+            </a:r>
+          </a:p>
+          <a:p>
+            <a:r>
+              <a:rPr lang="en-US" sz="1600" dirty="0" smtClean="0"/>
+              <a:t>Equivalent to if (not $</a:t>
+            </a:r>
+            <a:r>
+              <a:rPr lang="en-US" sz="1600" dirty="0" err="1" smtClean="0"/>
+              <a:t>boolean</a:t>
+            </a:r>
+            <a:r>
+              <a:rPr lang="en-US" sz="1600" dirty="0" smtClean="0"/>
+              <a:t>)</a:t>
+            </a:r>
+          </a:p>
+          <a:p>
+            <a:r>
+              <a:rPr lang="en-US" sz="1600" dirty="0" smtClean="0"/>
+              <a:t>unless, </a:t>
+            </a:r>
+            <a:r>
+              <a:rPr lang="en-US" sz="1600" dirty="0" err="1" smtClean="0"/>
+              <a:t>elsif</a:t>
+            </a:r>
+            <a:r>
+              <a:rPr lang="en-US" sz="1600" dirty="0" smtClean="0"/>
+              <a:t>, else</a:t>
+            </a:r>
+          </a:p>
+          <a:p>
+            <a:r>
+              <a:rPr lang="en-US" sz="1600" dirty="0" smtClean="0"/>
+              <a:t>There is no </a:t>
+            </a:r>
+            <a:r>
+              <a:rPr lang="en-US" sz="1600" dirty="0" err="1" smtClean="0"/>
+              <a:t>elsunless</a:t>
+            </a:r>
+            <a:r>
+              <a:rPr lang="en-US" sz="1600" dirty="0" smtClean="0"/>
+              <a:t>, thankfully.</a:t>
+            </a:r>
+          </a:p>
+          <a:p>
+            <a:endParaRPr lang="en-US" sz="1600" dirty="0"/>
+          </a:p>
+          <a:p>
+            <a:pPr marL="0" indent="0">
+              <a:buNone/>
+            </a:pPr>
+            <a:endParaRPr lang="en-US" sz="1600" dirty="0" smtClean="0"/>
+          </a:p>
+        </p:txBody>
+      </p:sp>
+      <p:graphicFrame>
+        <p:nvGraphicFramePr>
+          <p:cNvPr id="4" name="Table 3"/>
+          <p:cNvGraphicFramePr>
+            <a:graphicFrameLocks noGrp="1"/>
+          </p:cNvGraphicFramePr>
+          <p:nvPr>
+            <p:extLst>
+              <p:ext uri="{D42A27DB-BD31-4B8C-83A1-F6EECF244321}">
+                <p14:modId xmlns:p14="http://schemas.microsoft.com/office/powerpoint/2010/main" val="2753802303"/>
+              </p:ext>
+            </p:extLst>
+          </p:nvPr>
+        </p:nvGraphicFramePr>
+        <p:xfrm>
+          <a:off x="457200" y="4191000"/>
+          <a:ext cx="8686800" cy="1310640"/>
+        </p:xfrm>
+        <a:graphic>
+          <a:graphicData uri="http://schemas.openxmlformats.org/drawingml/2006/table">
+            <a:tbl>
+              <a:tblPr firstRow="1" bandRow="1">
+                <a:tableStyleId>{5C22544A-7EE6-4342-B048-85BDC9FD1C3A}</a:tableStyleId>
+              </a:tblPr>
+              <a:tblGrid>
+                <a:gridCol w="8686800"/>
+              </a:tblGrid>
+              <a:tr h="370840">
+                <a:tc>
+                  <a:txBody>
+                    <a:bodyPr/>
+                    <a:lstStyle/>
+                    <a:p>
+                      <a:r>
+                        <a:rPr lang="en-US" sz="1600" dirty="0" smtClean="0">
+                          <a:latin typeface="Courier New" pitchFamily="49" charset="0"/>
+                          <a:cs typeface="Courier New" pitchFamily="49" charset="0"/>
+                        </a:rPr>
+                        <a:t>my ($a, $b) = (0, 1);</a:t>
+                      </a:r>
+                    </a:p>
+                    <a:p>
+                      <a:r>
+                        <a:rPr lang="en-US" sz="1600" dirty="0" smtClean="0">
+                          <a:latin typeface="Courier New" pitchFamily="49" charset="0"/>
+                          <a:cs typeface="Courier New" pitchFamily="49" charset="0"/>
+                        </a:rPr>
+                        <a:t>if (!$a &amp;&amp; !$b)        {print "Neither\n";} # Conventional</a:t>
+                      </a:r>
+                    </a:p>
+                    <a:p>
+                      <a:r>
+                        <a:rPr lang="en-US" sz="1600" dirty="0" smtClean="0">
+                          <a:latin typeface="Courier New" pitchFamily="49" charset="0"/>
+                          <a:cs typeface="Courier New" pitchFamily="49" charset="0"/>
+                        </a:rPr>
+                        <a:t>if (not $a and not $b) {print "Neither\n";} # Same, but in English</a:t>
+                      </a:r>
+                    </a:p>
+                    <a:p>
+                      <a:r>
+                        <a:rPr lang="en-US" sz="1600" dirty="0" smtClean="0">
+                          <a:latin typeface="Courier New" pitchFamily="49" charset="0"/>
+                          <a:cs typeface="Courier New" pitchFamily="49" charset="0"/>
+                        </a:rPr>
+                        <a:t>if (not ($a or $b))    {print "Neither\n";} # Same, but parentheses</a:t>
+                      </a:r>
+                    </a:p>
+                    <a:p>
+                      <a:r>
+                        <a:rPr lang="en-US" sz="1600" dirty="0" smtClean="0">
+                          <a:latin typeface="Courier New" pitchFamily="49" charset="0"/>
+                          <a:cs typeface="Courier New" pitchFamily="49" charset="0"/>
+                        </a:rPr>
+                        <a:t>unless ($a or $b)      {print "Neither\n";} # Same, but clearest</a:t>
+                      </a:r>
+                      <a:endParaRPr lang="en-US" sz="1600" dirty="0">
+                        <a:latin typeface="Courier New" pitchFamily="49" charset="0"/>
+                        <a:cs typeface="Courier New" pitchFamily="49" charset="0"/>
+                      </a:endParaRPr>
+                    </a:p>
+                  </a:txBody>
+                  <a:tcPr/>
+                </a:tc>
+              </a:tr>
+            </a:tbl>
+          </a:graphicData>
+        </a:graphic>
+      </p:graphicFrame>
+    </p:spTree>
+    <p:extLst>
+      <p:ext uri="{BB962C8B-B14F-4D97-AF65-F5344CB8AC3E}">
+        <p14:creationId xmlns:p14="http://schemas.microsoft.com/office/powerpoint/2010/main" val="3070830764"/>
+      </p:ext>
+    </p:extLst>
+  </p:cSld>
+  <p:clrMapOvr>
+    <a:masterClrMapping/>
+  </p:clrMapOvr>
+  <p:timing>
+    <p:tnLst>
+      <p:par>
+        <p:cTn id="1" dur="indefinite" restart="never" nodeType="tmRoot"/>
+      </p:par>
+    </p:tnLst>
+  </p:timing>
+</p:sld>
+</file>
+
+<file path=ppt/slides/slide52.xml><?xml version="1.0" encoding="utf-8"?>
+<p:sld xmlns:a="http://schemas.openxmlformats.org/drawingml/2006/main" xmlns:r="http://schemas.openxmlformats.org/officeDocument/2006/relationships" xmlns:p="http://schemas.openxmlformats.org/presentationml/2006/main">
+  <p:cSld>
+    <p:spTree>
+      <p:nvGrpSpPr>
+        <p:cNvPr id="1" name=""/>
+        <p:cNvGrpSpPr/>
+        <p:nvPr/>
+      </p:nvGrpSpPr>
+      <p:grpSpPr>
+        <a:xfrm>
+          <a:off x="0" y="0"/>
+          <a:ext cx="0" cy="0"/>
+          <a:chOff x="0" y="0"/>
+          <a:chExt cx="0" cy="0"/>
+        </a:xfrm>
+      </p:grpSpPr>
+      <p:sp>
+        <p:nvSpPr>
+          <p:cNvPr id="2" name="Title 1"/>
+          <p:cNvSpPr>
+            <a:spLocks noGrp="1"/>
+          </p:cNvSpPr>
+          <p:nvPr>
+            <p:ph type="title"/>
+          </p:nvPr>
+        </p:nvSpPr>
+        <p:spPr/>
+        <p:txBody>
+          <a:bodyPr/>
+          <a:lstStyle/>
+          <a:p>
+            <a:r>
+              <a:rPr lang="en-US" dirty="0" smtClean="0"/>
+              <a:t>Loop Statements</a:t>
+            </a:r>
+            <a:endParaRPr lang="en-US" dirty="0"/>
+          </a:p>
+        </p:txBody>
+      </p:sp>
+      <p:sp>
+        <p:nvSpPr>
+          <p:cNvPr id="3" name="Content Placeholder 2"/>
+          <p:cNvSpPr>
+            <a:spLocks noGrp="1"/>
+          </p:cNvSpPr>
+          <p:nvPr>
+            <p:ph idx="1"/>
+          </p:nvPr>
+        </p:nvSpPr>
+        <p:spPr/>
+        <p:txBody>
+          <a:bodyPr>
+            <a:normAutofit/>
+          </a:bodyPr>
+          <a:lstStyle/>
+          <a:p>
+            <a:r>
+              <a:rPr lang="en-US" sz="1600" dirty="0" smtClean="0"/>
+              <a:t>Loop statements provide a </a:t>
+            </a:r>
+            <a:r>
+              <a:rPr lang="en-US" sz="1600" dirty="0" err="1" smtClean="0"/>
+              <a:t>boolean</a:t>
+            </a:r>
+            <a:r>
+              <a:rPr lang="en-US" sz="1600" dirty="0" smtClean="0"/>
+              <a:t> context</a:t>
+            </a:r>
+          </a:p>
+          <a:p>
+            <a:r>
+              <a:rPr lang="en-US" sz="1600" dirty="0" smtClean="0"/>
+              <a:t>while</a:t>
+            </a:r>
+          </a:p>
+          <a:p>
+            <a:pPr lvl="1"/>
+            <a:r>
+              <a:rPr lang="en-US" sz="1200" dirty="0" smtClean="0"/>
+              <a:t>Loops while </a:t>
+            </a:r>
+            <a:r>
+              <a:rPr lang="en-US" sz="1200" dirty="0" err="1" smtClean="0"/>
+              <a:t>boolean</a:t>
+            </a:r>
+            <a:r>
+              <a:rPr lang="en-US" sz="1200" dirty="0" smtClean="0"/>
+              <a:t> is true</a:t>
+            </a:r>
+          </a:p>
+          <a:p>
+            <a:r>
+              <a:rPr lang="en-US" sz="1600" dirty="0" smtClean="0"/>
+              <a:t>until</a:t>
+            </a:r>
+          </a:p>
+          <a:p>
+            <a:pPr lvl="1"/>
+            <a:r>
+              <a:rPr lang="en-US" sz="1200" dirty="0" smtClean="0"/>
+              <a:t>Loops until </a:t>
+            </a:r>
+            <a:r>
+              <a:rPr lang="en-US" sz="1200" dirty="0" err="1" smtClean="0"/>
+              <a:t>boolean</a:t>
+            </a:r>
+            <a:r>
+              <a:rPr lang="en-US" sz="1200" dirty="0" smtClean="0"/>
+              <a:t> is true</a:t>
+            </a:r>
+          </a:p>
+          <a:p>
+            <a:pPr lvl="1"/>
+            <a:r>
+              <a:rPr lang="en-US" sz="1200" dirty="0" smtClean="0"/>
+              <a:t>Opposite of while</a:t>
+            </a:r>
+          </a:p>
+          <a:p>
+            <a:r>
+              <a:rPr lang="en-US" sz="1600" dirty="0" smtClean="0"/>
+              <a:t>do</a:t>
+            </a:r>
+          </a:p>
+          <a:p>
+            <a:pPr lvl="1"/>
+            <a:r>
+              <a:rPr lang="en-US" sz="1200" dirty="0" smtClean="0"/>
+              <a:t>At least one loop, then depends on while or until</a:t>
+            </a:r>
+          </a:p>
+          <a:p>
+            <a:pPr marL="0" indent="0">
+              <a:buNone/>
+            </a:pPr>
+            <a:endParaRPr lang="en-US" sz="1600" dirty="0"/>
+          </a:p>
+          <a:p>
+            <a:pPr marL="0" indent="0">
+              <a:buNone/>
+            </a:pPr>
+            <a:endParaRPr lang="en-US" sz="1600" dirty="0" smtClean="0"/>
+          </a:p>
+        </p:txBody>
+      </p:sp>
+      <p:graphicFrame>
+        <p:nvGraphicFramePr>
+          <p:cNvPr id="4" name="Table 3"/>
+          <p:cNvGraphicFramePr>
+            <a:graphicFrameLocks noGrp="1"/>
+          </p:cNvGraphicFramePr>
+          <p:nvPr>
+            <p:extLst>
+              <p:ext uri="{D42A27DB-BD31-4B8C-83A1-F6EECF244321}">
+                <p14:modId xmlns:p14="http://schemas.microsoft.com/office/powerpoint/2010/main" val="3843000969"/>
+              </p:ext>
+            </p:extLst>
+          </p:nvPr>
+        </p:nvGraphicFramePr>
+        <p:xfrm>
+          <a:off x="457200" y="4191000"/>
+          <a:ext cx="8686800" cy="2042160"/>
+        </p:xfrm>
+        <a:graphic>
+          <a:graphicData uri="http://schemas.openxmlformats.org/drawingml/2006/table">
+            <a:tbl>
+              <a:tblPr firstRow="1" bandRow="1">
+                <a:tableStyleId>{5C22544A-7EE6-4342-B048-85BDC9FD1C3A}</a:tableStyleId>
+              </a:tblPr>
+              <a:tblGrid>
+                <a:gridCol w="8686800"/>
+              </a:tblGrid>
+              <a:tr h="370840">
+                <a:tc>
+                  <a:txBody>
+                    <a:bodyPr/>
+                    <a:lstStyle/>
+                    <a:p>
+                      <a:r>
+                        <a:rPr lang="en-US" sz="1600" dirty="0" smtClean="0">
+                          <a:latin typeface="Courier New" pitchFamily="49" charset="0"/>
+                          <a:cs typeface="Courier New" pitchFamily="49" charset="0"/>
+                        </a:rPr>
+                        <a:t>while ($hungry) {</a:t>
+                      </a:r>
+                    </a:p>
+                    <a:p>
+                      <a:r>
+                        <a:rPr lang="en-US" sz="1600" baseline="0" dirty="0" smtClean="0">
+                          <a:latin typeface="Courier New" pitchFamily="49" charset="0"/>
+                          <a:cs typeface="Courier New" pitchFamily="49" charset="0"/>
+                        </a:rPr>
+                        <a:t>    </a:t>
+                      </a:r>
+                      <a:r>
+                        <a:rPr lang="en-US" sz="1600" dirty="0" smtClean="0">
+                          <a:latin typeface="Courier New" pitchFamily="49" charset="0"/>
+                          <a:cs typeface="Courier New" pitchFamily="49" charset="0"/>
+                        </a:rPr>
+                        <a:t>$hungry = eat($banana);</a:t>
+                      </a:r>
+                    </a:p>
+                    <a:p>
+                      <a:r>
+                        <a:rPr lang="en-US" sz="1600" dirty="0" smtClean="0">
+                          <a:latin typeface="Courier New" pitchFamily="49" charset="0"/>
+                          <a:cs typeface="Courier New" pitchFamily="49" charset="0"/>
+                        </a:rPr>
+                        <a:t>}</a:t>
+                      </a:r>
+                    </a:p>
+                    <a:p>
+                      <a:endParaRPr lang="en-US" sz="1600" dirty="0" smtClean="0">
+                        <a:latin typeface="Courier New" pitchFamily="49" charset="0"/>
+                        <a:cs typeface="Courier New" pitchFamily="49" charset="0"/>
+                      </a:endParaRPr>
+                    </a:p>
+                    <a:p>
+                      <a:r>
+                        <a:rPr lang="en-US" sz="1600" dirty="0" smtClean="0">
+                          <a:latin typeface="Courier New" pitchFamily="49" charset="0"/>
+                          <a:cs typeface="Courier New" pitchFamily="49" charset="0"/>
+                        </a:rPr>
+                        <a:t>do {</a:t>
+                      </a:r>
+                    </a:p>
+                    <a:p>
+                      <a:r>
+                        <a:rPr lang="en-US" sz="1600" dirty="0" smtClean="0">
+                          <a:latin typeface="Courier New" pitchFamily="49" charset="0"/>
+                          <a:cs typeface="Courier New" pitchFamily="49" charset="0"/>
+                        </a:rPr>
+                        <a:t>    $answer = </a:t>
+                      </a:r>
+                      <a:r>
+                        <a:rPr lang="en-US" sz="1600" dirty="0" err="1" smtClean="0">
+                          <a:latin typeface="Courier New" pitchFamily="49" charset="0"/>
+                          <a:cs typeface="Courier New" pitchFamily="49" charset="0"/>
+                        </a:rPr>
+                        <a:t>get_answer</a:t>
+                      </a:r>
+                      <a:r>
+                        <a:rPr lang="en-US" sz="1600" dirty="0" smtClean="0">
+                          <a:latin typeface="Courier New" pitchFamily="49" charset="0"/>
+                          <a:cs typeface="Courier New" pitchFamily="49" charset="0"/>
+                        </a:rPr>
+                        <a:t>();</a:t>
+                      </a:r>
+                    </a:p>
+                    <a:p>
+                      <a:r>
+                        <a:rPr lang="en-US" sz="1600" dirty="0" smtClean="0">
+                          <a:latin typeface="Courier New" pitchFamily="49" charset="0"/>
+                          <a:cs typeface="Courier New" pitchFamily="49" charset="0"/>
+                        </a:rPr>
+                        <a:t>    $correct = check($answer);</a:t>
+                      </a:r>
+                    </a:p>
+                    <a:p>
+                      <a:r>
+                        <a:rPr lang="en-US" sz="1600" dirty="0" smtClean="0">
+                          <a:latin typeface="Courier New" pitchFamily="49" charset="0"/>
+                          <a:cs typeface="Courier New" pitchFamily="49" charset="0"/>
+                        </a:rPr>
+                        <a:t>} until ($correct);</a:t>
+                      </a:r>
+                      <a:endParaRPr lang="en-US" sz="1600" dirty="0">
+                        <a:latin typeface="Courier New" pitchFamily="49" charset="0"/>
+                        <a:cs typeface="Courier New" pitchFamily="49" charset="0"/>
+                      </a:endParaRPr>
+                    </a:p>
+                  </a:txBody>
+                  <a:tcPr/>
+                </a:tc>
+              </a:tr>
+            </a:tbl>
+          </a:graphicData>
+        </a:graphic>
+      </p:graphicFrame>
+    </p:spTree>
+    <p:extLst>
+      <p:ext uri="{BB962C8B-B14F-4D97-AF65-F5344CB8AC3E}">
+        <p14:creationId xmlns:p14="http://schemas.microsoft.com/office/powerpoint/2010/main" val="315209798"/>
+      </p:ext>
+    </p:extLst>
+  </p:cSld>
+  <p:clrMapOvr>
+    <a:masterClrMapping/>
+  </p:clrMapOvr>
+  <p:timing>
+    <p:tnLst>
+      <p:par>
+        <p:cTn id="1" dur="indefinite" restart="never" nodeType="tmRoot"/>
+      </p:par>
+    </p:tnLst>
+  </p:timing>
+</p:sld>
+</file>
+
+<file path=ppt/slides/slide53.xml><?xml version="1.0" encoding="utf-8"?>
+<p:sld xmlns:a="http://schemas.openxmlformats.org/drawingml/2006/main" xmlns:r="http://schemas.openxmlformats.org/officeDocument/2006/relationships" xmlns:p="http://schemas.openxmlformats.org/presentationml/2006/main">
+  <p:cSld>
+    <p:spTree>
+      <p:nvGrpSpPr>
+        <p:cNvPr id="1" name=""/>
+        <p:cNvGrpSpPr/>
+        <p:nvPr/>
+      </p:nvGrpSpPr>
+      <p:grpSpPr>
+        <a:xfrm>
+          <a:off x="0" y="0"/>
+          <a:ext cx="0" cy="0"/>
+          <a:chOff x="0" y="0"/>
+          <a:chExt cx="0" cy="0"/>
+        </a:xfrm>
+      </p:grpSpPr>
+      <p:sp>
+        <p:nvSpPr>
+          <p:cNvPr id="2" name="Title 1"/>
+          <p:cNvSpPr>
+            <a:spLocks noGrp="1"/>
+          </p:cNvSpPr>
+          <p:nvPr>
+            <p:ph type="title"/>
+          </p:nvPr>
+        </p:nvSpPr>
+        <p:spPr/>
+        <p:txBody>
+          <a:bodyPr/>
+          <a:lstStyle/>
+          <a:p>
+            <a:r>
+              <a:rPr lang="en-US" dirty="0" smtClean="0"/>
+              <a:t>Loop Statements</a:t>
+            </a:r>
+            <a:endParaRPr lang="en-US" dirty="0"/>
+          </a:p>
+        </p:txBody>
+      </p:sp>
+      <p:sp>
+        <p:nvSpPr>
+          <p:cNvPr id="3" name="Content Placeholder 2"/>
+          <p:cNvSpPr>
+            <a:spLocks noGrp="1"/>
+          </p:cNvSpPr>
+          <p:nvPr>
+            <p:ph idx="1"/>
+          </p:nvPr>
+        </p:nvSpPr>
+        <p:spPr/>
+        <p:txBody>
+          <a:bodyPr>
+            <a:normAutofit/>
+          </a:bodyPr>
+          <a:lstStyle/>
+          <a:p>
+            <a:r>
+              <a:rPr lang="en-US" sz="1600" dirty="0" smtClean="0"/>
+              <a:t>for</a:t>
+            </a:r>
+          </a:p>
+          <a:p>
+            <a:r>
+              <a:rPr lang="en-US" sz="1600" dirty="0" smtClean="0"/>
+              <a:t>Like C: for (initialization; condition; increment)</a:t>
+            </a:r>
+          </a:p>
+          <a:p>
+            <a:r>
+              <a:rPr lang="en-US" sz="1600" dirty="0" err="1" smtClean="0"/>
+              <a:t>foreach</a:t>
+            </a:r>
+            <a:endParaRPr lang="en-US" sz="1600" dirty="0" smtClean="0"/>
+          </a:p>
+          <a:p>
+            <a:r>
+              <a:rPr lang="en-US" sz="1600" dirty="0" smtClean="0"/>
+              <a:t>Iterates over a list or array</a:t>
+            </a:r>
+          </a:p>
+          <a:p>
+            <a:r>
+              <a:rPr lang="en-US" sz="1600" dirty="0" smtClean="0"/>
+              <a:t>Good to localize loop variables with my</a:t>
+            </a:r>
+            <a:endParaRPr lang="en-US" sz="1600" dirty="0"/>
+          </a:p>
+          <a:p>
+            <a:pPr marL="0" indent="0">
+              <a:buNone/>
+            </a:pPr>
+            <a:endParaRPr lang="en-US" sz="1600" dirty="0" smtClean="0"/>
+          </a:p>
+        </p:txBody>
+      </p:sp>
+      <p:graphicFrame>
+        <p:nvGraphicFramePr>
+          <p:cNvPr id="4" name="Table 3"/>
+          <p:cNvGraphicFramePr>
+            <a:graphicFrameLocks noGrp="1"/>
+          </p:cNvGraphicFramePr>
+          <p:nvPr>
+            <p:extLst>
+              <p:ext uri="{D42A27DB-BD31-4B8C-83A1-F6EECF244321}">
+                <p14:modId xmlns:p14="http://schemas.microsoft.com/office/powerpoint/2010/main" val="472759687"/>
+              </p:ext>
+            </p:extLst>
+          </p:nvPr>
+        </p:nvGraphicFramePr>
+        <p:xfrm>
+          <a:off x="381000" y="3749040"/>
+          <a:ext cx="8686800" cy="2773680"/>
+        </p:xfrm>
+        <a:graphic>
+          <a:graphicData uri="http://schemas.openxmlformats.org/drawingml/2006/table">
+            <a:tbl>
+              <a:tblPr firstRow="1" bandRow="1">
+                <a:tableStyleId>{5C22544A-7EE6-4342-B048-85BDC9FD1C3A}</a:tableStyleId>
+              </a:tblPr>
+              <a:tblGrid>
+                <a:gridCol w="8686800"/>
+              </a:tblGrid>
+              <a:tr h="370840">
+                <a:tc>
+                  <a:txBody>
+                    <a:bodyPr/>
+                    <a:lstStyle/>
+                    <a:p>
+                      <a:r>
+                        <a:rPr lang="en-US" sz="1600" dirty="0" smtClean="0">
+                          <a:latin typeface="Courier New" pitchFamily="49" charset="0"/>
+                          <a:cs typeface="Courier New" pitchFamily="49" charset="0"/>
+                        </a:rPr>
+                        <a:t>for (my $i = 10; $i &gt;= 0; $i--) {</a:t>
+                      </a:r>
+                    </a:p>
+                    <a:p>
+                      <a:r>
+                        <a:rPr lang="en-US" sz="1600" dirty="0" smtClean="0">
+                          <a:latin typeface="Courier New" pitchFamily="49" charset="0"/>
+                          <a:cs typeface="Courier New" pitchFamily="49" charset="0"/>
+                        </a:rPr>
+                        <a:t>    print "$i...\n";                # Countdown</a:t>
+                      </a:r>
+                    </a:p>
+                    <a:p>
+                      <a:r>
+                        <a:rPr lang="en-US" sz="1600" dirty="0" smtClean="0">
+                          <a:latin typeface="Courier New" pitchFamily="49" charset="0"/>
+                          <a:cs typeface="Courier New" pitchFamily="49" charset="0"/>
+                        </a:rPr>
+                        <a:t>}</a:t>
+                      </a:r>
+                    </a:p>
+                    <a:p>
+                      <a:endParaRPr lang="en-US" sz="1600" dirty="0" smtClean="0">
+                        <a:latin typeface="Courier New" pitchFamily="49" charset="0"/>
+                        <a:cs typeface="Courier New" pitchFamily="49" charset="0"/>
+                      </a:endParaRPr>
+                    </a:p>
+                    <a:p>
+                      <a:r>
+                        <a:rPr lang="en-US" sz="1600" dirty="0" err="1" smtClean="0">
+                          <a:latin typeface="Courier New" pitchFamily="49" charset="0"/>
+                          <a:cs typeface="Courier New" pitchFamily="49" charset="0"/>
+                        </a:rPr>
+                        <a:t>foreach</a:t>
+                      </a:r>
+                      <a:r>
+                        <a:rPr lang="en-US" sz="1600" dirty="0" smtClean="0">
+                          <a:latin typeface="Courier New" pitchFamily="49" charset="0"/>
+                          <a:cs typeface="Courier New" pitchFamily="49" charset="0"/>
+                        </a:rPr>
+                        <a:t> my $i (reverse 0..10) {</a:t>
+                      </a:r>
+                    </a:p>
+                    <a:p>
+                      <a:r>
+                        <a:rPr lang="en-US" sz="1600" dirty="0" smtClean="0">
+                          <a:latin typeface="Courier New" pitchFamily="49" charset="0"/>
+                          <a:cs typeface="Courier New" pitchFamily="49" charset="0"/>
+                        </a:rPr>
+                        <a:t>    print "$i...\n";                # Same</a:t>
+                      </a:r>
+                    </a:p>
+                    <a:p>
+                      <a:r>
+                        <a:rPr lang="en-US" sz="1600" dirty="0" smtClean="0">
+                          <a:latin typeface="Courier New" pitchFamily="49" charset="0"/>
+                          <a:cs typeface="Courier New" pitchFamily="49" charset="0"/>
+                        </a:rPr>
+                        <a:t>}</a:t>
+                      </a:r>
+                    </a:p>
+                    <a:p>
+                      <a:r>
+                        <a:rPr lang="en-US" sz="1600" dirty="0" smtClean="0">
+                          <a:latin typeface="Courier New" pitchFamily="49" charset="0"/>
+                          <a:cs typeface="Courier New" pitchFamily="49" charset="0"/>
+                        </a:rPr>
+                        <a:t>%hash = (dog =&gt; "lazy", fox =&gt; "quick");</a:t>
+                      </a:r>
+                    </a:p>
+                    <a:p>
+                      <a:r>
+                        <a:rPr lang="en-US" sz="1600" dirty="0" err="1" smtClean="0">
+                          <a:latin typeface="Courier New" pitchFamily="49" charset="0"/>
+                          <a:cs typeface="Courier New" pitchFamily="49" charset="0"/>
+                        </a:rPr>
+                        <a:t>foreach</a:t>
+                      </a:r>
+                      <a:r>
+                        <a:rPr lang="en-US" sz="1600" dirty="0" smtClean="0">
+                          <a:latin typeface="Courier New" pitchFamily="49" charset="0"/>
+                          <a:cs typeface="Courier New" pitchFamily="49" charset="0"/>
+                        </a:rPr>
+                        <a:t> my $key (keys %hash) {</a:t>
+                      </a:r>
+                    </a:p>
+                    <a:p>
+                      <a:r>
+                        <a:rPr lang="en-US" sz="1600" dirty="0" smtClean="0">
+                          <a:latin typeface="Courier New" pitchFamily="49" charset="0"/>
+                          <a:cs typeface="Courier New" pitchFamily="49" charset="0"/>
+                        </a:rPr>
+                        <a:t>    print "The $key is $hash{$key}.\n";  # Print out hash pairs</a:t>
+                      </a:r>
+                    </a:p>
+                    <a:p>
+                      <a:r>
+                        <a:rPr lang="en-US" sz="1600" dirty="0" smtClean="0">
+                          <a:latin typeface="Courier New" pitchFamily="49" charset="0"/>
+                          <a:cs typeface="Courier New" pitchFamily="49" charset="0"/>
+                        </a:rPr>
+                        <a:t>}</a:t>
+                      </a:r>
+                      <a:endParaRPr lang="en-US" sz="1600" dirty="0">
+                        <a:latin typeface="Courier New" pitchFamily="49" charset="0"/>
+                        <a:cs typeface="Courier New" pitchFamily="49" charset="0"/>
+                      </a:endParaRPr>
+                    </a:p>
+                  </a:txBody>
+                  <a:tcPr/>
+                </a:tc>
+              </a:tr>
+            </a:tbl>
+          </a:graphicData>
+        </a:graphic>
+      </p:graphicFrame>
+    </p:spTree>
+    <p:extLst>
+      <p:ext uri="{BB962C8B-B14F-4D97-AF65-F5344CB8AC3E}">
+        <p14:creationId xmlns:p14="http://schemas.microsoft.com/office/powerpoint/2010/main" val="3363462629"/>
+      </p:ext>
+    </p:extLst>
+  </p:cSld>
+  <p:clrMapOvr>
+    <a:masterClrMapping/>
+  </p:clrMapOvr>
+  <p:timing>
+    <p:tnLst>
+      <p:par>
+        <p:cTn id="1" dur="indefinite" restart="never" nodeType="tmRoot"/>
+      </p:par>
+    </p:tnLst>
+  </p:timing>
+</p:sld>
+</file>
+
+<file path=ppt/slides/slide54.xml><?xml version="1.0" encoding="utf-8"?>
+<p:sld xmlns:a="http://schemas.openxmlformats.org/drawingml/2006/main" xmlns:r="http://schemas.openxmlformats.org/officeDocument/2006/relationships" xmlns:p="http://schemas.openxmlformats.org/presentationml/2006/main">
+  <p:cSld>
+    <p:spTree>
+      <p:nvGrpSpPr>
+        <p:cNvPr id="1" name=""/>
+        <p:cNvGrpSpPr/>
+        <p:nvPr/>
+      </p:nvGrpSpPr>
+      <p:grpSpPr>
+        <a:xfrm>
+          <a:off x="0" y="0"/>
+          <a:ext cx="0" cy="0"/>
+          <a:chOff x="0" y="0"/>
+          <a:chExt cx="0" cy="0"/>
+        </a:xfrm>
+      </p:grpSpPr>
+      <p:sp>
+        <p:nvSpPr>
+          <p:cNvPr id="2" name="Title 1"/>
+          <p:cNvSpPr>
+            <a:spLocks noGrp="1"/>
+          </p:cNvSpPr>
+          <p:nvPr>
+            <p:ph type="title"/>
+          </p:nvPr>
+        </p:nvSpPr>
+        <p:spPr/>
+        <p:txBody>
+          <a:bodyPr/>
+          <a:lstStyle/>
+          <a:p>
+            <a:r>
+              <a:rPr lang="en-US" dirty="0" smtClean="0"/>
+              <a:t>Modifiers</a:t>
+            </a:r>
+            <a:endParaRPr lang="en-US" dirty="0"/>
+          </a:p>
+        </p:txBody>
+      </p:sp>
+      <p:sp>
+        <p:nvSpPr>
+          <p:cNvPr id="3" name="Content Placeholder 2"/>
+          <p:cNvSpPr>
+            <a:spLocks noGrp="1"/>
+          </p:cNvSpPr>
+          <p:nvPr>
+            <p:ph idx="1"/>
+          </p:nvPr>
+        </p:nvSpPr>
+        <p:spPr/>
+        <p:txBody>
+          <a:bodyPr>
+            <a:normAutofit/>
+          </a:bodyPr>
+          <a:lstStyle/>
+          <a:p>
+            <a:r>
+              <a:rPr lang="en-US" sz="1600" dirty="0" smtClean="0"/>
+              <a:t>Simple statements can take single modifiers</a:t>
+            </a:r>
+          </a:p>
+          <a:p>
+            <a:r>
+              <a:rPr lang="en-US" sz="1600" dirty="0" smtClean="0"/>
+              <a:t>Places emphasis on the statement, not the control</a:t>
+            </a:r>
+          </a:p>
+          <a:p>
+            <a:r>
+              <a:rPr lang="en-US" sz="1600" dirty="0" smtClean="0"/>
+              <a:t>Can make programs more legible</a:t>
+            </a:r>
+          </a:p>
+          <a:p>
+            <a:r>
+              <a:rPr lang="en-US" sz="1600" dirty="0" smtClean="0"/>
+              <a:t>Parentheses usually not needed</a:t>
+            </a:r>
+          </a:p>
+          <a:p>
+            <a:r>
+              <a:rPr lang="en-US" sz="1600" dirty="0" smtClean="0"/>
+              <a:t>Good for setting default values</a:t>
+            </a:r>
+          </a:p>
+          <a:p>
+            <a:r>
+              <a:rPr lang="en-US" sz="1600" dirty="0" smtClean="0"/>
+              <a:t>Valid modifiers are if, unless, while, until, </a:t>
+            </a:r>
+            <a:r>
+              <a:rPr lang="en-US" sz="1600" dirty="0" err="1" smtClean="0"/>
+              <a:t>foreach</a:t>
+            </a:r>
+            <a:endParaRPr lang="en-US" sz="1600" dirty="0" smtClean="0"/>
+          </a:p>
+        </p:txBody>
+      </p:sp>
+      <p:graphicFrame>
+        <p:nvGraphicFramePr>
+          <p:cNvPr id="4" name="Table 3"/>
+          <p:cNvGraphicFramePr>
+            <a:graphicFrameLocks noGrp="1"/>
+          </p:cNvGraphicFramePr>
+          <p:nvPr>
+            <p:extLst>
+              <p:ext uri="{D42A27DB-BD31-4B8C-83A1-F6EECF244321}">
+                <p14:modId xmlns:p14="http://schemas.microsoft.com/office/powerpoint/2010/main" val="4199368534"/>
+              </p:ext>
+            </p:extLst>
+          </p:nvPr>
+        </p:nvGraphicFramePr>
+        <p:xfrm>
+          <a:off x="381000" y="3749040"/>
+          <a:ext cx="8686800" cy="1798320"/>
+        </p:xfrm>
+        <a:graphic>
+          <a:graphicData uri="http://schemas.openxmlformats.org/drawingml/2006/table">
+            <a:tbl>
+              <a:tblPr firstRow="1" bandRow="1">
+                <a:tableStyleId>{5C22544A-7EE6-4342-B048-85BDC9FD1C3A}</a:tableStyleId>
+              </a:tblPr>
+              <a:tblGrid>
+                <a:gridCol w="8686800"/>
+              </a:tblGrid>
+              <a:tr h="370840">
+                <a:tc>
+                  <a:txBody>
+                    <a:bodyPr/>
+                    <a:lstStyle/>
+                    <a:p>
+                      <a:r>
+                        <a:rPr lang="en-US" sz="1600" dirty="0" smtClean="0">
+                          <a:latin typeface="Courier New" pitchFamily="49" charset="0"/>
+                          <a:cs typeface="Courier New" pitchFamily="49" charset="0"/>
+                        </a:rPr>
+                        <a:t>$a = $default unless defined $a;</a:t>
+                      </a:r>
+                    </a:p>
+                    <a:p>
+                      <a:r>
+                        <a:rPr lang="en-US" sz="1600" dirty="0" smtClean="0">
+                          <a:latin typeface="Courier New" pitchFamily="49" charset="0"/>
+                          <a:cs typeface="Courier New" pitchFamily="49" charset="0"/>
+                        </a:rPr>
+                        <a:t>$b = $default unless defined $b;</a:t>
+                      </a:r>
+                    </a:p>
+                    <a:p>
+                      <a:r>
+                        <a:rPr lang="en-US" sz="1600" dirty="0" smtClean="0">
+                          <a:latin typeface="Courier New" pitchFamily="49" charset="0"/>
+                          <a:cs typeface="Courier New" pitchFamily="49" charset="0"/>
+                        </a:rPr>
+                        <a:t>$c = $default unless defined $c;</a:t>
+                      </a:r>
+                    </a:p>
+                    <a:p>
+                      <a:endParaRPr lang="en-US" sz="1600" dirty="0" smtClean="0">
+                        <a:latin typeface="Courier New" pitchFamily="49" charset="0"/>
+                        <a:cs typeface="Courier New" pitchFamily="49" charset="0"/>
+                      </a:endParaRPr>
+                    </a:p>
+                    <a:p>
+                      <a:r>
+                        <a:rPr lang="en-US" sz="1600" dirty="0" smtClean="0">
+                          <a:latin typeface="Courier New" pitchFamily="49" charset="0"/>
+                          <a:cs typeface="Courier New" pitchFamily="49" charset="0"/>
+                        </a:rPr>
+                        <a:t>$balance += $deposit</a:t>
+                      </a:r>
+                      <a:r>
+                        <a:rPr lang="en-US" sz="1600" baseline="0" dirty="0" smtClean="0">
+                          <a:latin typeface="Courier New" pitchFamily="49" charset="0"/>
+                          <a:cs typeface="Courier New" pitchFamily="49" charset="0"/>
+                        </a:rPr>
+                        <a:t> </a:t>
+                      </a:r>
+                      <a:r>
+                        <a:rPr lang="en-US" sz="1600" dirty="0" smtClean="0">
+                          <a:latin typeface="Courier New" pitchFamily="49" charset="0"/>
+                          <a:cs typeface="Courier New" pitchFamily="49" charset="0"/>
+                        </a:rPr>
+                        <a:t>if $deposit;</a:t>
+                      </a:r>
+                    </a:p>
+                    <a:p>
+                      <a:r>
+                        <a:rPr lang="en-US" sz="1600" dirty="0" smtClean="0">
+                          <a:latin typeface="Courier New" pitchFamily="49" charset="0"/>
+                          <a:cs typeface="Courier New" pitchFamily="49" charset="0"/>
+                        </a:rPr>
+                        <a:t>$balance -= $withdrawal</a:t>
+                      </a:r>
+                    </a:p>
+                    <a:p>
+                      <a:r>
+                        <a:rPr lang="en-US" sz="1600" dirty="0" smtClean="0">
+                          <a:latin typeface="Courier New" pitchFamily="49" charset="0"/>
+                          <a:cs typeface="Courier New" pitchFamily="49" charset="0"/>
+                        </a:rPr>
+                        <a:t>if $withdrawal and $withdrawal &lt;= $balance;</a:t>
+                      </a:r>
+                      <a:endParaRPr lang="en-US" sz="1600" dirty="0">
+                        <a:latin typeface="Courier New" pitchFamily="49" charset="0"/>
+                        <a:cs typeface="Courier New" pitchFamily="49" charset="0"/>
+                      </a:endParaRPr>
+                    </a:p>
+                  </a:txBody>
+                  <a:tcPr/>
+                </a:tc>
+              </a:tr>
+            </a:tbl>
+          </a:graphicData>
+        </a:graphic>
+      </p:graphicFrame>
+    </p:spTree>
+    <p:extLst>
+      <p:ext uri="{BB962C8B-B14F-4D97-AF65-F5344CB8AC3E}">
+        <p14:creationId xmlns:p14="http://schemas.microsoft.com/office/powerpoint/2010/main" val="3326251181"/>
+      </p:ext>
+    </p:extLst>
+  </p:cSld>
+  <p:clrMapOvr>
+    <a:masterClrMapping/>
+  </p:clrMapOvr>
+  <p:timing>
+    <p:tnLst>
+      <p:par>
+        <p:cTn id="1" dur="indefinite" restart="never" nodeType="tmRoot"/>
+      </p:par>
+    </p:tnLst>
+  </p:timing>
+</p:sld>
+</file>
+
+<file path=ppt/slides/slide55.xml><?xml version="1.0" encoding="utf-8"?>
+<p:sld xmlns:a="http://schemas.openxmlformats.org/drawingml/2006/main" xmlns:r="http://schemas.openxmlformats.org/officeDocument/2006/relationships" xmlns:p="http://schemas.openxmlformats.org/presentationml/2006/main">
+  <p:cSld>
+    <p:spTree>
+      <p:nvGrpSpPr>
+        <p:cNvPr id="1" name=""/>
+        <p:cNvGrpSpPr/>
+        <p:nvPr/>
+      </p:nvGrpSpPr>
+      <p:grpSpPr>
+        <a:xfrm>
+          <a:off x="0" y="0"/>
+          <a:ext cx="0" cy="0"/>
+          <a:chOff x="0" y="0"/>
+          <a:chExt cx="0" cy="0"/>
+        </a:xfrm>
+      </p:grpSpPr>
+      <p:sp>
+        <p:nvSpPr>
+          <p:cNvPr id="2" name="Title 1"/>
+          <p:cNvSpPr>
+            <a:spLocks noGrp="1"/>
+          </p:cNvSpPr>
+          <p:nvPr>
+            <p:ph type="title"/>
+          </p:nvPr>
+        </p:nvSpPr>
+        <p:spPr/>
+        <p:txBody>
+          <a:bodyPr/>
+          <a:lstStyle/>
+          <a:p>
+            <a:r>
+              <a:rPr lang="en-US" dirty="0" smtClean="0"/>
+              <a:t>Subroutines</a:t>
+            </a:r>
+            <a:endParaRPr lang="en-US" dirty="0"/>
+          </a:p>
+        </p:txBody>
+      </p:sp>
+      <p:sp>
+        <p:nvSpPr>
+          <p:cNvPr id="3" name="Content Placeholder 2"/>
+          <p:cNvSpPr>
+            <a:spLocks noGrp="1"/>
+          </p:cNvSpPr>
+          <p:nvPr>
+            <p:ph idx="1"/>
+          </p:nvPr>
+        </p:nvSpPr>
+        <p:spPr/>
+        <p:txBody>
+          <a:bodyPr>
+            <a:normAutofit/>
+          </a:bodyPr>
+          <a:lstStyle/>
+          <a:p>
+            <a:r>
+              <a:rPr lang="en-US" sz="1600" dirty="0" smtClean="0"/>
+              <a:t>Subs group related statements into a single task</a:t>
+            </a:r>
+          </a:p>
+          <a:p>
+            <a:r>
+              <a:rPr lang="en-US" sz="1600" dirty="0" smtClean="0"/>
+              <a:t>Perl allows both declared and anonymous subs</a:t>
+            </a:r>
+          </a:p>
+          <a:p>
+            <a:r>
+              <a:rPr lang="en-US" sz="1600" dirty="0" smtClean="0"/>
+              <a:t>Perl allows various ways of handling arguments</a:t>
+            </a:r>
+          </a:p>
+          <a:p>
+            <a:r>
+              <a:rPr lang="en-US" sz="1600" dirty="0" smtClean="0"/>
+              <a:t>Perl allows various ways of calling subs</a:t>
+            </a:r>
+          </a:p>
+          <a:p>
+            <a:r>
+              <a:rPr lang="en-US" sz="1600" dirty="0" err="1" smtClean="0"/>
+              <a:t>perldoc</a:t>
+            </a:r>
+            <a:r>
+              <a:rPr lang="en-US" sz="1600" dirty="0" smtClean="0"/>
+              <a:t> </a:t>
+            </a:r>
+            <a:r>
+              <a:rPr lang="en-US" sz="1600" dirty="0" err="1" smtClean="0"/>
+              <a:t>perlsub</a:t>
+            </a:r>
+            <a:r>
+              <a:rPr lang="en-US" sz="1600" dirty="0" smtClean="0"/>
+              <a:t> gives complete description</a:t>
+            </a:r>
+          </a:p>
+        </p:txBody>
+      </p:sp>
+    </p:spTree>
+    <p:extLst>
+      <p:ext uri="{BB962C8B-B14F-4D97-AF65-F5344CB8AC3E}">
+        <p14:creationId xmlns:p14="http://schemas.microsoft.com/office/powerpoint/2010/main" val="3876754486"/>
+      </p:ext>
+    </p:extLst>
+  </p:cSld>
+  <p:clrMapOvr>
+    <a:masterClrMapping/>
+  </p:clrMapOvr>
+  <p:timing>
+    <p:tnLst>
+      <p:par>
+        <p:cTn id="1" dur="indefinite" restart="never" nodeType="tmRoot"/>
+      </p:par>
+    </p:tnLst>
+  </p:timing>
+</p:sld>
+</file>
+
+<file path=ppt/slides/slide56.xml><?xml version="1.0" encoding="utf-8"?>
+<p:sld xmlns:a="http://schemas.openxmlformats.org/drawingml/2006/main" xmlns:r="http://schemas.openxmlformats.org/officeDocument/2006/relationships" xmlns:p="http://schemas.openxmlformats.org/presentationml/2006/main">
+  <p:cSld>
+    <p:spTree>
+      <p:nvGrpSpPr>
+        <p:cNvPr id="1" name=""/>
+        <p:cNvGrpSpPr/>
+        <p:nvPr/>
+      </p:nvGrpSpPr>
+      <p:grpSpPr>
+        <a:xfrm>
+          <a:off x="0" y="0"/>
+          <a:ext cx="0" cy="0"/>
+          <a:chOff x="0" y="0"/>
+          <a:chExt cx="0" cy="0"/>
+        </a:xfrm>
+      </p:grpSpPr>
+      <p:sp>
+        <p:nvSpPr>
+          <p:cNvPr id="2" name="Title 1"/>
+          <p:cNvSpPr>
+            <a:spLocks noGrp="1"/>
+          </p:cNvSpPr>
+          <p:nvPr>
+            <p:ph type="title"/>
+          </p:nvPr>
+        </p:nvSpPr>
+        <p:spPr/>
+        <p:txBody>
+          <a:bodyPr/>
+          <a:lstStyle/>
+          <a:p>
+            <a:r>
+              <a:rPr lang="en-US" dirty="0" smtClean="0"/>
+              <a:t>Declaring a subroutine</a:t>
+            </a:r>
+            <a:endParaRPr lang="en-US" dirty="0"/>
+          </a:p>
+        </p:txBody>
+      </p:sp>
+      <p:sp>
+        <p:nvSpPr>
+          <p:cNvPr id="3" name="Content Placeholder 2"/>
+          <p:cNvSpPr>
+            <a:spLocks noGrp="1"/>
+          </p:cNvSpPr>
+          <p:nvPr>
+            <p:ph idx="1"/>
+          </p:nvPr>
+        </p:nvSpPr>
+        <p:spPr/>
+        <p:txBody>
+          <a:bodyPr>
+            <a:normAutofit/>
+          </a:bodyPr>
+          <a:lstStyle/>
+          <a:p>
+            <a:r>
+              <a:rPr lang="en-US" sz="1600" dirty="0" smtClean="0"/>
+              <a:t>Subroutines are declared with the sub keyword</a:t>
+            </a:r>
+          </a:p>
+          <a:p>
+            <a:r>
+              <a:rPr lang="en-US" sz="1600" dirty="0" smtClean="0"/>
+              <a:t>Subroutines return values</a:t>
+            </a:r>
+          </a:p>
+          <a:p>
+            <a:r>
+              <a:rPr lang="en-US" sz="1600" dirty="0" smtClean="0"/>
+              <a:t>Explicitly with the return command</a:t>
+            </a:r>
+          </a:p>
+          <a:p>
+            <a:r>
+              <a:rPr lang="en-US" sz="1600" dirty="0" smtClean="0"/>
+              <a:t>Implicitly as the value of the last executed statement</a:t>
+            </a:r>
+          </a:p>
+          <a:p>
+            <a:r>
+              <a:rPr lang="en-US" sz="1600" dirty="0" smtClean="0"/>
+              <a:t>Return values can be a scalar or a flat list</a:t>
+            </a:r>
+          </a:p>
+          <a:p>
+            <a:r>
+              <a:rPr lang="en-US" sz="1600" dirty="0" err="1" smtClean="0"/>
+              <a:t>wantarray</a:t>
+            </a:r>
+            <a:r>
+              <a:rPr lang="en-US" sz="1600" dirty="0" smtClean="0"/>
+              <a:t> describes what context was used</a:t>
+            </a:r>
+          </a:p>
+          <a:p>
+            <a:r>
+              <a:rPr lang="en-US" sz="1600" dirty="0" smtClean="0"/>
+              <a:t>Unused values are just lost</a:t>
+            </a:r>
+          </a:p>
+        </p:txBody>
+      </p:sp>
+      <p:graphicFrame>
+        <p:nvGraphicFramePr>
+          <p:cNvPr id="4" name="Table 3"/>
+          <p:cNvGraphicFramePr>
+            <a:graphicFrameLocks noGrp="1"/>
+          </p:cNvGraphicFramePr>
+          <p:nvPr>
+            <p:extLst>
+              <p:ext uri="{D42A27DB-BD31-4B8C-83A1-F6EECF244321}">
+                <p14:modId xmlns:p14="http://schemas.microsoft.com/office/powerpoint/2010/main" val="3158035821"/>
+              </p:ext>
+            </p:extLst>
+          </p:nvPr>
+        </p:nvGraphicFramePr>
+        <p:xfrm>
+          <a:off x="609600" y="3886200"/>
+          <a:ext cx="8305800" cy="2286000"/>
+        </p:xfrm>
+        <a:graphic>
+          <a:graphicData uri="http://schemas.openxmlformats.org/drawingml/2006/table">
+            <a:tbl>
+              <a:tblPr firstRow="1" bandRow="1">
+                <a:tableStyleId>{5C22544A-7EE6-4342-B048-85BDC9FD1C3A}</a:tableStyleId>
+              </a:tblPr>
+              <a:tblGrid>
+                <a:gridCol w="8305800"/>
+              </a:tblGrid>
+              <a:tr h="370840">
+                <a:tc>
+                  <a:txBody>
+                    <a:bodyPr/>
+                    <a:lstStyle/>
+                    <a:p>
+                      <a:r>
+                        <a:rPr lang="en-US" dirty="0" smtClean="0">
+                          <a:latin typeface="Courier New" pitchFamily="49" charset="0"/>
+                          <a:cs typeface="Courier New" pitchFamily="49" charset="0"/>
+                        </a:rPr>
+                        <a:t>sub ten {</a:t>
+                      </a:r>
+                    </a:p>
+                    <a:p>
+                      <a:r>
+                        <a:rPr lang="en-US" baseline="0" dirty="0" smtClean="0">
+                          <a:latin typeface="Courier New" pitchFamily="49" charset="0"/>
+                          <a:cs typeface="Courier New" pitchFamily="49" charset="0"/>
+                        </a:rPr>
+                        <a:t>    </a:t>
+                      </a:r>
+                      <a:r>
+                        <a:rPr lang="en-US" dirty="0" smtClean="0">
+                          <a:latin typeface="Courier New" pitchFamily="49" charset="0"/>
+                          <a:cs typeface="Courier New" pitchFamily="49" charset="0"/>
+                        </a:rPr>
+                        <a:t>return </a:t>
+                      </a:r>
+                      <a:r>
+                        <a:rPr lang="en-US" dirty="0" err="1" smtClean="0">
+                          <a:latin typeface="Courier New" pitchFamily="49" charset="0"/>
+                          <a:cs typeface="Courier New" pitchFamily="49" charset="0"/>
+                        </a:rPr>
+                        <a:t>wantarray</a:t>
+                      </a:r>
+                      <a:r>
+                        <a:rPr lang="en-US" dirty="0" smtClean="0">
+                          <a:latin typeface="Courier New" pitchFamily="49" charset="0"/>
+                          <a:cs typeface="Courier New" pitchFamily="49" charset="0"/>
+                        </a:rPr>
+                        <a:t>() ? (1 .. 10) : 10;</a:t>
+                      </a:r>
+                    </a:p>
+                    <a:p>
+                      <a:r>
+                        <a:rPr lang="en-US" dirty="0" smtClean="0">
+                          <a:latin typeface="Courier New" pitchFamily="49" charset="0"/>
+                          <a:cs typeface="Courier New" pitchFamily="49" charset="0"/>
+                        </a:rPr>
+                        <a:t>}</a:t>
+                      </a:r>
+                    </a:p>
+                    <a:p>
+                      <a:endParaRPr lang="en-US" dirty="0" smtClean="0">
+                        <a:latin typeface="Courier New" pitchFamily="49" charset="0"/>
+                        <a:cs typeface="Courier New" pitchFamily="49" charset="0"/>
+                      </a:endParaRPr>
+                    </a:p>
+                    <a:p>
+                      <a:r>
+                        <a:rPr lang="en-US" dirty="0" smtClean="0">
+                          <a:latin typeface="Courier New" pitchFamily="49" charset="0"/>
+                          <a:cs typeface="Courier New" pitchFamily="49" charset="0"/>
+                        </a:rPr>
+                        <a:t>@ten = ten();          # (1, 2, 3, 4, 5, 6, 7, 8, 9, 10)</a:t>
+                      </a:r>
+                    </a:p>
+                    <a:p>
+                      <a:r>
+                        <a:rPr lang="en-US" dirty="0" smtClean="0">
+                          <a:latin typeface="Courier New" pitchFamily="49" charset="0"/>
+                          <a:cs typeface="Courier New" pitchFamily="49" charset="0"/>
+                        </a:rPr>
+                        <a:t>$ten = ten();          # 10</a:t>
+                      </a:r>
+                    </a:p>
+                    <a:p>
+                      <a:r>
+                        <a:rPr lang="en-US" dirty="0" smtClean="0">
+                          <a:latin typeface="Courier New" pitchFamily="49" charset="0"/>
+                          <a:cs typeface="Courier New" pitchFamily="49" charset="0"/>
+                        </a:rPr>
+                        <a:t>($ten) = ten();        # (1)</a:t>
+                      </a:r>
+                    </a:p>
+                    <a:p>
+                      <a:r>
+                        <a:rPr lang="en-US" dirty="0" smtClean="0">
+                          <a:latin typeface="Courier New" pitchFamily="49" charset="0"/>
+                          <a:cs typeface="Courier New" pitchFamily="49" charset="0"/>
+                        </a:rPr>
+                        <a:t>($one, $two) = ten();  # (1, 2)</a:t>
+                      </a:r>
+                      <a:endParaRPr lang="en-US" dirty="0">
+                        <a:latin typeface="Courier New" pitchFamily="49" charset="0"/>
+                        <a:cs typeface="Courier New" pitchFamily="49" charset="0"/>
+                      </a:endParaRPr>
+                    </a:p>
+                  </a:txBody>
+                  <a:tcPr/>
+                </a:tc>
+              </a:tr>
+            </a:tbl>
+          </a:graphicData>
+        </a:graphic>
+      </p:graphicFrame>
+    </p:spTree>
+    <p:extLst>
+      <p:ext uri="{BB962C8B-B14F-4D97-AF65-F5344CB8AC3E}">
+        <p14:creationId xmlns:p14="http://schemas.microsoft.com/office/powerpoint/2010/main" val="622476944"/>
+      </p:ext>
+    </p:extLst>
+  </p:cSld>
+  <p:clrMapOvr>
+    <a:masterClrMapping/>
+  </p:clrMapOvr>
+  <p:timing>
+    <p:tnLst>
+      <p:par>
+        <p:cTn id="1" dur="indefinite" restart="never" nodeType="tmRoot"/>
+      </p:par>
+    </p:tnLst>
+  </p:timing>
+</p:sld>
+</file>
+
+<file path=ppt/slides/slide57.xml><?xml version="1.0" encoding="utf-8"?>
+<p:sld xmlns:a="http://schemas.openxmlformats.org/drawingml/2006/main" xmlns:r="http://schemas.openxmlformats.org/officeDocument/2006/relationships" xmlns:p="http://schemas.openxmlformats.org/presentationml/2006/main">
+  <p:cSld>
+    <p:spTree>
+      <p:nvGrpSpPr>
+        <p:cNvPr id="1" name=""/>
+        <p:cNvGrpSpPr/>
+        <p:nvPr/>
+      </p:nvGrpSpPr>
+      <p:grpSpPr>
+        <a:xfrm>
+          <a:off x="0" y="0"/>
+          <a:ext cx="0" cy="0"/>
+          <a:chOff x="0" y="0"/>
+          <a:chExt cx="0" cy="0"/>
+        </a:xfrm>
+      </p:grpSpPr>
+      <p:sp>
+        <p:nvSpPr>
+          <p:cNvPr id="2" name="Title 1"/>
+          <p:cNvSpPr>
+            <a:spLocks noGrp="1"/>
+          </p:cNvSpPr>
+          <p:nvPr>
+            <p:ph type="title"/>
+          </p:nvPr>
+        </p:nvSpPr>
+        <p:spPr/>
+        <p:txBody>
+          <a:bodyPr/>
+          <a:lstStyle/>
+          <a:p>
+            <a:r>
+              <a:rPr lang="en-US" dirty="0" smtClean="0"/>
+              <a:t>Passing values</a:t>
+            </a:r>
+            <a:endParaRPr lang="en-US" dirty="0"/>
+          </a:p>
+        </p:txBody>
+      </p:sp>
+      <p:sp>
+        <p:nvSpPr>
+          <p:cNvPr id="3" name="Content Placeholder 2"/>
+          <p:cNvSpPr>
+            <a:spLocks noGrp="1"/>
+          </p:cNvSpPr>
+          <p:nvPr>
+            <p:ph idx="1"/>
+          </p:nvPr>
+        </p:nvSpPr>
+        <p:spPr/>
+        <p:txBody>
+          <a:bodyPr>
+            <a:normAutofit/>
+          </a:bodyPr>
+          <a:lstStyle/>
+          <a:p>
+            <a:r>
+              <a:rPr lang="en-US" sz="1600" dirty="0" smtClean="0"/>
+              <a:t>Two common means of passing arguments to subs</a:t>
+            </a:r>
+          </a:p>
+          <a:p>
+            <a:pPr lvl="1"/>
+            <a:r>
+              <a:rPr lang="en-US" sz="1200" dirty="0" smtClean="0"/>
+              <a:t>Pass by value</a:t>
+            </a:r>
+          </a:p>
+          <a:p>
+            <a:pPr lvl="1"/>
+            <a:r>
+              <a:rPr lang="en-US" sz="1200" dirty="0" smtClean="0"/>
+              <a:t>Pass by reference</a:t>
+            </a:r>
+          </a:p>
+          <a:p>
+            <a:pPr lvl="1"/>
+            <a:r>
+              <a:rPr lang="en-US" sz="1200" dirty="0" smtClean="0"/>
+              <a:t>Perl allows either</a:t>
+            </a:r>
+          </a:p>
+          <a:p>
+            <a:r>
+              <a:rPr lang="en-US" sz="1600" dirty="0" smtClean="0"/>
+              <a:t>Arguments are passed into the @_ array</a:t>
+            </a:r>
+          </a:p>
+          <a:p>
+            <a:pPr lvl="1"/>
+            <a:r>
+              <a:rPr lang="en-US" sz="1200" dirty="0" smtClean="0"/>
+              <a:t>@_ is the "fill in the blanks" array</a:t>
+            </a:r>
+          </a:p>
+          <a:p>
+            <a:pPr lvl="1"/>
+            <a:r>
+              <a:rPr lang="en-US" sz="1200" dirty="0" smtClean="0"/>
+              <a:t>Usually should copy @_ into local variables</a:t>
+            </a:r>
+          </a:p>
+        </p:txBody>
+      </p:sp>
+    </p:spTree>
+    <p:extLst>
+      <p:ext uri="{BB962C8B-B14F-4D97-AF65-F5344CB8AC3E}">
+        <p14:creationId xmlns:p14="http://schemas.microsoft.com/office/powerpoint/2010/main" val="733391639"/>
+      </p:ext>
+    </p:extLst>
+  </p:cSld>
+  <p:clrMapOvr>
+    <a:masterClrMapping/>
+  </p:clrMapOvr>
+  <p:timing>
+    <p:tnLst>
+      <p:par>
+        <p:cTn id="1" dur="indefinite" restart="never" nodeType="tmRoot"/>
+      </p:par>
+    </p:tnLst>
+  </p:timing>
+</p:sld>
+</file>
+
+<file path=ppt/slides/slide58.xml><?xml version="1.0" encoding="utf-8"?>
+<p:sld xmlns:a="http://schemas.openxmlformats.org/drawingml/2006/main" xmlns:r="http://schemas.openxmlformats.org/officeDocument/2006/relationships" xmlns:p="http://schemas.openxmlformats.org/presentationml/2006/main">
+  <p:cSld>
+    <p:spTree>
+      <p:nvGrpSpPr>
+        <p:cNvPr id="1" name=""/>
+        <p:cNvGrpSpPr/>
+        <p:nvPr/>
+      </p:nvGrpSpPr>
+      <p:grpSpPr>
+        <a:xfrm>
+          <a:off x="0" y="0"/>
+          <a:ext cx="0" cy="0"/>
+          <a:chOff x="0" y="0"/>
+          <a:chExt cx="0" cy="0"/>
+        </a:xfrm>
+      </p:grpSpPr>
+      <p:sp>
+        <p:nvSpPr>
+          <p:cNvPr id="2" name="Title 1"/>
+          <p:cNvSpPr>
+            <a:spLocks noGrp="1"/>
+          </p:cNvSpPr>
+          <p:nvPr>
+            <p:ph type="title"/>
+          </p:nvPr>
+        </p:nvSpPr>
+        <p:spPr/>
+        <p:txBody>
+          <a:bodyPr/>
+          <a:lstStyle/>
+          <a:p>
+            <a:r>
+              <a:rPr lang="en-US" dirty="0" smtClean="0"/>
+              <a:t>Passing values</a:t>
+            </a:r>
+            <a:endParaRPr lang="en-US" dirty="0"/>
+          </a:p>
+        </p:txBody>
+      </p:sp>
+      <p:graphicFrame>
+        <p:nvGraphicFramePr>
+          <p:cNvPr id="4" name="Content Placeholder 3"/>
+          <p:cNvGraphicFramePr>
+            <a:graphicFrameLocks noGrp="1"/>
+          </p:cNvGraphicFramePr>
+          <p:nvPr>
+            <p:ph idx="1"/>
+            <p:extLst>
+              <p:ext uri="{D42A27DB-BD31-4B8C-83A1-F6EECF244321}">
+                <p14:modId xmlns:p14="http://schemas.microsoft.com/office/powerpoint/2010/main" val="3922220776"/>
+              </p:ext>
+            </p:extLst>
+          </p:nvPr>
+        </p:nvGraphicFramePr>
+        <p:xfrm>
+          <a:off x="457200" y="1600200"/>
+          <a:ext cx="8229600" cy="3749040"/>
+        </p:xfrm>
+        <a:graphic>
+          <a:graphicData uri="http://schemas.openxmlformats.org/drawingml/2006/table">
+            <a:tbl>
+              <a:tblPr firstRow="1" bandRow="1">
+                <a:tableStyleId>{5C22544A-7EE6-4342-B048-85BDC9FD1C3A}</a:tableStyleId>
+              </a:tblPr>
+              <a:tblGrid>
+                <a:gridCol w="8229600"/>
+              </a:tblGrid>
+              <a:tr h="370840">
+                <a:tc>
+                  <a:txBody>
+                    <a:bodyPr/>
+                    <a:lstStyle/>
+                    <a:p>
+                      <a:r>
+                        <a:rPr lang="en-US" sz="1600" dirty="0" smtClean="0">
+                          <a:latin typeface="Courier New" pitchFamily="49" charset="0"/>
+                          <a:cs typeface="Courier New" pitchFamily="49" charset="0"/>
+                        </a:rPr>
+                        <a:t>sub </a:t>
+                      </a:r>
+                      <a:r>
+                        <a:rPr lang="en-US" sz="1600" dirty="0" err="1" smtClean="0">
+                          <a:latin typeface="Courier New" pitchFamily="49" charset="0"/>
+                          <a:cs typeface="Courier New" pitchFamily="49" charset="0"/>
+                        </a:rPr>
+                        <a:t>add_one</a:t>
+                      </a:r>
+                      <a:r>
+                        <a:rPr lang="en-US" sz="1600" dirty="0" smtClean="0">
+                          <a:latin typeface="Courier New" pitchFamily="49" charset="0"/>
+                          <a:cs typeface="Courier New" pitchFamily="49" charset="0"/>
+                        </a:rPr>
+                        <a:t> {           # Like pass by value</a:t>
+                      </a:r>
+                    </a:p>
+                    <a:p>
+                      <a:r>
+                        <a:rPr lang="en-US" sz="1600" baseline="0" dirty="0" smtClean="0">
+                          <a:latin typeface="Courier New" pitchFamily="49" charset="0"/>
+                          <a:cs typeface="Courier New" pitchFamily="49" charset="0"/>
+                        </a:rPr>
+                        <a:t>    </a:t>
+                      </a:r>
+                      <a:r>
+                        <a:rPr lang="en-US" sz="1600" dirty="0" smtClean="0">
+                          <a:latin typeface="Courier New" pitchFamily="49" charset="0"/>
+                          <a:cs typeface="Courier New" pitchFamily="49" charset="0"/>
+                        </a:rPr>
+                        <a:t>my ($n) = @_;       # Copy first argument</a:t>
+                      </a:r>
+                    </a:p>
+                    <a:p>
+                      <a:r>
+                        <a:rPr lang="en-US" sz="1600" dirty="0" smtClean="0">
+                          <a:latin typeface="Courier New" pitchFamily="49" charset="0"/>
+                          <a:cs typeface="Courier New" pitchFamily="49" charset="0"/>
+                        </a:rPr>
+                        <a:t>    return ($n + 1);    # Return 1 more than argument </a:t>
+                      </a:r>
+                    </a:p>
+                    <a:p>
+                      <a:r>
+                        <a:rPr lang="en-US" sz="1600" dirty="0" smtClean="0">
+                          <a:latin typeface="Courier New" pitchFamily="49" charset="0"/>
+                          <a:cs typeface="Courier New" pitchFamily="49" charset="0"/>
+                        </a:rPr>
+                        <a:t>}</a:t>
+                      </a:r>
+                    </a:p>
+                    <a:p>
+                      <a:endParaRPr lang="en-US" sz="1600" dirty="0" smtClean="0">
+                        <a:latin typeface="Courier New" pitchFamily="49" charset="0"/>
+                        <a:cs typeface="Courier New" pitchFamily="49" charset="0"/>
+                      </a:endParaRPr>
+                    </a:p>
+                    <a:p>
+                      <a:r>
+                        <a:rPr lang="en-US" sz="1600" dirty="0" smtClean="0">
+                          <a:latin typeface="Courier New" pitchFamily="49" charset="0"/>
+                          <a:cs typeface="Courier New" pitchFamily="49" charset="0"/>
+                        </a:rPr>
+                        <a:t>sub </a:t>
+                      </a:r>
+                      <a:r>
+                        <a:rPr lang="en-US" sz="1600" dirty="0" err="1" smtClean="0">
+                          <a:latin typeface="Courier New" pitchFamily="49" charset="0"/>
+                          <a:cs typeface="Courier New" pitchFamily="49" charset="0"/>
+                        </a:rPr>
+                        <a:t>plus_plus</a:t>
+                      </a:r>
+                      <a:r>
+                        <a:rPr lang="en-US" sz="1600" dirty="0" smtClean="0">
+                          <a:latin typeface="Courier New" pitchFamily="49" charset="0"/>
+                          <a:cs typeface="Courier New" pitchFamily="49" charset="0"/>
+                        </a:rPr>
+                        <a:t> {         # Like pass by reference</a:t>
+                      </a:r>
+                    </a:p>
+                    <a:p>
+                      <a:r>
+                        <a:rPr lang="en-US" sz="1600" dirty="0" smtClean="0">
+                          <a:latin typeface="Courier New" pitchFamily="49" charset="0"/>
+                          <a:cs typeface="Courier New" pitchFamily="49" charset="0"/>
+                        </a:rPr>
+                        <a:t>    $_[0] = $_[0] + 1;  # Modify first argument</a:t>
+                      </a:r>
+                    </a:p>
+                    <a:p>
+                      <a:r>
+                        <a:rPr lang="en-US" sz="1600" dirty="0" smtClean="0">
+                          <a:latin typeface="Courier New" pitchFamily="49" charset="0"/>
+                          <a:cs typeface="Courier New" pitchFamily="49" charset="0"/>
+                        </a:rPr>
+                        <a:t>}</a:t>
+                      </a:r>
+                    </a:p>
+                    <a:p>
+                      <a:endParaRPr lang="en-US" sz="1600" dirty="0" smtClean="0">
+                        <a:latin typeface="Courier New" pitchFamily="49" charset="0"/>
+                        <a:cs typeface="Courier New" pitchFamily="49" charset="0"/>
+                      </a:endParaRPr>
+                    </a:p>
+                    <a:p>
+                      <a:r>
+                        <a:rPr lang="en-US" sz="1600" dirty="0" smtClean="0">
+                          <a:latin typeface="Courier New" pitchFamily="49" charset="0"/>
+                          <a:cs typeface="Courier New" pitchFamily="49" charset="0"/>
+                        </a:rPr>
+                        <a:t>my ($a, $b) = (10, 0);</a:t>
+                      </a:r>
+                    </a:p>
+                    <a:p>
+                      <a:endParaRPr lang="en-US" sz="1600" dirty="0" smtClean="0">
+                        <a:latin typeface="Courier New" pitchFamily="49" charset="0"/>
+                        <a:cs typeface="Courier New" pitchFamily="49" charset="0"/>
+                      </a:endParaRPr>
+                    </a:p>
+                    <a:p>
+                      <a:r>
+                        <a:rPr lang="en-US" sz="1600" dirty="0" err="1" smtClean="0">
+                          <a:latin typeface="Courier New" pitchFamily="49" charset="0"/>
+                          <a:cs typeface="Courier New" pitchFamily="49" charset="0"/>
+                        </a:rPr>
+                        <a:t>add_one</a:t>
+                      </a:r>
+                      <a:r>
+                        <a:rPr lang="en-US" sz="1600" dirty="0" smtClean="0">
+                          <a:latin typeface="Courier New" pitchFamily="49" charset="0"/>
+                          <a:cs typeface="Courier New" pitchFamily="49" charset="0"/>
+                        </a:rPr>
+                        <a:t>($a);            # Return value is lost, nothing changes</a:t>
+                      </a:r>
+                    </a:p>
+                    <a:p>
+                      <a:r>
+                        <a:rPr lang="en-US" sz="1600" dirty="0" smtClean="0">
+                          <a:latin typeface="Courier New" pitchFamily="49" charset="0"/>
+                          <a:cs typeface="Courier New" pitchFamily="49" charset="0"/>
+                        </a:rPr>
+                        <a:t>$b = </a:t>
+                      </a:r>
+                      <a:r>
+                        <a:rPr lang="en-US" sz="1600" dirty="0" err="1" smtClean="0">
+                          <a:latin typeface="Courier New" pitchFamily="49" charset="0"/>
+                          <a:cs typeface="Courier New" pitchFamily="49" charset="0"/>
+                        </a:rPr>
+                        <a:t>add_one</a:t>
+                      </a:r>
+                      <a:r>
+                        <a:rPr lang="en-US" sz="1600" dirty="0" smtClean="0">
+                          <a:latin typeface="Courier New" pitchFamily="49" charset="0"/>
+                          <a:cs typeface="Courier New" pitchFamily="49" charset="0"/>
+                        </a:rPr>
+                        <a:t>($a);       # $a is 10, $b is 11</a:t>
+                      </a:r>
+                    </a:p>
+                    <a:p>
+                      <a:r>
+                        <a:rPr lang="en-US" sz="1600" dirty="0" err="1" smtClean="0">
+                          <a:latin typeface="Courier New" pitchFamily="49" charset="0"/>
+                          <a:cs typeface="Courier New" pitchFamily="49" charset="0"/>
+                        </a:rPr>
+                        <a:t>plus_plus</a:t>
+                      </a:r>
+                      <a:r>
+                        <a:rPr lang="en-US" sz="1600" dirty="0" smtClean="0">
+                          <a:latin typeface="Courier New" pitchFamily="49" charset="0"/>
+                          <a:cs typeface="Courier New" pitchFamily="49" charset="0"/>
+                        </a:rPr>
+                        <a:t>($a);          # Return value lost, but a now is 11</a:t>
+                      </a:r>
+                    </a:p>
+                    <a:p>
+                      <a:r>
+                        <a:rPr lang="en-US" sz="1600" dirty="0" smtClean="0">
+                          <a:latin typeface="Courier New" pitchFamily="49" charset="0"/>
+                          <a:cs typeface="Courier New" pitchFamily="49" charset="0"/>
+                        </a:rPr>
+                        <a:t>$b = </a:t>
+                      </a:r>
+                      <a:r>
+                        <a:rPr lang="en-US" sz="1600" dirty="0" err="1" smtClean="0">
+                          <a:latin typeface="Courier New" pitchFamily="49" charset="0"/>
+                          <a:cs typeface="Courier New" pitchFamily="49" charset="0"/>
+                        </a:rPr>
+                        <a:t>plus_plus</a:t>
+                      </a:r>
+                      <a:r>
+                        <a:rPr lang="en-US" sz="1600" dirty="0" smtClean="0">
+                          <a:latin typeface="Courier New" pitchFamily="49" charset="0"/>
+                          <a:cs typeface="Courier New" pitchFamily="49" charset="0"/>
+                        </a:rPr>
+                        <a:t>($a);     # $a and $b are 12</a:t>
+                      </a:r>
+                      <a:endParaRPr lang="en-US" sz="1600" dirty="0">
+                        <a:latin typeface="Courier New" pitchFamily="49" charset="0"/>
+                        <a:cs typeface="Courier New" pitchFamily="49" charset="0"/>
+                      </a:endParaRPr>
+                    </a:p>
+                  </a:txBody>
+                  <a:tcPr/>
+                </a:tc>
+              </a:tr>
+            </a:tbl>
+          </a:graphicData>
+        </a:graphic>
+      </p:graphicFrame>
+    </p:spTree>
+    <p:extLst>
+      <p:ext uri="{BB962C8B-B14F-4D97-AF65-F5344CB8AC3E}">
+        <p14:creationId xmlns:p14="http://schemas.microsoft.com/office/powerpoint/2010/main" val="2415918002"/>
+      </p:ext>
+    </p:extLst>
+  </p:cSld>
+  <p:clrMapOvr>
+    <a:masterClrMapping/>
+  </p:clrMapOvr>
+  <p:timing>
+    <p:tnLst>
+      <p:par>
+        <p:cTn id="1" dur="indefinite" restart="never" nodeType="tmRoot"/>
+      </p:par>
+    </p:tnLst>
+  </p:timing>
+</p:sld>
+</file>
+
+<file path=ppt/slides/slide59.xml><?xml version="1.0" encoding="utf-8"?>
+<p:sld xmlns:a="http://schemas.openxmlformats.org/drawingml/2006/main" xmlns:r="http://schemas.openxmlformats.org/officeDocument/2006/relationships" xmlns:p="http://schemas.openxmlformats.org/presentationml/2006/main">
+  <p:cSld>
+    <p:spTree>
+      <p:nvGrpSpPr>
+        <p:cNvPr id="1" name=""/>
+        <p:cNvGrpSpPr/>
+        <p:nvPr/>
+      </p:nvGrpSpPr>
+      <p:grpSpPr>
+        <a:xfrm>
+          <a:off x="0" y="0"/>
+          <a:ext cx="0" cy="0"/>
+          <a:chOff x="0" y="0"/>
+          <a:chExt cx="0" cy="0"/>
+        </a:xfrm>
+      </p:grpSpPr>
+      <p:sp>
+        <p:nvSpPr>
+          <p:cNvPr id="2" name="Title 1"/>
+          <p:cNvSpPr>
+            <a:spLocks noGrp="1"/>
+          </p:cNvSpPr>
+          <p:nvPr>
+            <p:ph type="title"/>
+          </p:nvPr>
+        </p:nvSpPr>
+        <p:spPr/>
+        <p:txBody>
+          <a:bodyPr/>
+          <a:lstStyle/>
+          <a:p>
+            <a:r>
+              <a:rPr lang="en-US" dirty="0" smtClean="0"/>
+              <a:t>Calling a subroutine</a:t>
+            </a:r>
+            <a:endParaRPr lang="en-US" dirty="0"/>
+          </a:p>
+        </p:txBody>
+      </p:sp>
+      <p:sp>
+        <p:nvSpPr>
+          <p:cNvPr id="3" name="Content Placeholder 2"/>
+          <p:cNvSpPr>
+            <a:spLocks noGrp="1"/>
+          </p:cNvSpPr>
+          <p:nvPr>
+            <p:ph idx="1"/>
+          </p:nvPr>
+        </p:nvSpPr>
+        <p:spPr/>
+        <p:txBody>
+          <a:bodyPr>
+            <a:normAutofit/>
+          </a:bodyPr>
+          <a:lstStyle/>
+          <a:p>
+            <a:r>
+              <a:rPr lang="en-US" sz="1600" dirty="0" smtClean="0"/>
+              <a:t>Subroutine calls usually have arguments in parentheses</a:t>
+            </a:r>
+          </a:p>
+          <a:p>
+            <a:r>
+              <a:rPr lang="en-US" sz="1600" dirty="0" smtClean="0"/>
+              <a:t>Parentheses are not needed if sub is declared first</a:t>
+            </a:r>
+          </a:p>
+          <a:p>
+            <a:r>
+              <a:rPr lang="en-US" sz="1600" dirty="0" smtClean="0"/>
+              <a:t>But using parentheses is often good style</a:t>
+            </a:r>
+          </a:p>
+          <a:p>
+            <a:r>
+              <a:rPr lang="en-US" sz="1600" dirty="0" smtClean="0"/>
+              <a:t>Subroutine calls may be recursive</a:t>
+            </a:r>
+          </a:p>
+          <a:p>
+            <a:r>
+              <a:rPr lang="en-US" sz="1600" dirty="0" smtClean="0"/>
+              <a:t>Subroutines are another data type</a:t>
+            </a:r>
+          </a:p>
+          <a:p>
+            <a:r>
+              <a:rPr lang="en-US" sz="1600" dirty="0" smtClean="0"/>
+              <a:t>Name may be preceded by an &amp; character</a:t>
+            </a:r>
+          </a:p>
+          <a:p>
+            <a:r>
+              <a:rPr lang="en-US" sz="1600" dirty="0" smtClean="0"/>
+              <a:t>&amp; is not needed when calling subs</a:t>
+            </a:r>
+          </a:p>
+        </p:txBody>
+      </p:sp>
+      <p:graphicFrame>
+        <p:nvGraphicFramePr>
+          <p:cNvPr id="4" name="Table 3"/>
+          <p:cNvGraphicFramePr>
+            <a:graphicFrameLocks noGrp="1"/>
+          </p:cNvGraphicFramePr>
+          <p:nvPr>
+            <p:extLst>
+              <p:ext uri="{D42A27DB-BD31-4B8C-83A1-F6EECF244321}">
+                <p14:modId xmlns:p14="http://schemas.microsoft.com/office/powerpoint/2010/main" val="227290357"/>
+              </p:ext>
+            </p:extLst>
+          </p:nvPr>
+        </p:nvGraphicFramePr>
+        <p:xfrm>
+          <a:off x="609600" y="3886200"/>
+          <a:ext cx="8305800" cy="2773680"/>
+        </p:xfrm>
+        <a:graphic>
+          <a:graphicData uri="http://schemas.openxmlformats.org/drawingml/2006/table">
+            <a:tbl>
+              <a:tblPr firstRow="1" bandRow="1">
+                <a:tableStyleId>{5C22544A-7EE6-4342-B048-85BDC9FD1C3A}</a:tableStyleId>
+              </a:tblPr>
+              <a:tblGrid>
+                <a:gridCol w="8305800"/>
+              </a:tblGrid>
+              <a:tr h="370840">
+                <a:tc>
+                  <a:txBody>
+                    <a:bodyPr/>
+                    <a:lstStyle/>
+                    <a:p>
+                      <a:r>
+                        <a:rPr lang="en-US" sz="1600" dirty="0" smtClean="0">
+                          <a:latin typeface="Courier New" pitchFamily="49" charset="0"/>
+                          <a:cs typeface="Courier New" pitchFamily="49" charset="0"/>
+                        </a:rPr>
+                        <a:t>print factorial(5) . "\n";   # Parentheses required</a:t>
+                      </a:r>
+                    </a:p>
+                    <a:p>
+                      <a:r>
+                        <a:rPr lang="en-US" sz="1600" dirty="0" smtClean="0">
+                          <a:latin typeface="Courier New" pitchFamily="49" charset="0"/>
+                          <a:cs typeface="Courier New" pitchFamily="49" charset="0"/>
+                        </a:rPr>
+                        <a:t>sub factorial {</a:t>
+                      </a:r>
+                    </a:p>
+                    <a:p>
+                      <a:r>
+                        <a:rPr lang="en-US" sz="1600" dirty="0" smtClean="0">
+                          <a:latin typeface="Courier New" pitchFamily="49" charset="0"/>
+                          <a:cs typeface="Courier New" pitchFamily="49" charset="0"/>
+                        </a:rPr>
+                        <a:t>    my ($n) = @_;</a:t>
+                      </a:r>
+                    </a:p>
+                    <a:p>
+                      <a:r>
+                        <a:rPr lang="en-US" sz="1600" dirty="0" smtClean="0">
+                          <a:latin typeface="Courier New" pitchFamily="49" charset="0"/>
+                          <a:cs typeface="Courier New" pitchFamily="49" charset="0"/>
+                        </a:rPr>
+                        <a:t>    return $n if $n &lt;= 2;</a:t>
+                      </a:r>
+                    </a:p>
+                    <a:p>
+                      <a:r>
+                        <a:rPr lang="en-US" sz="1600" dirty="0" smtClean="0">
+                          <a:latin typeface="Courier New" pitchFamily="49" charset="0"/>
+                          <a:cs typeface="Courier New" pitchFamily="49" charset="0"/>
+                        </a:rPr>
+                        <a:t>    $n * factorial($n - 1);</a:t>
+                      </a:r>
+                    </a:p>
+                    <a:p>
+                      <a:r>
+                        <a:rPr lang="en-US" sz="1600" dirty="0" smtClean="0">
+                          <a:latin typeface="Courier New" pitchFamily="49" charset="0"/>
+                          <a:cs typeface="Courier New" pitchFamily="49" charset="0"/>
+                        </a:rPr>
+                        <a:t>}</a:t>
+                      </a:r>
+                    </a:p>
+                    <a:p>
+                      <a:endParaRPr lang="en-US" sz="1600" dirty="0" smtClean="0">
+                        <a:latin typeface="Courier New" pitchFamily="49" charset="0"/>
+                        <a:cs typeface="Courier New" pitchFamily="49" charset="0"/>
+                      </a:endParaRPr>
+                    </a:p>
+                    <a:p>
+                      <a:r>
+                        <a:rPr lang="en-US" sz="1600" dirty="0" smtClean="0">
+                          <a:latin typeface="Courier New" pitchFamily="49" charset="0"/>
+                          <a:cs typeface="Courier New" pitchFamily="49" charset="0"/>
+                        </a:rPr>
+                        <a:t>print ((factorial 5) . "\n");   </a:t>
+                      </a:r>
+                    </a:p>
+                    <a:p>
+                      <a:r>
+                        <a:rPr lang="en-US" sz="1600" dirty="0" smtClean="0">
+                          <a:latin typeface="Courier New" pitchFamily="49" charset="0"/>
+                          <a:cs typeface="Courier New" pitchFamily="49" charset="0"/>
+                        </a:rPr>
+                        <a:t># Parentheses around argument not required,</a:t>
+                      </a:r>
+                    </a:p>
+                    <a:p>
+                      <a:r>
+                        <a:rPr lang="en-US" sz="1600" dirty="0" smtClean="0">
+                          <a:latin typeface="Courier New" pitchFamily="49" charset="0"/>
+                          <a:cs typeface="Courier New" pitchFamily="49" charset="0"/>
+                        </a:rPr>
+                        <a:t># but need to ensure there are no extra arguments</a:t>
+                      </a:r>
+                    </a:p>
+                    <a:p>
+                      <a:r>
+                        <a:rPr lang="en-US" sz="1600" dirty="0" smtClean="0">
+                          <a:latin typeface="Courier New" pitchFamily="49" charset="0"/>
+                          <a:cs typeface="Courier New" pitchFamily="49" charset="0"/>
+                        </a:rPr>
+                        <a:t>print &amp;factorial(5) . "\n";  # Neither () nor &amp; required</a:t>
+                      </a:r>
+                      <a:endParaRPr lang="en-US" sz="1600" dirty="0">
+                        <a:latin typeface="Courier New" pitchFamily="49" charset="0"/>
+                        <a:cs typeface="Courier New" pitchFamily="49" charset="0"/>
+                      </a:endParaRPr>
+                    </a:p>
+                  </a:txBody>
+                  <a:tcPr/>
+                </a:tc>
+              </a:tr>
+            </a:tbl>
+          </a:graphicData>
+        </a:graphic>
+      </p:graphicFrame>
+    </p:spTree>
+    <p:extLst>
+      <p:ext uri="{BB962C8B-B14F-4D97-AF65-F5344CB8AC3E}">
+        <p14:creationId xmlns:p14="http://schemas.microsoft.com/office/powerpoint/2010/main" val="944312669"/>
+      </p:ext>
+    </p:extLst>
+  </p:cSld>
+  <p:clrMapOvr>
+    <a:masterClrMapping/>
+  </p:clrMapOvr>
+  <p:timing>
+    <p:tnLst>
+      <p:par>
+        <p:cTn id="1" dur="indefinite" restart="never" nodeType="tmRoot"/>
+      </p:par>
+    </p:tnLst>
+  </p:timing>
+</p:sld>
+</file>
+
 <file path=ppt/slides/slide6.xml><?xml version="1.0" encoding="utf-8"?>
 <p:sld xmlns:a="http://schemas.openxmlformats.org/drawingml/2006/main" xmlns:r="http://schemas.openxmlformats.org/officeDocument/2006/relationships" xmlns:p="http://schemas.openxmlformats.org/presentationml/2006/main">
   <p:cSld>
@@ -13440,6 +16704,2416 @@
     <p:extLst>
       <p:ext uri="{BB962C8B-B14F-4D97-AF65-F5344CB8AC3E}">
         <p14:creationId xmlns:p14="http://schemas.microsoft.com/office/powerpoint/2010/main" val="95731606"/>
+      </p:ext>
+    </p:extLst>
+  </p:cSld>
+  <p:clrMapOvr>
+    <a:masterClrMapping/>
+  </p:clrMapOvr>
+  <p:timing>
+    <p:tnLst>
+      <p:par>
+        <p:cTn id="1" dur="indefinite" restart="never" nodeType="tmRoot"/>
+      </p:par>
+    </p:tnLst>
+  </p:timing>
+</p:sld>
+</file>
+
+<file path=ppt/slides/slide60.xml><?xml version="1.0" encoding="utf-8"?>
+<p:sld xmlns:a="http://schemas.openxmlformats.org/drawingml/2006/main" xmlns:r="http://schemas.openxmlformats.org/officeDocument/2006/relationships" xmlns:p="http://schemas.openxmlformats.org/presentationml/2006/main">
+  <p:cSld>
+    <p:spTree>
+      <p:nvGrpSpPr>
+        <p:cNvPr id="1" name=""/>
+        <p:cNvGrpSpPr/>
+        <p:nvPr/>
+      </p:nvGrpSpPr>
+      <p:grpSpPr>
+        <a:xfrm>
+          <a:off x="0" y="0"/>
+          <a:ext cx="0" cy="0"/>
+          <a:chOff x="0" y="0"/>
+          <a:chExt cx="0" cy="0"/>
+        </a:xfrm>
+      </p:grpSpPr>
+      <p:sp>
+        <p:nvSpPr>
+          <p:cNvPr id="2" name="Title 1"/>
+          <p:cNvSpPr>
+            <a:spLocks noGrp="1"/>
+          </p:cNvSpPr>
+          <p:nvPr>
+            <p:ph type="title"/>
+          </p:nvPr>
+        </p:nvSpPr>
+        <p:spPr/>
+        <p:txBody>
+          <a:bodyPr/>
+          <a:lstStyle/>
+          <a:p>
+            <a:r>
+              <a:rPr lang="en-US" dirty="0" smtClean="0"/>
+              <a:t>Subroutine example</a:t>
+            </a:r>
+            <a:endParaRPr lang="en-US" dirty="0"/>
+          </a:p>
+        </p:txBody>
+      </p:sp>
+      <p:sp>
+        <p:nvSpPr>
+          <p:cNvPr id="3" name="Content Placeholder 2"/>
+          <p:cNvSpPr>
+            <a:spLocks noGrp="1"/>
+          </p:cNvSpPr>
+          <p:nvPr>
+            <p:ph idx="1"/>
+          </p:nvPr>
+        </p:nvSpPr>
+        <p:spPr/>
+        <p:txBody>
+          <a:bodyPr>
+            <a:normAutofit/>
+          </a:bodyPr>
+          <a:lstStyle/>
+          <a:p>
+            <a:r>
+              <a:rPr lang="en-US" sz="1600" dirty="0" smtClean="0"/>
+              <a:t>A more typical example</a:t>
+            </a:r>
+          </a:p>
+          <a:p>
+            <a:r>
+              <a:rPr lang="en-US" sz="1600" dirty="0" smtClean="0"/>
+              <a:t>Declare subroutine</a:t>
+            </a:r>
+          </a:p>
+          <a:p>
+            <a:r>
+              <a:rPr lang="en-US" sz="1600" dirty="0" smtClean="0"/>
+              <a:t>Copy arguments</a:t>
+            </a:r>
+          </a:p>
+          <a:p>
+            <a:r>
+              <a:rPr lang="en-US" sz="1600" dirty="0" smtClean="0"/>
+              <a:t>Check arguments</a:t>
+            </a:r>
+          </a:p>
+          <a:p>
+            <a:r>
+              <a:rPr lang="en-US" sz="1600" dirty="0" smtClean="0"/>
+              <a:t>Perform computation</a:t>
+            </a:r>
+          </a:p>
+          <a:p>
+            <a:r>
+              <a:rPr lang="en-US" sz="1600" dirty="0" smtClean="0"/>
+              <a:t>Return results</a:t>
+            </a:r>
+          </a:p>
+        </p:txBody>
+      </p:sp>
+      <p:graphicFrame>
+        <p:nvGraphicFramePr>
+          <p:cNvPr id="4" name="Table 3"/>
+          <p:cNvGraphicFramePr>
+            <a:graphicFrameLocks noGrp="1"/>
+          </p:cNvGraphicFramePr>
+          <p:nvPr>
+            <p:extLst>
+              <p:ext uri="{D42A27DB-BD31-4B8C-83A1-F6EECF244321}">
+                <p14:modId xmlns:p14="http://schemas.microsoft.com/office/powerpoint/2010/main" val="28274835"/>
+              </p:ext>
+            </p:extLst>
+          </p:nvPr>
+        </p:nvGraphicFramePr>
+        <p:xfrm>
+          <a:off x="609600" y="3886200"/>
+          <a:ext cx="8305800" cy="2773680"/>
+        </p:xfrm>
+        <a:graphic>
+          <a:graphicData uri="http://schemas.openxmlformats.org/drawingml/2006/table">
+            <a:tbl>
+              <a:tblPr firstRow="1" bandRow="1">
+                <a:tableStyleId>{5C22544A-7EE6-4342-B048-85BDC9FD1C3A}</a:tableStyleId>
+              </a:tblPr>
+              <a:tblGrid>
+                <a:gridCol w="8305800"/>
+              </a:tblGrid>
+              <a:tr h="370840">
+                <a:tc>
+                  <a:txBody>
+                    <a:bodyPr/>
+                    <a:lstStyle/>
+                    <a:p>
+                      <a:r>
+                        <a:rPr lang="en-US" sz="1600" dirty="0" smtClean="0">
+                          <a:latin typeface="Courier New" pitchFamily="49" charset="0"/>
+                          <a:cs typeface="Courier New" pitchFamily="49" charset="0"/>
+                        </a:rPr>
+                        <a:t>sub </a:t>
+                      </a:r>
+                      <a:r>
+                        <a:rPr lang="en-US" sz="1600" dirty="0" err="1" smtClean="0">
+                          <a:latin typeface="Courier New" pitchFamily="49" charset="0"/>
+                          <a:cs typeface="Courier New" pitchFamily="49" charset="0"/>
+                        </a:rPr>
+                        <a:t>fibonacci</a:t>
+                      </a:r>
+                      <a:r>
+                        <a:rPr lang="en-US" sz="1600" dirty="0" smtClean="0">
+                          <a:latin typeface="Courier New" pitchFamily="49" charset="0"/>
+                          <a:cs typeface="Courier New" pitchFamily="49" charset="0"/>
+                        </a:rPr>
+                        <a:t> {</a:t>
+                      </a:r>
+                    </a:p>
+                    <a:p>
+                      <a:r>
+                        <a:rPr lang="en-US" sz="1600" baseline="0" dirty="0" smtClean="0">
+                          <a:latin typeface="Courier New" pitchFamily="49" charset="0"/>
+                          <a:cs typeface="Courier New" pitchFamily="49" charset="0"/>
+                        </a:rPr>
+                        <a:t>    </a:t>
+                      </a:r>
+                      <a:r>
+                        <a:rPr lang="en-US" sz="1600" dirty="0" smtClean="0">
+                          <a:latin typeface="Courier New" pitchFamily="49" charset="0"/>
+                          <a:cs typeface="Courier New" pitchFamily="49" charset="0"/>
+                        </a:rPr>
+                        <a:t>my ($n) = @_;</a:t>
+                      </a:r>
+                    </a:p>
+                    <a:p>
+                      <a:r>
+                        <a:rPr lang="en-US" sz="1600" dirty="0" smtClean="0">
+                          <a:latin typeface="Courier New" pitchFamily="49" charset="0"/>
+                          <a:cs typeface="Courier New" pitchFamily="49" charset="0"/>
+                        </a:rPr>
+                        <a:t>    die "Number must be positive" if $n &lt;= 0;</a:t>
+                      </a:r>
+                    </a:p>
+                    <a:p>
+                      <a:r>
+                        <a:rPr lang="en-US" sz="1600" dirty="0" smtClean="0">
+                          <a:latin typeface="Courier New" pitchFamily="49" charset="0"/>
+                          <a:cs typeface="Courier New" pitchFamily="49" charset="0"/>
+                        </a:rPr>
+                        <a:t>    return 1 if $n &lt;= 2;</a:t>
+                      </a:r>
+                    </a:p>
+                    <a:p>
+                      <a:r>
+                        <a:rPr lang="en-US" sz="1600" dirty="0" smtClean="0">
+                          <a:latin typeface="Courier New" pitchFamily="49" charset="0"/>
+                          <a:cs typeface="Courier New" pitchFamily="49" charset="0"/>
+                        </a:rPr>
+                        <a:t>    return (</a:t>
+                      </a:r>
+                      <a:r>
+                        <a:rPr lang="en-US" sz="1600" dirty="0" err="1" smtClean="0">
+                          <a:latin typeface="Courier New" pitchFamily="49" charset="0"/>
+                          <a:cs typeface="Courier New" pitchFamily="49" charset="0"/>
+                        </a:rPr>
+                        <a:t>fibonacci</a:t>
+                      </a:r>
+                      <a:r>
+                        <a:rPr lang="en-US" sz="1600" dirty="0" smtClean="0">
+                          <a:latin typeface="Courier New" pitchFamily="49" charset="0"/>
+                          <a:cs typeface="Courier New" pitchFamily="49" charset="0"/>
+                        </a:rPr>
+                        <a:t>($n-1) + </a:t>
+                      </a:r>
+                      <a:r>
+                        <a:rPr lang="en-US" sz="1600" dirty="0" err="1" smtClean="0">
+                          <a:latin typeface="Courier New" pitchFamily="49" charset="0"/>
+                          <a:cs typeface="Courier New" pitchFamily="49" charset="0"/>
+                        </a:rPr>
+                        <a:t>fibonacci</a:t>
+                      </a:r>
+                      <a:r>
+                        <a:rPr lang="en-US" sz="1600" dirty="0" smtClean="0">
+                          <a:latin typeface="Courier New" pitchFamily="49" charset="0"/>
+                          <a:cs typeface="Courier New" pitchFamily="49" charset="0"/>
+                        </a:rPr>
+                        <a:t>($n-2));</a:t>
+                      </a:r>
+                    </a:p>
+                    <a:p>
+                      <a:r>
+                        <a:rPr lang="en-US" sz="1600" dirty="0" smtClean="0">
+                          <a:latin typeface="Courier New" pitchFamily="49" charset="0"/>
+                          <a:cs typeface="Courier New" pitchFamily="49" charset="0"/>
+                        </a:rPr>
+                        <a:t>}</a:t>
+                      </a:r>
+                    </a:p>
+                    <a:p>
+                      <a:endParaRPr lang="en-US" sz="1600" dirty="0" smtClean="0">
+                        <a:latin typeface="Courier New" pitchFamily="49" charset="0"/>
+                        <a:cs typeface="Courier New" pitchFamily="49" charset="0"/>
+                      </a:endParaRPr>
+                    </a:p>
+                    <a:p>
+                      <a:r>
+                        <a:rPr lang="en-US" sz="1600" dirty="0" err="1" smtClean="0">
+                          <a:latin typeface="Courier New" pitchFamily="49" charset="0"/>
+                          <a:cs typeface="Courier New" pitchFamily="49" charset="0"/>
+                        </a:rPr>
+                        <a:t>foreach</a:t>
+                      </a:r>
+                      <a:r>
+                        <a:rPr lang="en-US" sz="1600" dirty="0" smtClean="0">
+                          <a:latin typeface="Courier New" pitchFamily="49" charset="0"/>
+                          <a:cs typeface="Courier New" pitchFamily="49" charset="0"/>
+                        </a:rPr>
+                        <a:t> my $i (1..5) {</a:t>
+                      </a:r>
+                    </a:p>
+                    <a:p>
+                      <a:r>
+                        <a:rPr lang="en-US" sz="1600" dirty="0" smtClean="0">
+                          <a:latin typeface="Courier New" pitchFamily="49" charset="0"/>
+                          <a:cs typeface="Courier New" pitchFamily="49" charset="0"/>
+                        </a:rPr>
+                        <a:t>    my $fib = </a:t>
+                      </a:r>
+                      <a:r>
+                        <a:rPr lang="en-US" sz="1600" dirty="0" err="1" smtClean="0">
+                          <a:latin typeface="Courier New" pitchFamily="49" charset="0"/>
+                          <a:cs typeface="Courier New" pitchFamily="49" charset="0"/>
+                        </a:rPr>
+                        <a:t>fibonacci</a:t>
+                      </a:r>
+                      <a:r>
+                        <a:rPr lang="en-US" sz="1600" dirty="0" smtClean="0">
+                          <a:latin typeface="Courier New" pitchFamily="49" charset="0"/>
+                          <a:cs typeface="Courier New" pitchFamily="49" charset="0"/>
+                        </a:rPr>
+                        <a:t>($i);</a:t>
+                      </a:r>
+                    </a:p>
+                    <a:p>
+                      <a:r>
+                        <a:rPr lang="en-US" sz="1600" dirty="0" smtClean="0">
+                          <a:latin typeface="Courier New" pitchFamily="49" charset="0"/>
+                          <a:cs typeface="Courier New" pitchFamily="49" charset="0"/>
+                        </a:rPr>
+                        <a:t>    print "</a:t>
+                      </a:r>
+                      <a:r>
+                        <a:rPr lang="en-US" sz="1600" dirty="0" err="1" smtClean="0">
+                          <a:latin typeface="Courier New" pitchFamily="49" charset="0"/>
+                          <a:cs typeface="Courier New" pitchFamily="49" charset="0"/>
+                        </a:rPr>
+                        <a:t>fibonacci</a:t>
+                      </a:r>
+                      <a:r>
+                        <a:rPr lang="en-US" sz="1600" dirty="0" smtClean="0">
+                          <a:latin typeface="Courier New" pitchFamily="49" charset="0"/>
+                          <a:cs typeface="Courier New" pitchFamily="49" charset="0"/>
+                        </a:rPr>
+                        <a:t>($i) is $fib\n";</a:t>
+                      </a:r>
+                    </a:p>
+                    <a:p>
+                      <a:r>
+                        <a:rPr lang="en-US" sz="1600" dirty="0" smtClean="0">
+                          <a:latin typeface="Courier New" pitchFamily="49" charset="0"/>
+                          <a:cs typeface="Courier New" pitchFamily="49" charset="0"/>
+                        </a:rPr>
+                        <a:t>}</a:t>
+                      </a:r>
+                      <a:endParaRPr lang="en-US" sz="1600" dirty="0">
+                        <a:latin typeface="Courier New" pitchFamily="49" charset="0"/>
+                        <a:cs typeface="Courier New" pitchFamily="49" charset="0"/>
+                      </a:endParaRPr>
+                    </a:p>
+                  </a:txBody>
+                  <a:tcPr/>
+                </a:tc>
+              </a:tr>
+            </a:tbl>
+          </a:graphicData>
+        </a:graphic>
+      </p:graphicFrame>
+    </p:spTree>
+    <p:extLst>
+      <p:ext uri="{BB962C8B-B14F-4D97-AF65-F5344CB8AC3E}">
+        <p14:creationId xmlns:p14="http://schemas.microsoft.com/office/powerpoint/2010/main" val="265866570"/>
+      </p:ext>
+    </p:extLst>
+  </p:cSld>
+  <p:clrMapOvr>
+    <a:masterClrMapping/>
+  </p:clrMapOvr>
+  <p:timing>
+    <p:tnLst>
+      <p:par>
+        <p:cTn id="1" dur="indefinite" restart="never" nodeType="tmRoot"/>
+      </p:par>
+    </p:tnLst>
+  </p:timing>
+</p:sld>
+</file>
+
+<file path=ppt/slides/slide61.xml><?xml version="1.0" encoding="utf-8"?>
+<p:sld xmlns:a="http://schemas.openxmlformats.org/drawingml/2006/main" xmlns:r="http://schemas.openxmlformats.org/officeDocument/2006/relationships" xmlns:p="http://schemas.openxmlformats.org/presentationml/2006/main">
+  <p:cSld>
+    <p:spTree>
+      <p:nvGrpSpPr>
+        <p:cNvPr id="1" name=""/>
+        <p:cNvGrpSpPr/>
+        <p:nvPr/>
+      </p:nvGrpSpPr>
+      <p:grpSpPr>
+        <a:xfrm>
+          <a:off x="0" y="0"/>
+          <a:ext cx="0" cy="0"/>
+          <a:chOff x="0" y="0"/>
+          <a:chExt cx="0" cy="0"/>
+        </a:xfrm>
+      </p:grpSpPr>
+      <p:sp>
+        <p:nvSpPr>
+          <p:cNvPr id="2" name="Title 1"/>
+          <p:cNvSpPr>
+            <a:spLocks noGrp="1"/>
+          </p:cNvSpPr>
+          <p:nvPr>
+            <p:ph type="title"/>
+          </p:nvPr>
+        </p:nvSpPr>
+        <p:spPr/>
+        <p:txBody>
+          <a:bodyPr/>
+          <a:lstStyle/>
+          <a:p>
+            <a:r>
+              <a:rPr lang="en-US" dirty="0" smtClean="0"/>
+              <a:t>File I/O</a:t>
+            </a:r>
+            <a:endParaRPr lang="en-US" dirty="0"/>
+          </a:p>
+        </p:txBody>
+      </p:sp>
+      <p:sp>
+        <p:nvSpPr>
+          <p:cNvPr id="3" name="Content Placeholder 2"/>
+          <p:cNvSpPr>
+            <a:spLocks noGrp="1"/>
+          </p:cNvSpPr>
+          <p:nvPr>
+            <p:ph idx="1"/>
+          </p:nvPr>
+        </p:nvSpPr>
+        <p:spPr/>
+        <p:txBody>
+          <a:bodyPr>
+            <a:normAutofit/>
+          </a:bodyPr>
+          <a:lstStyle/>
+          <a:p>
+            <a:r>
+              <a:rPr lang="en-US" sz="1600" dirty="0" smtClean="0"/>
+              <a:t>Access to files is similar to shell redirection</a:t>
+            </a:r>
+          </a:p>
+          <a:p>
+            <a:r>
+              <a:rPr lang="en-US" sz="1600" dirty="0" smtClean="0"/>
+              <a:t>Standard files</a:t>
+            </a:r>
+          </a:p>
+          <a:p>
+            <a:r>
+              <a:rPr lang="en-US" sz="1600" dirty="0" smtClean="0"/>
+              <a:t>Reading from files</a:t>
+            </a:r>
+          </a:p>
+          <a:p>
+            <a:r>
+              <a:rPr lang="en-US" sz="1600" dirty="0" smtClean="0"/>
+              <a:t>Writing to files</a:t>
+            </a:r>
+          </a:p>
+          <a:p>
+            <a:r>
+              <a:rPr lang="en-US" sz="1600" dirty="0" smtClean="0"/>
+              <a:t>Pipes</a:t>
+            </a:r>
+          </a:p>
+          <a:p>
+            <a:r>
+              <a:rPr lang="en-US" sz="1600" dirty="0" smtClean="0"/>
+              <a:t>File checks</a:t>
+            </a:r>
+            <a:endParaRPr lang="en-US" sz="1200" dirty="0" smtClean="0"/>
+          </a:p>
+        </p:txBody>
+      </p:sp>
+    </p:spTree>
+    <p:extLst>
+      <p:ext uri="{BB962C8B-B14F-4D97-AF65-F5344CB8AC3E}">
+        <p14:creationId xmlns:p14="http://schemas.microsoft.com/office/powerpoint/2010/main" val="317517072"/>
+      </p:ext>
+    </p:extLst>
+  </p:cSld>
+  <p:clrMapOvr>
+    <a:masterClrMapping/>
+  </p:clrMapOvr>
+  <p:timing>
+    <p:tnLst>
+      <p:par>
+        <p:cTn id="1" dur="indefinite" restart="never" nodeType="tmRoot"/>
+      </p:par>
+    </p:tnLst>
+  </p:timing>
+</p:sld>
+</file>
+
+<file path=ppt/slides/slide62.xml><?xml version="1.0" encoding="utf-8"?>
+<p:sld xmlns:a="http://schemas.openxmlformats.org/drawingml/2006/main" xmlns:r="http://schemas.openxmlformats.org/officeDocument/2006/relationships" xmlns:p="http://schemas.openxmlformats.org/presentationml/2006/main">
+  <p:cSld>
+    <p:spTree>
+      <p:nvGrpSpPr>
+        <p:cNvPr id="1" name=""/>
+        <p:cNvGrpSpPr/>
+        <p:nvPr/>
+      </p:nvGrpSpPr>
+      <p:grpSpPr>
+        <a:xfrm>
+          <a:off x="0" y="0"/>
+          <a:ext cx="0" cy="0"/>
+          <a:chOff x="0" y="0"/>
+          <a:chExt cx="0" cy="0"/>
+        </a:xfrm>
+      </p:grpSpPr>
+      <p:sp>
+        <p:nvSpPr>
+          <p:cNvPr id="2" name="Title 1"/>
+          <p:cNvSpPr>
+            <a:spLocks noGrp="1"/>
+          </p:cNvSpPr>
+          <p:nvPr>
+            <p:ph type="title"/>
+          </p:nvPr>
+        </p:nvSpPr>
+        <p:spPr/>
+        <p:txBody>
+          <a:bodyPr/>
+          <a:lstStyle/>
+          <a:p>
+            <a:r>
+              <a:rPr lang="en-US" dirty="0" smtClean="0"/>
+              <a:t>File I/O</a:t>
+            </a:r>
+            <a:endParaRPr lang="en-US" dirty="0"/>
+          </a:p>
+        </p:txBody>
+      </p:sp>
+      <p:sp>
+        <p:nvSpPr>
+          <p:cNvPr id="3" name="Content Placeholder 2"/>
+          <p:cNvSpPr>
+            <a:spLocks noGrp="1"/>
+          </p:cNvSpPr>
+          <p:nvPr>
+            <p:ph idx="1"/>
+          </p:nvPr>
+        </p:nvSpPr>
+        <p:spPr/>
+        <p:txBody>
+          <a:bodyPr>
+            <a:normAutofit/>
+          </a:bodyPr>
+          <a:lstStyle/>
+          <a:p>
+            <a:r>
+              <a:rPr lang="en-US" sz="1600" dirty="0" smtClean="0"/>
+              <a:t>Access to files is similar to shell redirection</a:t>
+            </a:r>
+          </a:p>
+          <a:p>
+            <a:r>
+              <a:rPr lang="en-US" sz="1600" dirty="0" smtClean="0"/>
+              <a:t>open allows access to the file</a:t>
+            </a:r>
+          </a:p>
+          <a:p>
+            <a:r>
+              <a:rPr lang="en-US" sz="1600" dirty="0" smtClean="0"/>
+              <a:t>Redirect characters (&lt;, &gt;) define access type</a:t>
+            </a:r>
+          </a:p>
+          <a:p>
+            <a:r>
+              <a:rPr lang="en-US" sz="1600" dirty="0" smtClean="0"/>
+              <a:t>Can read, write, append, read &amp; write, etc.</a:t>
+            </a:r>
+          </a:p>
+          <a:p>
+            <a:r>
+              <a:rPr lang="en-US" sz="1600" dirty="0" err="1" smtClean="0"/>
+              <a:t>Filehandle</a:t>
+            </a:r>
+            <a:r>
+              <a:rPr lang="en-US" sz="1600" dirty="0" smtClean="0"/>
+              <a:t> refers to opened file</a:t>
+            </a:r>
+          </a:p>
+          <a:p>
+            <a:r>
+              <a:rPr lang="en-US" sz="1600" dirty="0" smtClean="0"/>
+              <a:t>close stops access to the file</a:t>
+            </a:r>
+          </a:p>
+          <a:p>
+            <a:r>
+              <a:rPr lang="en-US" sz="1600" dirty="0" smtClean="0"/>
+              <a:t>$! contains IO error messages</a:t>
+            </a:r>
+          </a:p>
+          <a:p>
+            <a:r>
+              <a:rPr lang="en-US" sz="1600" dirty="0" err="1" smtClean="0"/>
+              <a:t>perldoc</a:t>
+            </a:r>
+            <a:r>
+              <a:rPr lang="en-US" sz="1600" dirty="0" smtClean="0"/>
+              <a:t> </a:t>
+            </a:r>
+            <a:r>
+              <a:rPr lang="en-US" sz="1600" dirty="0" err="1" smtClean="0"/>
+              <a:t>perlopentut</a:t>
+            </a:r>
+            <a:r>
+              <a:rPr lang="en-US" sz="1600" dirty="0" smtClean="0"/>
+              <a:t> has complete description</a:t>
+            </a:r>
+          </a:p>
+          <a:p>
+            <a:endParaRPr lang="en-US" sz="1600" dirty="0"/>
+          </a:p>
+          <a:p>
+            <a:endParaRPr lang="en-US" sz="1200" dirty="0" smtClean="0"/>
+          </a:p>
+        </p:txBody>
+      </p:sp>
+      <p:graphicFrame>
+        <p:nvGraphicFramePr>
+          <p:cNvPr id="4" name="Table 3"/>
+          <p:cNvGraphicFramePr>
+            <a:graphicFrameLocks noGrp="1"/>
+          </p:cNvGraphicFramePr>
+          <p:nvPr>
+            <p:extLst>
+              <p:ext uri="{D42A27DB-BD31-4B8C-83A1-F6EECF244321}">
+                <p14:modId xmlns:p14="http://schemas.microsoft.com/office/powerpoint/2010/main" val="2889491965"/>
+              </p:ext>
+            </p:extLst>
+          </p:nvPr>
+        </p:nvGraphicFramePr>
+        <p:xfrm>
+          <a:off x="457200" y="4160520"/>
+          <a:ext cx="8534400" cy="2011680"/>
+        </p:xfrm>
+        <a:graphic>
+          <a:graphicData uri="http://schemas.openxmlformats.org/drawingml/2006/table">
+            <a:tbl>
+              <a:tblPr firstRow="1" bandRow="1">
+                <a:tableStyleId>{5C22544A-7EE6-4342-B048-85BDC9FD1C3A}</a:tableStyleId>
+              </a:tblPr>
+              <a:tblGrid>
+                <a:gridCol w="8534400"/>
+              </a:tblGrid>
+              <a:tr h="370840">
+                <a:tc>
+                  <a:txBody>
+                    <a:bodyPr/>
+                    <a:lstStyle/>
+                    <a:p>
+                      <a:r>
+                        <a:rPr lang="en-US" dirty="0" smtClean="0">
+                          <a:latin typeface="Courier New" pitchFamily="49" charset="0"/>
+                          <a:cs typeface="Courier New" pitchFamily="49" charset="0"/>
+                        </a:rPr>
+                        <a:t>open INPUT,  "&lt;  </a:t>
+                      </a:r>
+                      <a:r>
+                        <a:rPr lang="en-US" dirty="0" err="1" smtClean="0">
+                          <a:latin typeface="Courier New" pitchFamily="49" charset="0"/>
+                          <a:cs typeface="Courier New" pitchFamily="49" charset="0"/>
+                        </a:rPr>
+                        <a:t>datafile</a:t>
+                      </a:r>
+                      <a:r>
+                        <a:rPr lang="en-US" dirty="0" smtClean="0">
+                          <a:latin typeface="Courier New" pitchFamily="49" charset="0"/>
+                          <a:cs typeface="Courier New" pitchFamily="49" charset="0"/>
+                        </a:rPr>
+                        <a:t>" or die "Can't open input file: $!";</a:t>
+                      </a:r>
+                    </a:p>
+                    <a:p>
+                      <a:r>
+                        <a:rPr lang="en-US" dirty="0" smtClean="0">
+                          <a:latin typeface="Courier New" pitchFamily="49" charset="0"/>
+                          <a:cs typeface="Courier New" pitchFamily="49" charset="0"/>
+                        </a:rPr>
+                        <a:t>open OUTPUT, "&gt;  </a:t>
+                      </a:r>
+                      <a:r>
+                        <a:rPr lang="en-US" dirty="0" err="1" smtClean="0">
+                          <a:latin typeface="Courier New" pitchFamily="49" charset="0"/>
+                          <a:cs typeface="Courier New" pitchFamily="49" charset="0"/>
+                        </a:rPr>
+                        <a:t>outfile</a:t>
+                      </a:r>
+                      <a:r>
+                        <a:rPr lang="en-US" dirty="0" smtClean="0">
+                          <a:latin typeface="Courier New" pitchFamily="49" charset="0"/>
+                          <a:cs typeface="Courier New" pitchFamily="49" charset="0"/>
+                        </a:rPr>
+                        <a:t> " or die "Can't open output file: $!";</a:t>
+                      </a:r>
+                    </a:p>
+                    <a:p>
+                      <a:r>
+                        <a:rPr lang="en-US" dirty="0" smtClean="0">
+                          <a:latin typeface="Courier New" pitchFamily="49" charset="0"/>
+                          <a:cs typeface="Courier New" pitchFamily="49" charset="0"/>
+                        </a:rPr>
+                        <a:t>open LOG,    "&gt;&gt; </a:t>
+                      </a:r>
+                      <a:r>
+                        <a:rPr lang="en-US" dirty="0" err="1" smtClean="0">
+                          <a:latin typeface="Courier New" pitchFamily="49" charset="0"/>
+                          <a:cs typeface="Courier New" pitchFamily="49" charset="0"/>
+                        </a:rPr>
+                        <a:t>logfile</a:t>
+                      </a:r>
+                      <a:r>
+                        <a:rPr lang="en-US" dirty="0" smtClean="0">
+                          <a:latin typeface="Courier New" pitchFamily="49" charset="0"/>
+                          <a:cs typeface="Courier New" pitchFamily="49" charset="0"/>
+                        </a:rPr>
+                        <a:t> " or die "Can't open log file: $!";</a:t>
+                      </a:r>
+                    </a:p>
+                    <a:p>
+                      <a:r>
+                        <a:rPr lang="en-US" dirty="0" smtClean="0">
+                          <a:latin typeface="Courier New" pitchFamily="49" charset="0"/>
+                          <a:cs typeface="Courier New" pitchFamily="49" charset="0"/>
+                        </a:rPr>
+                        <a:t>open RWFILE, "+&lt; </a:t>
+                      </a:r>
+                      <a:r>
+                        <a:rPr lang="en-US" dirty="0" err="1" smtClean="0">
+                          <a:latin typeface="Courier New" pitchFamily="49" charset="0"/>
+                          <a:cs typeface="Courier New" pitchFamily="49" charset="0"/>
+                        </a:rPr>
+                        <a:t>myfile</a:t>
+                      </a:r>
+                      <a:r>
+                        <a:rPr lang="en-US" dirty="0" smtClean="0">
+                          <a:latin typeface="Courier New" pitchFamily="49" charset="0"/>
+                          <a:cs typeface="Courier New" pitchFamily="49" charset="0"/>
+                        </a:rPr>
+                        <a:t>  " or die "Can't open file: $!";</a:t>
+                      </a:r>
+                    </a:p>
+                    <a:p>
+                      <a:r>
+                        <a:rPr lang="en-US" dirty="0" smtClean="0">
+                          <a:latin typeface="Courier New" pitchFamily="49" charset="0"/>
+                          <a:cs typeface="Courier New" pitchFamily="49" charset="0"/>
+                        </a:rPr>
+                        <a:t>close INPUT;</a:t>
+                      </a:r>
+                      <a:endParaRPr lang="en-US" dirty="0">
+                        <a:latin typeface="Courier New" pitchFamily="49" charset="0"/>
+                        <a:cs typeface="Courier New" pitchFamily="49" charset="0"/>
+                      </a:endParaRPr>
+                    </a:p>
+                  </a:txBody>
+                  <a:tcPr/>
+                </a:tc>
+              </a:tr>
+            </a:tbl>
+          </a:graphicData>
+        </a:graphic>
+      </p:graphicFrame>
+    </p:spTree>
+    <p:extLst>
+      <p:ext uri="{BB962C8B-B14F-4D97-AF65-F5344CB8AC3E}">
+        <p14:creationId xmlns:p14="http://schemas.microsoft.com/office/powerpoint/2010/main" val="3761349625"/>
+      </p:ext>
+    </p:extLst>
+  </p:cSld>
+  <p:clrMapOvr>
+    <a:masterClrMapping/>
+  </p:clrMapOvr>
+  <p:timing>
+    <p:tnLst>
+      <p:par>
+        <p:cTn id="1" dur="indefinite" restart="never" nodeType="tmRoot"/>
+      </p:par>
+    </p:tnLst>
+  </p:timing>
+</p:sld>
+</file>
+
+<file path=ppt/slides/slide63.xml><?xml version="1.0" encoding="utf-8"?>
+<p:sld xmlns:a="http://schemas.openxmlformats.org/drawingml/2006/main" xmlns:r="http://schemas.openxmlformats.org/officeDocument/2006/relationships" xmlns:p="http://schemas.openxmlformats.org/presentationml/2006/main">
+  <p:cSld>
+    <p:spTree>
+      <p:nvGrpSpPr>
+        <p:cNvPr id="1" name=""/>
+        <p:cNvGrpSpPr/>
+        <p:nvPr/>
+      </p:nvGrpSpPr>
+      <p:grpSpPr>
+        <a:xfrm>
+          <a:off x="0" y="0"/>
+          <a:ext cx="0" cy="0"/>
+          <a:chOff x="0" y="0"/>
+          <a:chExt cx="0" cy="0"/>
+        </a:xfrm>
+      </p:grpSpPr>
+      <p:sp>
+        <p:nvSpPr>
+          <p:cNvPr id="2" name="Title 1"/>
+          <p:cNvSpPr>
+            <a:spLocks noGrp="1"/>
+          </p:cNvSpPr>
+          <p:nvPr>
+            <p:ph type="title"/>
+          </p:nvPr>
+        </p:nvSpPr>
+        <p:spPr/>
+        <p:txBody>
+          <a:bodyPr/>
+          <a:lstStyle/>
+          <a:p>
+            <a:r>
+              <a:rPr lang="en-US" dirty="0" smtClean="0"/>
+              <a:t>File I/O</a:t>
+            </a:r>
+            <a:endParaRPr lang="en-US" dirty="0"/>
+          </a:p>
+        </p:txBody>
+      </p:sp>
+      <p:sp>
+        <p:nvSpPr>
+          <p:cNvPr id="3" name="Content Placeholder 2"/>
+          <p:cNvSpPr>
+            <a:spLocks noGrp="1"/>
+          </p:cNvSpPr>
+          <p:nvPr>
+            <p:ph idx="1"/>
+          </p:nvPr>
+        </p:nvSpPr>
+        <p:spPr/>
+        <p:txBody>
+          <a:bodyPr>
+            <a:normAutofit/>
+          </a:bodyPr>
+          <a:lstStyle/>
+          <a:p>
+            <a:r>
+              <a:rPr lang="en-US" sz="1600" dirty="0" smtClean="0"/>
+              <a:t>Standard files are opened automatically</a:t>
+            </a:r>
+          </a:p>
+          <a:p>
+            <a:r>
+              <a:rPr lang="en-US" sz="1600" dirty="0" smtClean="0"/>
+              <a:t>STDIN is standard input</a:t>
+            </a:r>
+          </a:p>
+          <a:p>
+            <a:r>
+              <a:rPr lang="en-US" sz="1600" dirty="0" smtClean="0"/>
+              <a:t>STDOUT is standard output</a:t>
+            </a:r>
+          </a:p>
+          <a:p>
+            <a:r>
+              <a:rPr lang="en-US" sz="1600" dirty="0" smtClean="0"/>
+              <a:t>STDERR is standard error output</a:t>
+            </a:r>
+          </a:p>
+          <a:p>
+            <a:r>
+              <a:rPr lang="en-US" sz="1600" dirty="0" smtClean="0"/>
+              <a:t>Can re-open these for special handling</a:t>
+            </a:r>
+          </a:p>
+          <a:p>
+            <a:r>
+              <a:rPr lang="en-US" sz="1600" dirty="0" smtClean="0"/>
+              <a:t>print uses standard output by default</a:t>
+            </a:r>
+          </a:p>
+          <a:p>
+            <a:r>
+              <a:rPr lang="en-US" sz="1600" dirty="0" smtClean="0"/>
+              <a:t>die and warn use standard error by default</a:t>
+            </a:r>
+            <a:endParaRPr lang="en-US" sz="1600" dirty="0"/>
+          </a:p>
+          <a:p>
+            <a:endParaRPr lang="en-US" sz="1200" dirty="0" smtClean="0"/>
+          </a:p>
+        </p:txBody>
+      </p:sp>
+      <p:graphicFrame>
+        <p:nvGraphicFramePr>
+          <p:cNvPr id="4" name="Table 3"/>
+          <p:cNvGraphicFramePr>
+            <a:graphicFrameLocks noGrp="1"/>
+          </p:cNvGraphicFramePr>
+          <p:nvPr>
+            <p:extLst>
+              <p:ext uri="{D42A27DB-BD31-4B8C-83A1-F6EECF244321}">
+                <p14:modId xmlns:p14="http://schemas.microsoft.com/office/powerpoint/2010/main" val="1010506728"/>
+              </p:ext>
+            </p:extLst>
+          </p:nvPr>
+        </p:nvGraphicFramePr>
+        <p:xfrm>
+          <a:off x="228600" y="4023360"/>
+          <a:ext cx="8534400" cy="1737360"/>
+        </p:xfrm>
+        <a:graphic>
+          <a:graphicData uri="http://schemas.openxmlformats.org/drawingml/2006/table">
+            <a:tbl>
+              <a:tblPr firstRow="1" bandRow="1">
+                <a:tableStyleId>{5C22544A-7EE6-4342-B048-85BDC9FD1C3A}</a:tableStyleId>
+              </a:tblPr>
+              <a:tblGrid>
+                <a:gridCol w="8534400"/>
+              </a:tblGrid>
+              <a:tr h="370840">
+                <a:tc>
+                  <a:txBody>
+                    <a:bodyPr/>
+                    <a:lstStyle/>
+                    <a:p>
+                      <a:r>
+                        <a:rPr lang="en-US" dirty="0" smtClean="0">
+                          <a:latin typeface="Courier New" pitchFamily="49" charset="0"/>
+                          <a:cs typeface="Courier New" pitchFamily="49" charset="0"/>
+                        </a:rPr>
+                        <a:t>print STDOUT "Hello, world.\n";  # STDOUT not needed</a:t>
+                      </a:r>
+                    </a:p>
+                    <a:p>
+                      <a:r>
+                        <a:rPr lang="en-US" dirty="0" smtClean="0">
+                          <a:latin typeface="Courier New" pitchFamily="49" charset="0"/>
+                          <a:cs typeface="Courier New" pitchFamily="49" charset="0"/>
+                        </a:rPr>
+                        <a:t>open STDERR, "&gt;&gt; </a:t>
+                      </a:r>
+                      <a:r>
+                        <a:rPr lang="en-US" dirty="0" err="1" smtClean="0">
+                          <a:latin typeface="Courier New" pitchFamily="49" charset="0"/>
+                          <a:cs typeface="Courier New" pitchFamily="49" charset="0"/>
+                        </a:rPr>
+                        <a:t>logfile</a:t>
+                      </a:r>
+                      <a:r>
+                        <a:rPr lang="en-US" dirty="0" smtClean="0">
+                          <a:latin typeface="Courier New" pitchFamily="49" charset="0"/>
+                          <a:cs typeface="Courier New" pitchFamily="49" charset="0"/>
+                        </a:rPr>
+                        <a:t>" or die "Can't redirect errors to log: $!";</a:t>
+                      </a:r>
+                    </a:p>
+                    <a:p>
+                      <a:r>
+                        <a:rPr lang="en-US" dirty="0" smtClean="0">
+                          <a:latin typeface="Courier New" pitchFamily="49" charset="0"/>
+                          <a:cs typeface="Courier New" pitchFamily="49" charset="0"/>
+                        </a:rPr>
+                        <a:t>print STDERR "Oh no, here's an error message.\n";</a:t>
+                      </a:r>
+                    </a:p>
+                    <a:p>
+                      <a:r>
+                        <a:rPr lang="en-US" dirty="0" smtClean="0">
+                          <a:latin typeface="Courier New" pitchFamily="49" charset="0"/>
+                          <a:cs typeface="Courier New" pitchFamily="49" charset="0"/>
+                        </a:rPr>
+                        <a:t>warn "Oh no, here's another error message.\n";</a:t>
+                      </a:r>
+                    </a:p>
+                    <a:p>
+                      <a:r>
+                        <a:rPr lang="en-US" dirty="0" smtClean="0">
+                          <a:latin typeface="Courier New" pitchFamily="49" charset="0"/>
+                          <a:cs typeface="Courier New" pitchFamily="49" charset="0"/>
+                        </a:rPr>
+                        <a:t>close STDERR;</a:t>
+                      </a:r>
+                      <a:endParaRPr lang="en-US" dirty="0">
+                        <a:latin typeface="Courier New" pitchFamily="49" charset="0"/>
+                        <a:cs typeface="Courier New" pitchFamily="49" charset="0"/>
+                      </a:endParaRPr>
+                    </a:p>
+                  </a:txBody>
+                  <a:tcPr/>
+                </a:tc>
+              </a:tr>
+            </a:tbl>
+          </a:graphicData>
+        </a:graphic>
+      </p:graphicFrame>
+    </p:spTree>
+    <p:extLst>
+      <p:ext uri="{BB962C8B-B14F-4D97-AF65-F5344CB8AC3E}">
+        <p14:creationId xmlns:p14="http://schemas.microsoft.com/office/powerpoint/2010/main" val="3155167853"/>
+      </p:ext>
+    </p:extLst>
+  </p:cSld>
+  <p:clrMapOvr>
+    <a:masterClrMapping/>
+  </p:clrMapOvr>
+  <p:timing>
+    <p:tnLst>
+      <p:par>
+        <p:cTn id="1" dur="indefinite" restart="never" nodeType="tmRoot"/>
+      </p:par>
+    </p:tnLst>
+  </p:timing>
+</p:sld>
+</file>
+
+<file path=ppt/slides/slide64.xml><?xml version="1.0" encoding="utf-8"?>
+<p:sld xmlns:a="http://schemas.openxmlformats.org/drawingml/2006/main" xmlns:r="http://schemas.openxmlformats.org/officeDocument/2006/relationships" xmlns:p="http://schemas.openxmlformats.org/presentationml/2006/main">
+  <p:cSld>
+    <p:spTree>
+      <p:nvGrpSpPr>
+        <p:cNvPr id="1" name=""/>
+        <p:cNvGrpSpPr/>
+        <p:nvPr/>
+      </p:nvGrpSpPr>
+      <p:grpSpPr>
+        <a:xfrm>
+          <a:off x="0" y="0"/>
+          <a:ext cx="0" cy="0"/>
+          <a:chOff x="0" y="0"/>
+          <a:chExt cx="0" cy="0"/>
+        </a:xfrm>
+      </p:grpSpPr>
+      <p:sp>
+        <p:nvSpPr>
+          <p:cNvPr id="2" name="Title 1"/>
+          <p:cNvSpPr>
+            <a:spLocks noGrp="1"/>
+          </p:cNvSpPr>
+          <p:nvPr>
+            <p:ph type="title"/>
+          </p:nvPr>
+        </p:nvSpPr>
+        <p:spPr/>
+        <p:txBody>
+          <a:bodyPr/>
+          <a:lstStyle/>
+          <a:p>
+            <a:r>
+              <a:rPr lang="en-US" dirty="0" smtClean="0"/>
+              <a:t>File I/O</a:t>
+            </a:r>
+            <a:endParaRPr lang="en-US" dirty="0"/>
+          </a:p>
+        </p:txBody>
+      </p:sp>
+      <p:sp>
+        <p:nvSpPr>
+          <p:cNvPr id="3" name="Content Placeholder 2"/>
+          <p:cNvSpPr>
+            <a:spLocks noGrp="1"/>
+          </p:cNvSpPr>
+          <p:nvPr>
+            <p:ph idx="1"/>
+          </p:nvPr>
+        </p:nvSpPr>
+        <p:spPr/>
+        <p:txBody>
+          <a:bodyPr>
+            <a:normAutofit/>
+          </a:bodyPr>
+          <a:lstStyle/>
+          <a:p>
+            <a:r>
+              <a:rPr lang="en-US" sz="1600" dirty="0" smtClean="0"/>
+              <a:t>Reading from files</a:t>
+            </a:r>
+          </a:p>
+          <a:p>
+            <a:r>
+              <a:rPr lang="en-US" sz="1600" dirty="0" smtClean="0"/>
+              <a:t>Input operator &lt;&gt; reads one line from the file, including the newline character</a:t>
+            </a:r>
+          </a:p>
+          <a:p>
+            <a:r>
+              <a:rPr lang="en-US" sz="1600" dirty="0" smtClean="0"/>
+              <a:t>chomp will remove newline if you want</a:t>
+            </a:r>
+          </a:p>
+          <a:p>
+            <a:r>
+              <a:rPr lang="en-US" sz="1600" dirty="0" smtClean="0"/>
+              <a:t>Can modify input recorder separator $/ to read characters, words, paragraphs, records, etc.</a:t>
+            </a:r>
+            <a:endParaRPr lang="en-US" sz="1200" dirty="0" smtClean="0"/>
+          </a:p>
+        </p:txBody>
+      </p:sp>
+      <p:graphicFrame>
+        <p:nvGraphicFramePr>
+          <p:cNvPr id="4" name="Table 3"/>
+          <p:cNvGraphicFramePr>
+            <a:graphicFrameLocks noGrp="1"/>
+          </p:cNvGraphicFramePr>
+          <p:nvPr>
+            <p:extLst>
+              <p:ext uri="{D42A27DB-BD31-4B8C-83A1-F6EECF244321}">
+                <p14:modId xmlns:p14="http://schemas.microsoft.com/office/powerpoint/2010/main" val="215978333"/>
+              </p:ext>
+            </p:extLst>
+          </p:nvPr>
+        </p:nvGraphicFramePr>
+        <p:xfrm>
+          <a:off x="228600" y="3048000"/>
+          <a:ext cx="8534400" cy="2286000"/>
+        </p:xfrm>
+        <a:graphic>
+          <a:graphicData uri="http://schemas.openxmlformats.org/drawingml/2006/table">
+            <a:tbl>
+              <a:tblPr firstRow="1" bandRow="1">
+                <a:tableStyleId>{5C22544A-7EE6-4342-B048-85BDC9FD1C3A}</a:tableStyleId>
+              </a:tblPr>
+              <a:tblGrid>
+                <a:gridCol w="8534400"/>
+              </a:tblGrid>
+              <a:tr h="370840">
+                <a:tc>
+                  <a:txBody>
+                    <a:bodyPr/>
+                    <a:lstStyle/>
+                    <a:p>
+                      <a:r>
+                        <a:rPr lang="en-US" dirty="0" smtClean="0">
+                          <a:latin typeface="Courier New" pitchFamily="49" charset="0"/>
+                          <a:cs typeface="Courier New" pitchFamily="49" charset="0"/>
+                        </a:rPr>
+                        <a:t>print "What type of pet do you have? ";</a:t>
+                      </a:r>
+                    </a:p>
+                    <a:p>
+                      <a:r>
+                        <a:rPr lang="en-US" dirty="0" smtClean="0">
+                          <a:latin typeface="Courier New" pitchFamily="49" charset="0"/>
+                          <a:cs typeface="Courier New" pitchFamily="49" charset="0"/>
+                        </a:rPr>
+                        <a:t>my $pet = &lt;STDIN&gt;;       # Read a line from STDIN</a:t>
+                      </a:r>
+                    </a:p>
+                    <a:p>
+                      <a:r>
+                        <a:rPr lang="en-US" dirty="0" smtClean="0">
+                          <a:latin typeface="Courier New" pitchFamily="49" charset="0"/>
+                          <a:cs typeface="Courier New" pitchFamily="49" charset="0"/>
+                        </a:rPr>
+                        <a:t>chomp $pet;              # Remove newline</a:t>
+                      </a:r>
+                    </a:p>
+                    <a:p>
+                      <a:endParaRPr lang="en-US" dirty="0" smtClean="0">
+                        <a:latin typeface="Courier New" pitchFamily="49" charset="0"/>
+                        <a:cs typeface="Courier New" pitchFamily="49" charset="0"/>
+                      </a:endParaRPr>
+                    </a:p>
+                    <a:p>
+                      <a:r>
+                        <a:rPr lang="en-US" dirty="0" smtClean="0">
+                          <a:latin typeface="Courier New" pitchFamily="49" charset="0"/>
+                          <a:cs typeface="Courier New" pitchFamily="49" charset="0"/>
+                        </a:rPr>
+                        <a:t>print "Enter your pet's name: ";</a:t>
+                      </a:r>
+                    </a:p>
+                    <a:p>
+                      <a:r>
+                        <a:rPr lang="en-US" dirty="0" smtClean="0">
+                          <a:latin typeface="Courier New" pitchFamily="49" charset="0"/>
+                          <a:cs typeface="Courier New" pitchFamily="49" charset="0"/>
+                        </a:rPr>
+                        <a:t>my $name = &lt;&gt;;           # STDIN is optional</a:t>
+                      </a:r>
+                    </a:p>
+                    <a:p>
+                      <a:r>
+                        <a:rPr lang="en-US" dirty="0" smtClean="0">
+                          <a:latin typeface="Courier New" pitchFamily="49" charset="0"/>
+                          <a:cs typeface="Courier New" pitchFamily="49" charset="0"/>
+                        </a:rPr>
+                        <a:t>chomp $name;</a:t>
+                      </a:r>
+                    </a:p>
+                    <a:p>
+                      <a:r>
+                        <a:rPr lang="en-US" dirty="0" smtClean="0">
+                          <a:latin typeface="Courier New" pitchFamily="49" charset="0"/>
+                          <a:cs typeface="Courier New" pitchFamily="49" charset="0"/>
+                        </a:rPr>
+                        <a:t>print "Your pet $pet is named $name.\n";</a:t>
+                      </a:r>
+                      <a:endParaRPr lang="en-US" dirty="0">
+                        <a:latin typeface="Courier New" pitchFamily="49" charset="0"/>
+                        <a:cs typeface="Courier New" pitchFamily="49" charset="0"/>
+                      </a:endParaRPr>
+                    </a:p>
+                  </a:txBody>
+                  <a:tcPr/>
+                </a:tc>
+              </a:tr>
+            </a:tbl>
+          </a:graphicData>
+        </a:graphic>
+      </p:graphicFrame>
+    </p:spTree>
+    <p:extLst>
+      <p:ext uri="{BB962C8B-B14F-4D97-AF65-F5344CB8AC3E}">
+        <p14:creationId xmlns:p14="http://schemas.microsoft.com/office/powerpoint/2010/main" val="1643676708"/>
+      </p:ext>
+    </p:extLst>
+  </p:cSld>
+  <p:clrMapOvr>
+    <a:masterClrMapping/>
+  </p:clrMapOvr>
+  <p:timing>
+    <p:tnLst>
+      <p:par>
+        <p:cTn id="1" dur="indefinite" restart="never" nodeType="tmRoot"/>
+      </p:par>
+    </p:tnLst>
+  </p:timing>
+</p:sld>
+</file>
+
+<file path=ppt/slides/slide65.xml><?xml version="1.0" encoding="utf-8"?>
+<p:sld xmlns:a="http://schemas.openxmlformats.org/drawingml/2006/main" xmlns:r="http://schemas.openxmlformats.org/officeDocument/2006/relationships" xmlns:p="http://schemas.openxmlformats.org/presentationml/2006/main">
+  <p:cSld>
+    <p:spTree>
+      <p:nvGrpSpPr>
+        <p:cNvPr id="1" name=""/>
+        <p:cNvGrpSpPr/>
+        <p:nvPr/>
+      </p:nvGrpSpPr>
+      <p:grpSpPr>
+        <a:xfrm>
+          <a:off x="0" y="0"/>
+          <a:ext cx="0" cy="0"/>
+          <a:chOff x="0" y="0"/>
+          <a:chExt cx="0" cy="0"/>
+        </a:xfrm>
+      </p:grpSpPr>
+      <p:sp>
+        <p:nvSpPr>
+          <p:cNvPr id="2" name="Title 1"/>
+          <p:cNvSpPr>
+            <a:spLocks noGrp="1"/>
+          </p:cNvSpPr>
+          <p:nvPr>
+            <p:ph type="title"/>
+          </p:nvPr>
+        </p:nvSpPr>
+        <p:spPr/>
+        <p:txBody>
+          <a:bodyPr/>
+          <a:lstStyle/>
+          <a:p>
+            <a:r>
+              <a:rPr lang="en-US" dirty="0" smtClean="0"/>
+              <a:t>File I/O</a:t>
+            </a:r>
+            <a:endParaRPr lang="en-US" dirty="0"/>
+          </a:p>
+        </p:txBody>
+      </p:sp>
+      <p:sp>
+        <p:nvSpPr>
+          <p:cNvPr id="3" name="Content Placeholder 2"/>
+          <p:cNvSpPr>
+            <a:spLocks noGrp="1"/>
+          </p:cNvSpPr>
+          <p:nvPr>
+            <p:ph idx="1"/>
+          </p:nvPr>
+        </p:nvSpPr>
+        <p:spPr/>
+        <p:txBody>
+          <a:bodyPr>
+            <a:normAutofit/>
+          </a:bodyPr>
+          <a:lstStyle/>
+          <a:p>
+            <a:r>
+              <a:rPr lang="en-US" sz="1600" dirty="0" smtClean="0"/>
+              <a:t>Reading from files</a:t>
+            </a:r>
+          </a:p>
+          <a:p>
+            <a:r>
+              <a:rPr lang="en-US" sz="1600" dirty="0" smtClean="0"/>
+              <a:t>Easy to loop over entire file</a:t>
+            </a:r>
+          </a:p>
+          <a:p>
+            <a:r>
+              <a:rPr lang="en-US" sz="1600" dirty="0" smtClean="0"/>
+              <a:t>Loops will assign to $_ by default</a:t>
+            </a:r>
+          </a:p>
+          <a:p>
+            <a:r>
+              <a:rPr lang="en-US" sz="1600" dirty="0" smtClean="0"/>
+              <a:t>Be sure that the file is open for reading first</a:t>
+            </a:r>
+          </a:p>
+        </p:txBody>
+      </p:sp>
+      <p:graphicFrame>
+        <p:nvGraphicFramePr>
+          <p:cNvPr id="4" name="Table 3"/>
+          <p:cNvGraphicFramePr>
+            <a:graphicFrameLocks noGrp="1"/>
+          </p:cNvGraphicFramePr>
+          <p:nvPr>
+            <p:extLst>
+              <p:ext uri="{D42A27DB-BD31-4B8C-83A1-F6EECF244321}">
+                <p14:modId xmlns:p14="http://schemas.microsoft.com/office/powerpoint/2010/main" val="2317209046"/>
+              </p:ext>
+            </p:extLst>
+          </p:nvPr>
+        </p:nvGraphicFramePr>
+        <p:xfrm>
+          <a:off x="228600" y="3048000"/>
+          <a:ext cx="8534400" cy="3657600"/>
+        </p:xfrm>
+        <a:graphic>
+          <a:graphicData uri="http://schemas.openxmlformats.org/drawingml/2006/table">
+            <a:tbl>
+              <a:tblPr firstRow="1" bandRow="1">
+                <a:tableStyleId>{5C22544A-7EE6-4342-B048-85BDC9FD1C3A}</a:tableStyleId>
+              </a:tblPr>
+              <a:tblGrid>
+                <a:gridCol w="8534400"/>
+              </a:tblGrid>
+              <a:tr h="370840">
+                <a:tc>
+                  <a:txBody>
+                    <a:bodyPr/>
+                    <a:lstStyle/>
+                    <a:p>
+                      <a:r>
+                        <a:rPr lang="en-US" dirty="0" smtClean="0">
+                          <a:latin typeface="Courier New" pitchFamily="49" charset="0"/>
+                          <a:cs typeface="Courier New" pitchFamily="49" charset="0"/>
+                        </a:rPr>
+                        <a:t>open CUSTOMERS, "&lt; </a:t>
+                      </a:r>
+                      <a:r>
+                        <a:rPr lang="en-US" dirty="0" err="1" smtClean="0">
+                          <a:latin typeface="Courier New" pitchFamily="49" charset="0"/>
+                          <a:cs typeface="Courier New" pitchFamily="49" charset="0"/>
+                        </a:rPr>
+                        <a:t>mailing_list</a:t>
+                      </a:r>
+                      <a:r>
+                        <a:rPr lang="en-US" dirty="0" smtClean="0">
+                          <a:latin typeface="Courier New" pitchFamily="49" charset="0"/>
+                          <a:cs typeface="Courier New" pitchFamily="49" charset="0"/>
+                        </a:rPr>
+                        <a:t>" or die "Can't open input file: $!";</a:t>
+                      </a:r>
+                    </a:p>
+                    <a:p>
+                      <a:r>
+                        <a:rPr lang="en-US" dirty="0" smtClean="0">
+                          <a:latin typeface="Courier New" pitchFamily="49" charset="0"/>
+                          <a:cs typeface="Courier New" pitchFamily="49" charset="0"/>
+                        </a:rPr>
+                        <a:t>while (my $line = &lt;CUSTOMERS&gt;) {</a:t>
+                      </a:r>
+                    </a:p>
+                    <a:p>
+                      <a:r>
+                        <a:rPr lang="en-US" baseline="0" dirty="0" smtClean="0">
+                          <a:latin typeface="Courier New" pitchFamily="49" charset="0"/>
+                          <a:cs typeface="Courier New" pitchFamily="49" charset="0"/>
+                        </a:rPr>
+                        <a:t>    </a:t>
+                      </a:r>
+                      <a:r>
+                        <a:rPr lang="en-US" dirty="0" smtClean="0">
+                          <a:latin typeface="Courier New" pitchFamily="49" charset="0"/>
+                          <a:cs typeface="Courier New" pitchFamily="49" charset="0"/>
+                        </a:rPr>
+                        <a:t>my @fields = split(":", $line);      # Fields separated by colons </a:t>
+                      </a:r>
+                    </a:p>
+                    <a:p>
+                      <a:r>
+                        <a:rPr lang="en-US" dirty="0" smtClean="0">
+                          <a:latin typeface="Courier New" pitchFamily="49" charset="0"/>
+                          <a:cs typeface="Courier New" pitchFamily="49" charset="0"/>
+                        </a:rPr>
+                        <a:t>    print "$fields[1] $fields[0]\n";     # Display selected fields</a:t>
+                      </a:r>
+                    </a:p>
+                    <a:p>
+                      <a:r>
+                        <a:rPr lang="en-US" dirty="0" smtClean="0">
+                          <a:latin typeface="Courier New" pitchFamily="49" charset="0"/>
+                          <a:cs typeface="Courier New" pitchFamily="49" charset="0"/>
+                        </a:rPr>
+                        <a:t>    print "$fields[3], $fields[4]\n";</a:t>
+                      </a:r>
+                    </a:p>
+                    <a:p>
+                      <a:r>
+                        <a:rPr lang="en-US" dirty="0" smtClean="0">
+                          <a:latin typeface="Courier New" pitchFamily="49" charset="0"/>
+                          <a:cs typeface="Courier New" pitchFamily="49" charset="0"/>
+                        </a:rPr>
+                        <a:t>    print "$fields[5], $fields[6]  $fields[7]\n";</a:t>
+                      </a:r>
+                    </a:p>
+                    <a:p>
+                      <a:r>
+                        <a:rPr lang="en-US" dirty="0" smtClean="0">
+                          <a:latin typeface="Courier New" pitchFamily="49" charset="0"/>
+                          <a:cs typeface="Courier New" pitchFamily="49" charset="0"/>
+                        </a:rPr>
+                        <a:t>}</a:t>
+                      </a:r>
+                    </a:p>
+                    <a:p>
+                      <a:r>
+                        <a:rPr lang="en-US" dirty="0" smtClean="0">
+                          <a:latin typeface="Courier New" pitchFamily="49" charset="0"/>
+                          <a:cs typeface="Courier New" pitchFamily="49" charset="0"/>
+                        </a:rPr>
+                        <a:t>print while &lt;&gt;;                        # cat</a:t>
+                      </a:r>
+                    </a:p>
+                    <a:p>
+                      <a:r>
+                        <a:rPr lang="en-US" dirty="0" smtClean="0">
+                          <a:latin typeface="Courier New" pitchFamily="49" charset="0"/>
+                          <a:cs typeface="Courier New" pitchFamily="49" charset="0"/>
+                        </a:rPr>
+                        <a:t>print STDOUT $_ while ($_ = &lt;STDIN&gt;);  # same, but more verbose</a:t>
+                      </a:r>
+                      <a:endParaRPr lang="en-US" dirty="0">
+                        <a:latin typeface="Courier New" pitchFamily="49" charset="0"/>
+                        <a:cs typeface="Courier New" pitchFamily="49" charset="0"/>
+                      </a:endParaRPr>
+                    </a:p>
+                  </a:txBody>
+                  <a:tcPr/>
+                </a:tc>
+              </a:tr>
+            </a:tbl>
+          </a:graphicData>
+        </a:graphic>
+      </p:graphicFrame>
+    </p:spTree>
+    <p:extLst>
+      <p:ext uri="{BB962C8B-B14F-4D97-AF65-F5344CB8AC3E}">
+        <p14:creationId xmlns:p14="http://schemas.microsoft.com/office/powerpoint/2010/main" val="1750657971"/>
+      </p:ext>
+    </p:extLst>
+  </p:cSld>
+  <p:clrMapOvr>
+    <a:masterClrMapping/>
+  </p:clrMapOvr>
+  <p:timing>
+    <p:tnLst>
+      <p:par>
+        <p:cTn id="1" dur="indefinite" restart="never" nodeType="tmRoot"/>
+      </p:par>
+    </p:tnLst>
+  </p:timing>
+</p:sld>
+</file>
+
+<file path=ppt/slides/slide66.xml><?xml version="1.0" encoding="utf-8"?>
+<p:sld xmlns:a="http://schemas.openxmlformats.org/drawingml/2006/main" xmlns:r="http://schemas.openxmlformats.org/officeDocument/2006/relationships" xmlns:p="http://schemas.openxmlformats.org/presentationml/2006/main">
+  <p:cSld>
+    <p:spTree>
+      <p:nvGrpSpPr>
+        <p:cNvPr id="1" name=""/>
+        <p:cNvGrpSpPr/>
+        <p:nvPr/>
+      </p:nvGrpSpPr>
+      <p:grpSpPr>
+        <a:xfrm>
+          <a:off x="0" y="0"/>
+          <a:ext cx="0" cy="0"/>
+          <a:chOff x="0" y="0"/>
+          <a:chExt cx="0" cy="0"/>
+        </a:xfrm>
+      </p:grpSpPr>
+      <p:sp>
+        <p:nvSpPr>
+          <p:cNvPr id="2" name="Title 1"/>
+          <p:cNvSpPr>
+            <a:spLocks noGrp="1"/>
+          </p:cNvSpPr>
+          <p:nvPr>
+            <p:ph type="title"/>
+          </p:nvPr>
+        </p:nvSpPr>
+        <p:spPr/>
+        <p:txBody>
+          <a:bodyPr/>
+          <a:lstStyle/>
+          <a:p>
+            <a:r>
+              <a:rPr lang="en-US" dirty="0" smtClean="0"/>
+              <a:t>File I/O</a:t>
+            </a:r>
+            <a:endParaRPr lang="en-US" dirty="0"/>
+          </a:p>
+        </p:txBody>
+      </p:sp>
+      <p:sp>
+        <p:nvSpPr>
+          <p:cNvPr id="3" name="Content Placeholder 2"/>
+          <p:cNvSpPr>
+            <a:spLocks noGrp="1"/>
+          </p:cNvSpPr>
+          <p:nvPr>
+            <p:ph idx="1"/>
+          </p:nvPr>
+        </p:nvSpPr>
+        <p:spPr/>
+        <p:txBody>
+          <a:bodyPr>
+            <a:normAutofit/>
+          </a:bodyPr>
+          <a:lstStyle/>
+          <a:p>
+            <a:r>
+              <a:rPr lang="en-US" sz="1600" dirty="0" smtClean="0"/>
+              <a:t>Writing to files</a:t>
+            </a:r>
+          </a:p>
+          <a:p>
+            <a:r>
+              <a:rPr lang="en-US" sz="1600" dirty="0" smtClean="0"/>
+              <a:t>print writes to a file</a:t>
+            </a:r>
+          </a:p>
+          <a:p>
+            <a:r>
+              <a:rPr lang="en-US" sz="1600" dirty="0" smtClean="0"/>
+              <a:t>print writes to a STDOUT by default</a:t>
+            </a:r>
+          </a:p>
+          <a:p>
+            <a:r>
+              <a:rPr lang="en-US" sz="1600" dirty="0" smtClean="0"/>
+              <a:t>Be sure that the file is open for writing first</a:t>
+            </a:r>
+          </a:p>
+        </p:txBody>
+      </p:sp>
+      <p:graphicFrame>
+        <p:nvGraphicFramePr>
+          <p:cNvPr id="4" name="Table 3"/>
+          <p:cNvGraphicFramePr>
+            <a:graphicFrameLocks noGrp="1"/>
+          </p:cNvGraphicFramePr>
+          <p:nvPr>
+            <p:extLst>
+              <p:ext uri="{D42A27DB-BD31-4B8C-83A1-F6EECF244321}">
+                <p14:modId xmlns:p14="http://schemas.microsoft.com/office/powerpoint/2010/main" val="445303986"/>
+              </p:ext>
+            </p:extLst>
+          </p:nvPr>
+        </p:nvGraphicFramePr>
+        <p:xfrm>
+          <a:off x="228600" y="3048000"/>
+          <a:ext cx="8534400" cy="2560320"/>
+        </p:xfrm>
+        <a:graphic>
+          <a:graphicData uri="http://schemas.openxmlformats.org/drawingml/2006/table">
+            <a:tbl>
+              <a:tblPr firstRow="1" bandRow="1">
+                <a:tableStyleId>{5C22544A-7EE6-4342-B048-85BDC9FD1C3A}</a:tableStyleId>
+              </a:tblPr>
+              <a:tblGrid>
+                <a:gridCol w="8534400"/>
+              </a:tblGrid>
+              <a:tr h="370840">
+                <a:tc>
+                  <a:txBody>
+                    <a:bodyPr/>
+                    <a:lstStyle/>
+                    <a:p>
+                      <a:r>
+                        <a:rPr lang="en-US" dirty="0" smtClean="0">
+                          <a:latin typeface="Courier New" pitchFamily="49" charset="0"/>
+                          <a:cs typeface="Courier New" pitchFamily="49" charset="0"/>
+                        </a:rPr>
+                        <a:t>open CUSTOMERS, "&lt; </a:t>
+                      </a:r>
+                      <a:r>
+                        <a:rPr lang="en-US" dirty="0" err="1" smtClean="0">
+                          <a:latin typeface="Courier New" pitchFamily="49" charset="0"/>
+                          <a:cs typeface="Courier New" pitchFamily="49" charset="0"/>
+                        </a:rPr>
+                        <a:t>mailing_list</a:t>
+                      </a:r>
+                      <a:r>
+                        <a:rPr lang="en-US" dirty="0" smtClean="0">
+                          <a:latin typeface="Courier New" pitchFamily="49" charset="0"/>
+                          <a:cs typeface="Courier New" pitchFamily="49" charset="0"/>
+                        </a:rPr>
+                        <a:t>" or die "Can't open input file: $!";</a:t>
+                      </a:r>
+                    </a:p>
+                    <a:p>
+                      <a:r>
+                        <a:rPr lang="en-US" dirty="0" smtClean="0">
+                          <a:latin typeface="Courier New" pitchFamily="49" charset="0"/>
+                          <a:cs typeface="Courier New" pitchFamily="49" charset="0"/>
+                        </a:rPr>
+                        <a:t>open LABELS,"&gt; labels" or die "Can't open output file: $!";</a:t>
+                      </a:r>
+                    </a:p>
+                    <a:p>
+                      <a:r>
+                        <a:rPr lang="en-US" dirty="0" smtClean="0">
+                          <a:latin typeface="Courier New" pitchFamily="49" charset="0"/>
+                          <a:cs typeface="Courier New" pitchFamily="49" charset="0"/>
+                        </a:rPr>
+                        <a:t>while (my $line = &lt;CUSTOMERS&gt;) {</a:t>
+                      </a:r>
+                    </a:p>
+                    <a:p>
+                      <a:r>
+                        <a:rPr lang="en-US" dirty="0" smtClean="0">
+                          <a:latin typeface="Courier New" pitchFamily="49" charset="0"/>
+                          <a:cs typeface="Courier New" pitchFamily="49" charset="0"/>
+                        </a:rPr>
+                        <a:t>  my @fields = split(":", $line);</a:t>
+                      </a:r>
+                    </a:p>
+                    <a:p>
+                      <a:r>
+                        <a:rPr lang="en-US" dirty="0" smtClean="0">
+                          <a:latin typeface="Courier New" pitchFamily="49" charset="0"/>
+                          <a:cs typeface="Courier New" pitchFamily="49" charset="0"/>
+                        </a:rPr>
+                        <a:t>  print LABELS "$fields[1] $fields[0]\n";</a:t>
+                      </a:r>
+                    </a:p>
+                    <a:p>
+                      <a:r>
+                        <a:rPr lang="en-US" dirty="0" smtClean="0">
+                          <a:latin typeface="Courier New" pitchFamily="49" charset="0"/>
+                          <a:cs typeface="Courier New" pitchFamily="49" charset="0"/>
+                        </a:rPr>
+                        <a:t>  print LABELS "$fields[3], $fields[4]\n";</a:t>
+                      </a:r>
+                    </a:p>
+                    <a:p>
+                      <a:r>
+                        <a:rPr lang="en-US" dirty="0" smtClean="0">
+                          <a:latin typeface="Courier New" pitchFamily="49" charset="0"/>
+                          <a:cs typeface="Courier New" pitchFamily="49" charset="0"/>
+                        </a:rPr>
+                        <a:t>  print LABELS "$fields[5], $fields[6]  $fields[7]\n";</a:t>
+                      </a:r>
+                    </a:p>
+                    <a:p>
+                      <a:r>
+                        <a:rPr lang="en-US" dirty="0" smtClean="0">
+                          <a:latin typeface="Courier New" pitchFamily="49" charset="0"/>
+                          <a:cs typeface="Courier New" pitchFamily="49" charset="0"/>
+                        </a:rPr>
+                        <a:t>}</a:t>
+                      </a:r>
+                      <a:endParaRPr lang="en-US" dirty="0">
+                        <a:latin typeface="Courier New" pitchFamily="49" charset="0"/>
+                        <a:cs typeface="Courier New" pitchFamily="49" charset="0"/>
+                      </a:endParaRPr>
+                    </a:p>
+                  </a:txBody>
+                  <a:tcPr/>
+                </a:tc>
+              </a:tr>
+            </a:tbl>
+          </a:graphicData>
+        </a:graphic>
+      </p:graphicFrame>
+    </p:spTree>
+    <p:extLst>
+      <p:ext uri="{BB962C8B-B14F-4D97-AF65-F5344CB8AC3E}">
+        <p14:creationId xmlns:p14="http://schemas.microsoft.com/office/powerpoint/2010/main" val="2370350805"/>
+      </p:ext>
+    </p:extLst>
+  </p:cSld>
+  <p:clrMapOvr>
+    <a:masterClrMapping/>
+  </p:clrMapOvr>
+  <p:timing>
+    <p:tnLst>
+      <p:par>
+        <p:cTn id="1" dur="indefinite" restart="never" nodeType="tmRoot"/>
+      </p:par>
+    </p:tnLst>
+  </p:timing>
+</p:sld>
+</file>
+
+<file path=ppt/slides/slide67.xml><?xml version="1.0" encoding="utf-8"?>
+<p:sld xmlns:a="http://schemas.openxmlformats.org/drawingml/2006/main" xmlns:r="http://schemas.openxmlformats.org/officeDocument/2006/relationships" xmlns:p="http://schemas.openxmlformats.org/presentationml/2006/main">
+  <p:cSld>
+    <p:spTree>
+      <p:nvGrpSpPr>
+        <p:cNvPr id="1" name=""/>
+        <p:cNvGrpSpPr/>
+        <p:nvPr/>
+      </p:nvGrpSpPr>
+      <p:grpSpPr>
+        <a:xfrm>
+          <a:off x="0" y="0"/>
+          <a:ext cx="0" cy="0"/>
+          <a:chOff x="0" y="0"/>
+          <a:chExt cx="0" cy="0"/>
+        </a:xfrm>
+      </p:grpSpPr>
+      <p:sp>
+        <p:nvSpPr>
+          <p:cNvPr id="2" name="Title 1"/>
+          <p:cNvSpPr>
+            <a:spLocks noGrp="1"/>
+          </p:cNvSpPr>
+          <p:nvPr>
+            <p:ph type="title"/>
+          </p:nvPr>
+        </p:nvSpPr>
+        <p:spPr/>
+        <p:txBody>
+          <a:bodyPr/>
+          <a:lstStyle/>
+          <a:p>
+            <a:r>
+              <a:rPr lang="en-US" dirty="0" smtClean="0"/>
+              <a:t>File Tests</a:t>
+            </a:r>
+            <a:endParaRPr lang="en-US" dirty="0"/>
+          </a:p>
+        </p:txBody>
+      </p:sp>
+      <p:sp>
+        <p:nvSpPr>
+          <p:cNvPr id="3" name="Content Placeholder 2"/>
+          <p:cNvSpPr>
+            <a:spLocks noGrp="1"/>
+          </p:cNvSpPr>
+          <p:nvPr>
+            <p:ph idx="1"/>
+          </p:nvPr>
+        </p:nvSpPr>
+        <p:spPr/>
+        <p:txBody>
+          <a:bodyPr>
+            <a:normAutofit/>
+          </a:bodyPr>
+          <a:lstStyle/>
+          <a:p>
+            <a:r>
+              <a:rPr lang="en-US" sz="1600" dirty="0" smtClean="0"/>
+              <a:t>File checks</a:t>
+            </a:r>
+          </a:p>
+          <a:p>
+            <a:r>
+              <a:rPr lang="en-US" sz="1600" dirty="0" smtClean="0"/>
+              <a:t>File test operators check if a file exists, is readable or writable, etc.</a:t>
+            </a:r>
+          </a:p>
+          <a:p>
+            <a:r>
+              <a:rPr lang="en-US" sz="1600" dirty="0" smtClean="0"/>
+              <a:t>-e tests if file is exists</a:t>
+            </a:r>
+          </a:p>
+          <a:p>
+            <a:r>
+              <a:rPr lang="en-US" sz="1600" dirty="0" smtClean="0"/>
+              <a:t>-r tests if file is readable</a:t>
+            </a:r>
+          </a:p>
+          <a:p>
+            <a:r>
+              <a:rPr lang="en-US" sz="1600" dirty="0" smtClean="0"/>
+              <a:t>-w tests if file is writable</a:t>
+            </a:r>
+          </a:p>
+          <a:p>
+            <a:r>
+              <a:rPr lang="en-US" sz="1600" dirty="0" smtClean="0"/>
+              <a:t>-x tests if file is executable</a:t>
+            </a:r>
+          </a:p>
+          <a:p>
+            <a:r>
+              <a:rPr lang="en-US" sz="1600" dirty="0" smtClean="0"/>
+              <a:t>-l tests if file is a </a:t>
+            </a:r>
+            <a:r>
+              <a:rPr lang="en-US" sz="1600" dirty="0" err="1" smtClean="0"/>
+              <a:t>symlink</a:t>
+            </a:r>
+            <a:endParaRPr lang="en-US" sz="1600" dirty="0" smtClean="0"/>
+          </a:p>
+          <a:p>
+            <a:r>
+              <a:rPr lang="en-US" sz="1600" dirty="0" smtClean="0"/>
+              <a:t>-T tests if file is a text file</a:t>
+            </a:r>
+          </a:p>
+          <a:p>
+            <a:r>
+              <a:rPr lang="en-US" sz="1600" dirty="0" err="1" smtClean="0"/>
+              <a:t>perldoc</a:t>
+            </a:r>
+            <a:r>
+              <a:rPr lang="en-US" sz="1600" dirty="0" smtClean="0"/>
+              <a:t> </a:t>
+            </a:r>
+            <a:r>
+              <a:rPr lang="en-US" sz="1600" dirty="0" err="1" smtClean="0"/>
+              <a:t>perlfunc</a:t>
+            </a:r>
+            <a:r>
+              <a:rPr lang="en-US" sz="1600" dirty="0" smtClean="0"/>
+              <a:t> lists more</a:t>
+            </a:r>
+          </a:p>
+        </p:txBody>
+      </p:sp>
+      <p:graphicFrame>
+        <p:nvGraphicFramePr>
+          <p:cNvPr id="4" name="Table 3"/>
+          <p:cNvGraphicFramePr>
+            <a:graphicFrameLocks noGrp="1"/>
+          </p:cNvGraphicFramePr>
+          <p:nvPr>
+            <p:extLst>
+              <p:ext uri="{D42A27DB-BD31-4B8C-83A1-F6EECF244321}">
+                <p14:modId xmlns:p14="http://schemas.microsoft.com/office/powerpoint/2010/main" val="1281946862"/>
+              </p:ext>
+            </p:extLst>
+          </p:nvPr>
+        </p:nvGraphicFramePr>
+        <p:xfrm>
+          <a:off x="228600" y="4602480"/>
+          <a:ext cx="8534400" cy="2011680"/>
+        </p:xfrm>
+        <a:graphic>
+          <a:graphicData uri="http://schemas.openxmlformats.org/drawingml/2006/table">
+            <a:tbl>
+              <a:tblPr firstRow="1" bandRow="1">
+                <a:tableStyleId>{5C22544A-7EE6-4342-B048-85BDC9FD1C3A}</a:tableStyleId>
+              </a:tblPr>
+              <a:tblGrid>
+                <a:gridCol w="8534400"/>
+              </a:tblGrid>
+              <a:tr h="370840">
+                <a:tc>
+                  <a:txBody>
+                    <a:bodyPr/>
+                    <a:lstStyle/>
+                    <a:p>
+                      <a:r>
+                        <a:rPr lang="en-US" dirty="0" smtClean="0">
+                          <a:latin typeface="Courier New" pitchFamily="49" charset="0"/>
+                          <a:cs typeface="Courier New" pitchFamily="49" charset="0"/>
+                        </a:rPr>
+                        <a:t>my $filename = "</a:t>
+                      </a:r>
+                      <a:r>
+                        <a:rPr lang="en-US" dirty="0" err="1" smtClean="0">
+                          <a:latin typeface="Courier New" pitchFamily="49" charset="0"/>
+                          <a:cs typeface="Courier New" pitchFamily="49" charset="0"/>
+                        </a:rPr>
+                        <a:t>pie_recipe</a:t>
+                      </a:r>
+                      <a:r>
+                        <a:rPr lang="en-US" dirty="0" smtClean="0">
+                          <a:latin typeface="Courier New" pitchFamily="49" charset="0"/>
+                          <a:cs typeface="Courier New" pitchFamily="49" charset="0"/>
+                        </a:rPr>
+                        <a:t>";</a:t>
+                      </a:r>
+                    </a:p>
+                    <a:p>
+                      <a:r>
+                        <a:rPr lang="en-US" dirty="0" smtClean="0">
+                          <a:latin typeface="Courier New" pitchFamily="49" charset="0"/>
+                          <a:cs typeface="Courier New" pitchFamily="49" charset="0"/>
+                        </a:rPr>
+                        <a:t>if (-r $filename) {</a:t>
+                      </a:r>
+                    </a:p>
+                    <a:p>
+                      <a:r>
+                        <a:rPr lang="en-US" dirty="0" smtClean="0">
+                          <a:latin typeface="Courier New" pitchFamily="49" charset="0"/>
+                          <a:cs typeface="Courier New" pitchFamily="49" charset="0"/>
+                        </a:rPr>
+                        <a:t>    open INPUT, "&gt; $filename" or die "Can't open $filename: $!";</a:t>
+                      </a:r>
+                    </a:p>
+                    <a:p>
+                      <a:r>
+                        <a:rPr lang="en-US" dirty="0" smtClean="0">
+                          <a:latin typeface="Courier New" pitchFamily="49" charset="0"/>
+                          <a:cs typeface="Courier New" pitchFamily="49" charset="0"/>
+                        </a:rPr>
+                        <a:t>} else {</a:t>
+                      </a:r>
+                    </a:p>
+                    <a:p>
+                      <a:r>
+                        <a:rPr lang="en-US" dirty="0" smtClean="0">
+                          <a:latin typeface="Courier New" pitchFamily="49" charset="0"/>
+                          <a:cs typeface="Courier New" pitchFamily="49" charset="0"/>
+                        </a:rPr>
+                        <a:t>    print "The file $filename is not readable.\n";</a:t>
+                      </a:r>
+                    </a:p>
+                    <a:p>
+                      <a:r>
+                        <a:rPr lang="en-US" dirty="0" smtClean="0">
+                          <a:latin typeface="Courier New" pitchFamily="49" charset="0"/>
+                          <a:cs typeface="Courier New" pitchFamily="49" charset="0"/>
+                        </a:rPr>
+                        <a:t>}</a:t>
+                      </a:r>
+                      <a:endParaRPr lang="en-US" dirty="0">
+                        <a:latin typeface="Courier New" pitchFamily="49" charset="0"/>
+                        <a:cs typeface="Courier New" pitchFamily="49" charset="0"/>
+                      </a:endParaRPr>
+                    </a:p>
+                  </a:txBody>
+                  <a:tcPr/>
+                </a:tc>
+              </a:tr>
+            </a:tbl>
+          </a:graphicData>
+        </a:graphic>
+      </p:graphicFrame>
+    </p:spTree>
+    <p:extLst>
+      <p:ext uri="{BB962C8B-B14F-4D97-AF65-F5344CB8AC3E}">
+        <p14:creationId xmlns:p14="http://schemas.microsoft.com/office/powerpoint/2010/main" val="3089997248"/>
+      </p:ext>
+    </p:extLst>
+  </p:cSld>
+  <p:clrMapOvr>
+    <a:masterClrMapping/>
+  </p:clrMapOvr>
+  <p:timing>
+    <p:tnLst>
+      <p:par>
+        <p:cTn id="1" dur="indefinite" restart="never" nodeType="tmRoot"/>
+      </p:par>
+    </p:tnLst>
+  </p:timing>
+</p:sld>
+</file>
+
+<file path=ppt/slides/slide68.xml><?xml version="1.0" encoding="utf-8"?>
+<p:sld xmlns:a="http://schemas.openxmlformats.org/drawingml/2006/main" xmlns:r="http://schemas.openxmlformats.org/officeDocument/2006/relationships" xmlns:p="http://schemas.openxmlformats.org/presentationml/2006/main">
+  <p:cSld>
+    <p:spTree>
+      <p:nvGrpSpPr>
+        <p:cNvPr id="1" name=""/>
+        <p:cNvGrpSpPr/>
+        <p:nvPr/>
+      </p:nvGrpSpPr>
+      <p:grpSpPr>
+        <a:xfrm>
+          <a:off x="0" y="0"/>
+          <a:ext cx="0" cy="0"/>
+          <a:chOff x="0" y="0"/>
+          <a:chExt cx="0" cy="0"/>
+        </a:xfrm>
+      </p:grpSpPr>
+      <p:sp>
+        <p:nvSpPr>
+          <p:cNvPr id="2" name="Title 1"/>
+          <p:cNvSpPr>
+            <a:spLocks noGrp="1"/>
+          </p:cNvSpPr>
+          <p:nvPr>
+            <p:ph type="title"/>
+          </p:nvPr>
+        </p:nvSpPr>
+        <p:spPr/>
+        <p:txBody>
+          <a:bodyPr/>
+          <a:lstStyle/>
+          <a:p>
+            <a:r>
+              <a:rPr lang="en-US" dirty="0" smtClean="0"/>
+              <a:t>Regular Expressions</a:t>
+            </a:r>
+            <a:endParaRPr lang="en-US" dirty="0"/>
+          </a:p>
+        </p:txBody>
+      </p:sp>
+      <p:sp>
+        <p:nvSpPr>
+          <p:cNvPr id="3" name="Content Placeholder 2"/>
+          <p:cNvSpPr>
+            <a:spLocks noGrp="1"/>
+          </p:cNvSpPr>
+          <p:nvPr>
+            <p:ph idx="1"/>
+          </p:nvPr>
+        </p:nvSpPr>
+        <p:spPr/>
+        <p:txBody>
+          <a:bodyPr>
+            <a:normAutofit/>
+          </a:bodyPr>
+          <a:lstStyle/>
+          <a:p>
+            <a:r>
+              <a:rPr lang="en-US" sz="1600" dirty="0" smtClean="0"/>
+              <a:t>Regexes perform textual pattern matching</a:t>
+            </a:r>
+          </a:p>
+          <a:p>
+            <a:r>
+              <a:rPr lang="en-US" sz="1600" dirty="0" smtClean="0"/>
+              <a:t>Regexes ask:</a:t>
+            </a:r>
+          </a:p>
+          <a:p>
+            <a:r>
+              <a:rPr lang="en-US" sz="1600" dirty="0" smtClean="0"/>
+              <a:t>Does a string...</a:t>
+            </a:r>
+          </a:p>
+          <a:p>
+            <a:r>
+              <a:rPr lang="en-US" sz="1600" dirty="0" smtClean="0"/>
+              <a:t>...contain the letters "dog" in order?</a:t>
+            </a:r>
+          </a:p>
+          <a:p>
+            <a:r>
+              <a:rPr lang="en-US" sz="1600" dirty="0" smtClean="0"/>
+              <a:t>...not contain the letter "z"?</a:t>
+            </a:r>
+          </a:p>
+          <a:p>
+            <a:r>
+              <a:rPr lang="en-US" sz="1600" dirty="0" smtClean="0"/>
+              <a:t>...begin with the letters "Y" or "y"?</a:t>
+            </a:r>
+          </a:p>
+          <a:p>
+            <a:r>
+              <a:rPr lang="en-US" sz="1600" dirty="0" smtClean="0"/>
+              <a:t>...end with a question mark?</a:t>
+            </a:r>
+          </a:p>
+          <a:p>
+            <a:r>
+              <a:rPr lang="en-US" sz="1600" dirty="0" smtClean="0"/>
+              <a:t>...contain only letters?</a:t>
+            </a:r>
+          </a:p>
+          <a:p>
+            <a:r>
+              <a:rPr lang="en-US" sz="1600" dirty="0" smtClean="0"/>
+              <a:t>...contain only digits?</a:t>
+            </a:r>
+            <a:endParaRPr lang="en-US" sz="1200" dirty="0" smtClean="0"/>
+          </a:p>
+        </p:txBody>
+      </p:sp>
+      <p:graphicFrame>
+        <p:nvGraphicFramePr>
+          <p:cNvPr id="4" name="Table 3"/>
+          <p:cNvGraphicFramePr>
+            <a:graphicFrameLocks noGrp="1"/>
+          </p:cNvGraphicFramePr>
+          <p:nvPr>
+            <p:extLst>
+              <p:ext uri="{D42A27DB-BD31-4B8C-83A1-F6EECF244321}">
+                <p14:modId xmlns:p14="http://schemas.microsoft.com/office/powerpoint/2010/main" val="1699124499"/>
+              </p:ext>
+            </p:extLst>
+          </p:nvPr>
+        </p:nvGraphicFramePr>
+        <p:xfrm>
+          <a:off x="533400" y="4495800"/>
+          <a:ext cx="7543800" cy="2011680"/>
+        </p:xfrm>
+        <a:graphic>
+          <a:graphicData uri="http://schemas.openxmlformats.org/drawingml/2006/table">
+            <a:tbl>
+              <a:tblPr firstRow="1" bandRow="1">
+                <a:tableStyleId>{5C22544A-7EE6-4342-B048-85BDC9FD1C3A}</a:tableStyleId>
+              </a:tblPr>
+              <a:tblGrid>
+                <a:gridCol w="7543800"/>
+              </a:tblGrid>
+              <a:tr h="370840">
+                <a:tc>
+                  <a:txBody>
+                    <a:bodyPr/>
+                    <a:lstStyle/>
+                    <a:p>
+                      <a:r>
+                        <a:rPr lang="en-US" dirty="0" smtClean="0">
+                          <a:latin typeface="Courier New" pitchFamily="49" charset="0"/>
+                          <a:cs typeface="Courier New" pitchFamily="49" charset="0"/>
+                        </a:rPr>
+                        <a:t>my $string = "Did the fox jump over the dogs?";</a:t>
+                      </a:r>
+                    </a:p>
+                    <a:p>
+                      <a:r>
+                        <a:rPr lang="en-US" dirty="0" smtClean="0">
+                          <a:latin typeface="Courier New" pitchFamily="49" charset="0"/>
+                          <a:cs typeface="Courier New" pitchFamily="49" charset="0"/>
+                        </a:rPr>
+                        <a:t>print "1: $string\n" if $string =~ /dog/; # matches</a:t>
+                      </a:r>
+                    </a:p>
+                    <a:p>
+                      <a:r>
+                        <a:rPr lang="en-US" dirty="0" smtClean="0">
+                          <a:latin typeface="Courier New" pitchFamily="49" charset="0"/>
+                          <a:cs typeface="Courier New" pitchFamily="49" charset="0"/>
+                        </a:rPr>
+                        <a:t>print "2: $string\n" if $string !~ /z/;   # matches</a:t>
+                      </a:r>
+                    </a:p>
+                    <a:p>
+                      <a:r>
+                        <a:rPr lang="en-US" dirty="0" smtClean="0">
+                          <a:latin typeface="Courier New" pitchFamily="49" charset="0"/>
+                          <a:cs typeface="Courier New" pitchFamily="49" charset="0"/>
+                        </a:rPr>
+                        <a:t>print "3: $string\n" if $string =~ /^[</a:t>
+                      </a:r>
+                      <a:r>
+                        <a:rPr lang="en-US" dirty="0" err="1" smtClean="0">
+                          <a:latin typeface="Courier New" pitchFamily="49" charset="0"/>
+                          <a:cs typeface="Courier New" pitchFamily="49" charset="0"/>
+                        </a:rPr>
+                        <a:t>Yy</a:t>
+                      </a:r>
+                      <a:r>
+                        <a:rPr lang="en-US" dirty="0" smtClean="0">
+                          <a:latin typeface="Courier New" pitchFamily="49" charset="0"/>
+                          <a:cs typeface="Courier New" pitchFamily="49" charset="0"/>
+                        </a:rPr>
+                        <a:t>]/;</a:t>
+                      </a:r>
+                    </a:p>
+                    <a:p>
+                      <a:r>
+                        <a:rPr lang="en-US" dirty="0" smtClean="0">
+                          <a:latin typeface="Courier New" pitchFamily="49" charset="0"/>
+                          <a:cs typeface="Courier New" pitchFamily="49" charset="0"/>
+                        </a:rPr>
+                        <a:t>print "4: $string\n" if $string =~ /\?$/; # matches</a:t>
+                      </a:r>
+                    </a:p>
+                    <a:p>
+                      <a:r>
+                        <a:rPr lang="en-US" dirty="0" smtClean="0">
+                          <a:latin typeface="Courier New" pitchFamily="49" charset="0"/>
+                          <a:cs typeface="Courier New" pitchFamily="49" charset="0"/>
+                        </a:rPr>
+                        <a:t>print "5: $string\n" if $string =~ /^[a-</a:t>
+                      </a:r>
+                      <a:r>
+                        <a:rPr lang="en-US" dirty="0" err="1" smtClean="0">
+                          <a:latin typeface="Courier New" pitchFamily="49" charset="0"/>
+                          <a:cs typeface="Courier New" pitchFamily="49" charset="0"/>
+                        </a:rPr>
+                        <a:t>zA</a:t>
+                      </a:r>
+                      <a:r>
+                        <a:rPr lang="en-US" dirty="0" smtClean="0">
+                          <a:latin typeface="Courier New" pitchFamily="49" charset="0"/>
+                          <a:cs typeface="Courier New" pitchFamily="49" charset="0"/>
+                        </a:rPr>
+                        <a:t>-Z]*$/;</a:t>
+                      </a:r>
+                    </a:p>
+                    <a:p>
+                      <a:r>
+                        <a:rPr lang="en-US" dirty="0" smtClean="0">
+                          <a:latin typeface="Courier New" pitchFamily="49" charset="0"/>
+                          <a:cs typeface="Courier New" pitchFamily="49" charset="0"/>
+                        </a:rPr>
+                        <a:t>print "6: $string\n" if $string =~ /^\d*$/;</a:t>
+                      </a:r>
+                      <a:endParaRPr lang="en-US" dirty="0">
+                        <a:latin typeface="Courier New" pitchFamily="49" charset="0"/>
+                        <a:cs typeface="Courier New" pitchFamily="49" charset="0"/>
+                      </a:endParaRPr>
+                    </a:p>
+                  </a:txBody>
+                  <a:tcPr/>
+                </a:tc>
+              </a:tr>
+            </a:tbl>
+          </a:graphicData>
+        </a:graphic>
+      </p:graphicFrame>
+    </p:spTree>
+    <p:extLst>
+      <p:ext uri="{BB962C8B-B14F-4D97-AF65-F5344CB8AC3E}">
+        <p14:creationId xmlns:p14="http://schemas.microsoft.com/office/powerpoint/2010/main" val="2115855595"/>
+      </p:ext>
+    </p:extLst>
+  </p:cSld>
+  <p:clrMapOvr>
+    <a:masterClrMapping/>
+  </p:clrMapOvr>
+  <p:timing>
+    <p:tnLst>
+      <p:par>
+        <p:cTn id="1" dur="indefinite" restart="never" nodeType="tmRoot"/>
+      </p:par>
+    </p:tnLst>
+  </p:timing>
+</p:sld>
+</file>
+
+<file path=ppt/slides/slide69.xml><?xml version="1.0" encoding="utf-8"?>
+<p:sld xmlns:a="http://schemas.openxmlformats.org/drawingml/2006/main" xmlns:r="http://schemas.openxmlformats.org/officeDocument/2006/relationships" xmlns:p="http://schemas.openxmlformats.org/presentationml/2006/main">
+  <p:cSld>
+    <p:spTree>
+      <p:nvGrpSpPr>
+        <p:cNvPr id="1" name=""/>
+        <p:cNvGrpSpPr/>
+        <p:nvPr/>
+      </p:nvGrpSpPr>
+      <p:grpSpPr>
+        <a:xfrm>
+          <a:off x="0" y="0"/>
+          <a:ext cx="0" cy="0"/>
+          <a:chOff x="0" y="0"/>
+          <a:chExt cx="0" cy="0"/>
+        </a:xfrm>
+      </p:grpSpPr>
+      <p:sp>
+        <p:nvSpPr>
+          <p:cNvPr id="2" name="Title 1"/>
+          <p:cNvSpPr>
+            <a:spLocks noGrp="1"/>
+          </p:cNvSpPr>
+          <p:nvPr>
+            <p:ph type="title"/>
+          </p:nvPr>
+        </p:nvSpPr>
+        <p:spPr/>
+        <p:txBody>
+          <a:bodyPr/>
+          <a:lstStyle/>
+          <a:p>
+            <a:r>
+              <a:rPr lang="en-US" dirty="0" smtClean="0"/>
+              <a:t>Regular Expressions</a:t>
+            </a:r>
+            <a:endParaRPr lang="en-US" dirty="0"/>
+          </a:p>
+        </p:txBody>
+      </p:sp>
+      <p:sp>
+        <p:nvSpPr>
+          <p:cNvPr id="3" name="Content Placeholder 2"/>
+          <p:cNvSpPr>
+            <a:spLocks noGrp="1"/>
+          </p:cNvSpPr>
+          <p:nvPr>
+            <p:ph idx="1"/>
+          </p:nvPr>
+        </p:nvSpPr>
+        <p:spPr/>
+        <p:txBody>
+          <a:bodyPr>
+            <a:normAutofit/>
+          </a:bodyPr>
+          <a:lstStyle/>
+          <a:p>
+            <a:r>
+              <a:rPr lang="en-US" sz="1600" dirty="0" smtClean="0"/>
+              <a:t>Regexes may be quoted in several ways</a:t>
+            </a:r>
+          </a:p>
+          <a:p>
+            <a:r>
+              <a:rPr lang="en-US" sz="1600" dirty="0" smtClean="0"/>
+              <a:t>Regex quotes are usually slashes (/regex/)</a:t>
+            </a:r>
+          </a:p>
+          <a:p>
+            <a:r>
+              <a:rPr lang="en-US" sz="1600" dirty="0" smtClean="0"/>
+              <a:t>May use other quotes with the match operator m</a:t>
+            </a:r>
+          </a:p>
+          <a:p>
+            <a:r>
+              <a:rPr lang="en-US" sz="1600" dirty="0" smtClean="0"/>
+              <a:t>Use other quotes when matching slashes (m[/])</a:t>
+            </a:r>
+          </a:p>
+          <a:p>
+            <a:r>
+              <a:rPr lang="en-US" sz="1600" dirty="0" smtClean="0"/>
+              <a:t>Comparison operators (=~, !~) test for matches</a:t>
+            </a:r>
+            <a:endParaRPr lang="en-US" sz="1200" dirty="0" smtClean="0"/>
+          </a:p>
+        </p:txBody>
+      </p:sp>
+      <p:graphicFrame>
+        <p:nvGraphicFramePr>
+          <p:cNvPr id="4" name="Table 3"/>
+          <p:cNvGraphicFramePr>
+            <a:graphicFrameLocks noGrp="1"/>
+          </p:cNvGraphicFramePr>
+          <p:nvPr>
+            <p:extLst>
+              <p:ext uri="{D42A27DB-BD31-4B8C-83A1-F6EECF244321}">
+                <p14:modId xmlns:p14="http://schemas.microsoft.com/office/powerpoint/2010/main" val="3884204455"/>
+              </p:ext>
+            </p:extLst>
+          </p:nvPr>
+        </p:nvGraphicFramePr>
+        <p:xfrm>
+          <a:off x="533400" y="3429000"/>
+          <a:ext cx="7543800" cy="1463040"/>
+        </p:xfrm>
+        <a:graphic>
+          <a:graphicData uri="http://schemas.openxmlformats.org/drawingml/2006/table">
+            <a:tbl>
+              <a:tblPr firstRow="1" bandRow="1">
+                <a:tableStyleId>{5C22544A-7EE6-4342-B048-85BDC9FD1C3A}</a:tableStyleId>
+              </a:tblPr>
+              <a:tblGrid>
+                <a:gridCol w="7543800"/>
+              </a:tblGrid>
+              <a:tr h="370840">
+                <a:tc>
+                  <a:txBody>
+                    <a:bodyPr/>
+                    <a:lstStyle/>
+                    <a:p>
+                      <a:r>
+                        <a:rPr lang="en-US" dirty="0" smtClean="0">
+                          <a:latin typeface="Courier New" pitchFamily="49" charset="0"/>
+                          <a:cs typeface="Courier New" pitchFamily="49" charset="0"/>
+                        </a:rPr>
+                        <a:t>my $string = "Did the fox jump over the dogs?";</a:t>
+                      </a:r>
+                    </a:p>
+                    <a:p>
+                      <a:r>
+                        <a:rPr lang="en-US" dirty="0" smtClean="0">
+                          <a:latin typeface="Courier New" pitchFamily="49" charset="0"/>
+                          <a:cs typeface="Courier New" pitchFamily="49" charset="0"/>
+                        </a:rPr>
+                        <a:t>print "1: $string\n" if $string =~ /dog/; # matches</a:t>
+                      </a:r>
+                    </a:p>
+                    <a:p>
+                      <a:r>
+                        <a:rPr lang="en-US" dirty="0" smtClean="0">
+                          <a:latin typeface="Courier New" pitchFamily="49" charset="0"/>
+                          <a:cs typeface="Courier New" pitchFamily="49" charset="0"/>
+                        </a:rPr>
+                        <a:t>print "2: $string\n" if $string =~ m/dog/;# matches</a:t>
+                      </a:r>
+                    </a:p>
+                    <a:p>
+                      <a:r>
+                        <a:rPr lang="en-US" dirty="0" smtClean="0">
+                          <a:latin typeface="Courier New" pitchFamily="49" charset="0"/>
+                          <a:cs typeface="Courier New" pitchFamily="49" charset="0"/>
+                        </a:rPr>
+                        <a:t>print "3: $string\n" if $string =~ m(dog);# matches</a:t>
+                      </a:r>
+                    </a:p>
+                    <a:p>
+                      <a:r>
+                        <a:rPr lang="en-US" dirty="0" smtClean="0">
+                          <a:latin typeface="Courier New" pitchFamily="49" charset="0"/>
+                          <a:cs typeface="Courier New" pitchFamily="49" charset="0"/>
+                        </a:rPr>
+                        <a:t>print "4: $string\n" if $string =~ </a:t>
+                      </a:r>
+                      <a:r>
+                        <a:rPr lang="en-US" dirty="0" err="1" smtClean="0">
+                          <a:latin typeface="Courier New" pitchFamily="49" charset="0"/>
+                          <a:cs typeface="Courier New" pitchFamily="49" charset="0"/>
+                        </a:rPr>
+                        <a:t>m|dog</a:t>
+                      </a:r>
+                      <a:r>
+                        <a:rPr lang="en-US" dirty="0" smtClean="0">
+                          <a:latin typeface="Courier New" pitchFamily="49" charset="0"/>
+                          <a:cs typeface="Courier New" pitchFamily="49" charset="0"/>
+                        </a:rPr>
+                        <a:t>|;# matches</a:t>
+                      </a:r>
+                      <a:endParaRPr lang="en-US" dirty="0">
+                        <a:latin typeface="Courier New" pitchFamily="49" charset="0"/>
+                        <a:cs typeface="Courier New" pitchFamily="49" charset="0"/>
+                      </a:endParaRPr>
+                    </a:p>
+                  </a:txBody>
+                  <a:tcPr/>
+                </a:tc>
+              </a:tr>
+            </a:tbl>
+          </a:graphicData>
+        </a:graphic>
+      </p:graphicFrame>
+    </p:spTree>
+    <p:extLst>
+      <p:ext uri="{BB962C8B-B14F-4D97-AF65-F5344CB8AC3E}">
+        <p14:creationId xmlns:p14="http://schemas.microsoft.com/office/powerpoint/2010/main" val="638558259"/>
       </p:ext>
     </p:extLst>
   </p:cSld>
@@ -13591,6 +19265,2212 @@
     <p:extLst>
       <p:ext uri="{BB962C8B-B14F-4D97-AF65-F5344CB8AC3E}">
         <p14:creationId xmlns:p14="http://schemas.microsoft.com/office/powerpoint/2010/main" val="3493335918"/>
+      </p:ext>
+    </p:extLst>
+  </p:cSld>
+  <p:clrMapOvr>
+    <a:masterClrMapping/>
+  </p:clrMapOvr>
+  <p:timing>
+    <p:tnLst>
+      <p:par>
+        <p:cTn id="1" dur="indefinite" restart="never" nodeType="tmRoot"/>
+      </p:par>
+    </p:tnLst>
+  </p:timing>
+</p:sld>
+</file>
+
+<file path=ppt/slides/slide70.xml><?xml version="1.0" encoding="utf-8"?>
+<p:sld xmlns:a="http://schemas.openxmlformats.org/drawingml/2006/main" xmlns:r="http://schemas.openxmlformats.org/officeDocument/2006/relationships" xmlns:p="http://schemas.openxmlformats.org/presentationml/2006/main">
+  <p:cSld>
+    <p:spTree>
+      <p:nvGrpSpPr>
+        <p:cNvPr id="1" name=""/>
+        <p:cNvGrpSpPr/>
+        <p:nvPr/>
+      </p:nvGrpSpPr>
+      <p:grpSpPr>
+        <a:xfrm>
+          <a:off x="0" y="0"/>
+          <a:ext cx="0" cy="0"/>
+          <a:chOff x="0" y="0"/>
+          <a:chExt cx="0" cy="0"/>
+        </a:xfrm>
+      </p:grpSpPr>
+      <p:sp>
+        <p:nvSpPr>
+          <p:cNvPr id="2" name="Title 1"/>
+          <p:cNvSpPr>
+            <a:spLocks noGrp="1"/>
+          </p:cNvSpPr>
+          <p:nvPr>
+            <p:ph type="title"/>
+          </p:nvPr>
+        </p:nvSpPr>
+        <p:spPr/>
+        <p:txBody>
+          <a:bodyPr/>
+          <a:lstStyle/>
+          <a:p>
+            <a:r>
+              <a:rPr lang="en-US" dirty="0" smtClean="0"/>
+              <a:t>Regular Expressions</a:t>
+            </a:r>
+            <a:endParaRPr lang="en-US" dirty="0"/>
+          </a:p>
+        </p:txBody>
+      </p:sp>
+      <p:sp>
+        <p:nvSpPr>
+          <p:cNvPr id="3" name="Content Placeholder 2"/>
+          <p:cNvSpPr>
+            <a:spLocks noGrp="1"/>
+          </p:cNvSpPr>
+          <p:nvPr>
+            <p:ph idx="1"/>
+          </p:nvPr>
+        </p:nvSpPr>
+        <p:spPr/>
+        <p:txBody>
+          <a:bodyPr>
+            <a:normAutofit/>
+          </a:bodyPr>
+          <a:lstStyle/>
+          <a:p>
+            <a:r>
+              <a:rPr lang="en-US" sz="1600" dirty="0" smtClean="0"/>
+              <a:t>Regexes are their own mini-language</a:t>
+            </a:r>
+          </a:p>
+          <a:p>
+            <a:r>
+              <a:rPr lang="en-US" sz="1600" dirty="0" smtClean="0"/>
+              <a:t>Match letters, numbers, other characters</a:t>
+            </a:r>
+          </a:p>
+          <a:p>
+            <a:r>
+              <a:rPr lang="en-US" sz="1600" dirty="0" smtClean="0"/>
+              <a:t>Exclude certain characters from matches</a:t>
+            </a:r>
+          </a:p>
+          <a:p>
+            <a:r>
+              <a:rPr lang="en-US" sz="1600" dirty="0" smtClean="0"/>
+              <a:t>Character classes (in []) denote a possible set of characters to match</a:t>
+            </a:r>
+          </a:p>
+          <a:p>
+            <a:r>
+              <a:rPr lang="en-US" sz="1600" dirty="0" smtClean="0"/>
+              <a:t>Negate a character classes with a carat ([^</a:t>
+            </a:r>
+            <a:r>
+              <a:rPr lang="en-US" sz="1600" dirty="0" err="1" smtClean="0"/>
+              <a:t>abc</a:t>
+            </a:r>
+            <a:r>
+              <a:rPr lang="en-US" sz="1600" dirty="0" smtClean="0"/>
+              <a:t>])</a:t>
+            </a:r>
+          </a:p>
+          <a:p>
+            <a:r>
+              <a:rPr lang="en-US" sz="1600" dirty="0" smtClean="0"/>
+              <a:t>Provided character classes include:</a:t>
+            </a:r>
+          </a:p>
+          <a:p>
+            <a:r>
+              <a:rPr lang="en-US" sz="1600" dirty="0" smtClean="0"/>
+              <a:t>\d, \D for digits, non-digits</a:t>
+            </a:r>
+          </a:p>
+          <a:p>
+            <a:r>
+              <a:rPr lang="en-US" sz="1600" dirty="0" smtClean="0"/>
+              <a:t>\w, \W for word and non-word characters (letters, digits, underscore)</a:t>
+            </a:r>
+          </a:p>
+          <a:p>
+            <a:r>
+              <a:rPr lang="en-US" sz="1600" dirty="0" smtClean="0"/>
+              <a:t>\s, \S for white-space and non-space characters</a:t>
+            </a:r>
+          </a:p>
+          <a:p>
+            <a:r>
+              <a:rPr lang="en-US" sz="1600" dirty="0" smtClean="0"/>
+              <a:t>. for any character except newline</a:t>
+            </a:r>
+            <a:endParaRPr lang="en-US" sz="1200" dirty="0" smtClean="0"/>
+          </a:p>
+        </p:txBody>
+      </p:sp>
+      <p:graphicFrame>
+        <p:nvGraphicFramePr>
+          <p:cNvPr id="4" name="Table 3"/>
+          <p:cNvGraphicFramePr>
+            <a:graphicFrameLocks noGrp="1"/>
+          </p:cNvGraphicFramePr>
+          <p:nvPr>
+            <p:extLst>
+              <p:ext uri="{D42A27DB-BD31-4B8C-83A1-F6EECF244321}">
+                <p14:modId xmlns:p14="http://schemas.microsoft.com/office/powerpoint/2010/main" val="186573860"/>
+              </p:ext>
+            </p:extLst>
+          </p:nvPr>
+        </p:nvGraphicFramePr>
+        <p:xfrm>
+          <a:off x="533400" y="4648200"/>
+          <a:ext cx="8382000" cy="1463040"/>
+        </p:xfrm>
+        <a:graphic>
+          <a:graphicData uri="http://schemas.openxmlformats.org/drawingml/2006/table">
+            <a:tbl>
+              <a:tblPr firstRow="1" bandRow="1">
+                <a:tableStyleId>{5C22544A-7EE6-4342-B048-85BDC9FD1C3A}</a:tableStyleId>
+              </a:tblPr>
+              <a:tblGrid>
+                <a:gridCol w="8382000"/>
+              </a:tblGrid>
+              <a:tr h="370840">
+                <a:tc>
+                  <a:txBody>
+                    <a:bodyPr/>
+                    <a:lstStyle/>
+                    <a:p>
+                      <a:r>
+                        <a:rPr lang="en-US" dirty="0" smtClean="0">
+                          <a:latin typeface="Courier New" pitchFamily="49" charset="0"/>
+                          <a:cs typeface="Courier New" pitchFamily="49" charset="0"/>
+                        </a:rPr>
+                        <a:t>my $string = "Did the fox jump over the dogs?";</a:t>
+                      </a:r>
+                    </a:p>
+                    <a:p>
+                      <a:r>
+                        <a:rPr lang="en-US" dirty="0" smtClean="0">
+                          <a:latin typeface="Courier New" pitchFamily="49" charset="0"/>
+                          <a:cs typeface="Courier New" pitchFamily="49" charset="0"/>
+                        </a:rPr>
+                        <a:t>print "1: $string\n" if $string =~ m/[</a:t>
+                      </a:r>
+                      <a:r>
+                        <a:rPr lang="en-US" dirty="0" err="1" smtClean="0">
+                          <a:latin typeface="Courier New" pitchFamily="49" charset="0"/>
+                          <a:cs typeface="Courier New" pitchFamily="49" charset="0"/>
+                        </a:rPr>
+                        <a:t>bdl</a:t>
+                      </a:r>
+                      <a:r>
+                        <a:rPr lang="en-US" dirty="0" smtClean="0">
+                          <a:latin typeface="Courier New" pitchFamily="49" charset="0"/>
+                          <a:cs typeface="Courier New" pitchFamily="49" charset="0"/>
+                        </a:rPr>
+                        <a:t>]</a:t>
+                      </a:r>
+                      <a:r>
+                        <a:rPr lang="en-US" dirty="0" err="1" smtClean="0">
+                          <a:latin typeface="Courier New" pitchFamily="49" charset="0"/>
+                          <a:cs typeface="Courier New" pitchFamily="49" charset="0"/>
+                        </a:rPr>
+                        <a:t>og</a:t>
+                      </a:r>
+                      <a:r>
+                        <a:rPr lang="en-US" dirty="0" smtClean="0">
+                          <a:latin typeface="Courier New" pitchFamily="49" charset="0"/>
+                          <a:cs typeface="Courier New" pitchFamily="49" charset="0"/>
+                        </a:rPr>
+                        <a:t>/; # bog, dog, log</a:t>
+                      </a:r>
+                    </a:p>
+                    <a:p>
+                      <a:r>
+                        <a:rPr lang="en-US" dirty="0" smtClean="0">
+                          <a:latin typeface="Courier New" pitchFamily="49" charset="0"/>
+                          <a:cs typeface="Courier New" pitchFamily="49" charset="0"/>
+                        </a:rPr>
+                        <a:t>print "2: $string\n" if $string =~ m/dog[^s]/; # no match</a:t>
+                      </a:r>
+                    </a:p>
+                    <a:p>
+                      <a:r>
+                        <a:rPr lang="en-US" dirty="0" smtClean="0">
+                          <a:latin typeface="Courier New" pitchFamily="49" charset="0"/>
+                          <a:cs typeface="Courier New" pitchFamily="49" charset="0"/>
+                        </a:rPr>
+                        <a:t>print "3: $string\n" if $string =~ m/\s\w\w\</a:t>
+                      </a:r>
+                      <a:r>
+                        <a:rPr lang="en-US" dirty="0" err="1" smtClean="0">
+                          <a:latin typeface="Courier New" pitchFamily="49" charset="0"/>
+                          <a:cs typeface="Courier New" pitchFamily="49" charset="0"/>
+                        </a:rPr>
+                        <a:t>wp</a:t>
+                      </a:r>
+                      <a:r>
+                        <a:rPr lang="en-US" dirty="0" smtClean="0">
+                          <a:latin typeface="Courier New" pitchFamily="49" charset="0"/>
+                          <a:cs typeface="Courier New" pitchFamily="49" charset="0"/>
+                        </a:rPr>
+                        <a:t>\s/; # matches</a:t>
+                      </a:r>
+                      <a:endParaRPr lang="en-US" dirty="0">
+                        <a:latin typeface="Courier New" pitchFamily="49" charset="0"/>
+                        <a:cs typeface="Courier New" pitchFamily="49" charset="0"/>
+                      </a:endParaRPr>
+                    </a:p>
+                  </a:txBody>
+                  <a:tcPr/>
+                </a:tc>
+              </a:tr>
+            </a:tbl>
+          </a:graphicData>
+        </a:graphic>
+      </p:graphicFrame>
+    </p:spTree>
+    <p:extLst>
+      <p:ext uri="{BB962C8B-B14F-4D97-AF65-F5344CB8AC3E}">
+        <p14:creationId xmlns:p14="http://schemas.microsoft.com/office/powerpoint/2010/main" val="3025695705"/>
+      </p:ext>
+    </p:extLst>
+  </p:cSld>
+  <p:clrMapOvr>
+    <a:masterClrMapping/>
+  </p:clrMapOvr>
+  <p:timing>
+    <p:tnLst>
+      <p:par>
+        <p:cTn id="1" dur="indefinite" restart="never" nodeType="tmRoot"/>
+      </p:par>
+    </p:tnLst>
+  </p:timing>
+</p:sld>
+</file>
+
+<file path=ppt/slides/slide71.xml><?xml version="1.0" encoding="utf-8"?>
+<p:sld xmlns:a="http://schemas.openxmlformats.org/drawingml/2006/main" xmlns:r="http://schemas.openxmlformats.org/officeDocument/2006/relationships" xmlns:p="http://schemas.openxmlformats.org/presentationml/2006/main">
+  <p:cSld>
+    <p:spTree>
+      <p:nvGrpSpPr>
+        <p:cNvPr id="1" name=""/>
+        <p:cNvGrpSpPr/>
+        <p:nvPr/>
+      </p:nvGrpSpPr>
+      <p:grpSpPr>
+        <a:xfrm>
+          <a:off x="0" y="0"/>
+          <a:ext cx="0" cy="0"/>
+          <a:chOff x="0" y="0"/>
+          <a:chExt cx="0" cy="0"/>
+        </a:xfrm>
+      </p:grpSpPr>
+      <p:sp>
+        <p:nvSpPr>
+          <p:cNvPr id="2" name="Title 1"/>
+          <p:cNvSpPr>
+            <a:spLocks noGrp="1"/>
+          </p:cNvSpPr>
+          <p:nvPr>
+            <p:ph type="title"/>
+          </p:nvPr>
+        </p:nvSpPr>
+        <p:spPr/>
+        <p:txBody>
+          <a:bodyPr/>
+          <a:lstStyle/>
+          <a:p>
+            <a:r>
+              <a:rPr lang="en-US" dirty="0" smtClean="0"/>
+              <a:t>Regular Expressions</a:t>
+            </a:r>
+            <a:endParaRPr lang="en-US" dirty="0"/>
+          </a:p>
+        </p:txBody>
+      </p:sp>
+      <p:sp>
+        <p:nvSpPr>
+          <p:cNvPr id="3" name="Content Placeholder 2"/>
+          <p:cNvSpPr>
+            <a:spLocks noGrp="1"/>
+          </p:cNvSpPr>
+          <p:nvPr>
+            <p:ph idx="1"/>
+          </p:nvPr>
+        </p:nvSpPr>
+        <p:spPr/>
+        <p:txBody>
+          <a:bodyPr>
+            <a:normAutofit/>
+          </a:bodyPr>
+          <a:lstStyle/>
+          <a:p>
+            <a:r>
+              <a:rPr lang="en-US" sz="1400" dirty="0" smtClean="0"/>
+              <a:t>Regexes are their own mini-language</a:t>
+            </a:r>
+          </a:p>
+          <a:p>
+            <a:pPr lvl="1"/>
+            <a:r>
+              <a:rPr lang="en-US" sz="1400" dirty="0" smtClean="0"/>
+              <a:t>Match letters, numbers, other characters</a:t>
+            </a:r>
+          </a:p>
+          <a:p>
+            <a:pPr lvl="1"/>
+            <a:r>
+              <a:rPr lang="en-US" sz="1400" dirty="0" smtClean="0"/>
+              <a:t>Exclude certain </a:t>
+            </a:r>
+            <a:r>
+              <a:rPr lang="en-US" sz="1400" dirty="0" err="1" smtClean="0"/>
+              <a:t>chaSracters</a:t>
+            </a:r>
+            <a:r>
+              <a:rPr lang="en-US" sz="1400" dirty="0" smtClean="0"/>
+              <a:t> from matches</a:t>
+            </a:r>
+          </a:p>
+          <a:p>
+            <a:pPr lvl="1"/>
+            <a:r>
+              <a:rPr lang="en-US" sz="1400" dirty="0" smtClean="0"/>
+              <a:t>Character classes (in []) denote a possible set of characters to match</a:t>
+            </a:r>
+          </a:p>
+          <a:p>
+            <a:pPr lvl="1"/>
+            <a:r>
+              <a:rPr lang="en-US" sz="1400" dirty="0" smtClean="0"/>
+              <a:t>Negate a character classes with a carat ([^</a:t>
+            </a:r>
+            <a:r>
+              <a:rPr lang="en-US" sz="1400" dirty="0" err="1" smtClean="0"/>
+              <a:t>abc</a:t>
+            </a:r>
+            <a:r>
+              <a:rPr lang="en-US" sz="1400" dirty="0" smtClean="0"/>
+              <a:t>])</a:t>
+            </a:r>
+          </a:p>
+          <a:p>
+            <a:pPr lvl="1"/>
+            <a:r>
+              <a:rPr lang="en-US" sz="1400" dirty="0" smtClean="0"/>
+              <a:t>Provided character classes include:</a:t>
+            </a:r>
+          </a:p>
+          <a:p>
+            <a:pPr lvl="2"/>
+            <a:r>
+              <a:rPr lang="en-US" sz="1400" dirty="0" smtClean="0"/>
+              <a:t>\d, \D for digits, non-digits</a:t>
+            </a:r>
+          </a:p>
+          <a:p>
+            <a:pPr lvl="2"/>
+            <a:r>
+              <a:rPr lang="en-US" sz="1400" dirty="0" smtClean="0"/>
+              <a:t>\w, \W for word and non-word characters (letters, digits, underscore)</a:t>
+            </a:r>
+          </a:p>
+          <a:p>
+            <a:pPr lvl="2"/>
+            <a:r>
+              <a:rPr lang="en-US" sz="1400" dirty="0" smtClean="0"/>
+              <a:t>\s, \S for white-space and non-space characters</a:t>
+            </a:r>
+          </a:p>
+          <a:p>
+            <a:pPr lvl="2"/>
+            <a:r>
+              <a:rPr lang="en-US" sz="1400" dirty="0" smtClean="0"/>
+              <a:t>. for any character except newline</a:t>
+            </a:r>
+          </a:p>
+        </p:txBody>
+      </p:sp>
+      <p:graphicFrame>
+        <p:nvGraphicFramePr>
+          <p:cNvPr id="4" name="Table 3"/>
+          <p:cNvGraphicFramePr>
+            <a:graphicFrameLocks noGrp="1"/>
+          </p:cNvGraphicFramePr>
+          <p:nvPr>
+            <p:extLst>
+              <p:ext uri="{D42A27DB-BD31-4B8C-83A1-F6EECF244321}">
+                <p14:modId xmlns:p14="http://schemas.microsoft.com/office/powerpoint/2010/main" val="991424550"/>
+              </p:ext>
+            </p:extLst>
+          </p:nvPr>
+        </p:nvGraphicFramePr>
+        <p:xfrm>
+          <a:off x="533400" y="4648200"/>
+          <a:ext cx="8382000" cy="1463040"/>
+        </p:xfrm>
+        <a:graphic>
+          <a:graphicData uri="http://schemas.openxmlformats.org/drawingml/2006/table">
+            <a:tbl>
+              <a:tblPr firstRow="1" bandRow="1">
+                <a:tableStyleId>{5C22544A-7EE6-4342-B048-85BDC9FD1C3A}</a:tableStyleId>
+              </a:tblPr>
+              <a:tblGrid>
+                <a:gridCol w="8382000"/>
+              </a:tblGrid>
+              <a:tr h="370840">
+                <a:tc>
+                  <a:txBody>
+                    <a:bodyPr/>
+                    <a:lstStyle/>
+                    <a:p>
+                      <a:r>
+                        <a:rPr lang="en-US" dirty="0" smtClean="0">
+                          <a:latin typeface="Courier New" pitchFamily="49" charset="0"/>
+                          <a:cs typeface="Courier New" pitchFamily="49" charset="0"/>
+                        </a:rPr>
+                        <a:t>my $string = "Did the fox jump over the dogs?";</a:t>
+                      </a:r>
+                    </a:p>
+                    <a:p>
+                      <a:r>
+                        <a:rPr lang="en-US" dirty="0" smtClean="0">
+                          <a:latin typeface="Courier New" pitchFamily="49" charset="0"/>
+                          <a:cs typeface="Courier New" pitchFamily="49" charset="0"/>
+                        </a:rPr>
+                        <a:t>print "1: $string\n" if $string =~ m/[</a:t>
+                      </a:r>
+                      <a:r>
+                        <a:rPr lang="en-US" dirty="0" err="1" smtClean="0">
+                          <a:latin typeface="Courier New" pitchFamily="49" charset="0"/>
+                          <a:cs typeface="Courier New" pitchFamily="49" charset="0"/>
+                        </a:rPr>
+                        <a:t>bdl</a:t>
+                      </a:r>
+                      <a:r>
+                        <a:rPr lang="en-US" dirty="0" smtClean="0">
+                          <a:latin typeface="Courier New" pitchFamily="49" charset="0"/>
+                          <a:cs typeface="Courier New" pitchFamily="49" charset="0"/>
+                        </a:rPr>
+                        <a:t>]</a:t>
+                      </a:r>
+                      <a:r>
+                        <a:rPr lang="en-US" dirty="0" err="1" smtClean="0">
+                          <a:latin typeface="Courier New" pitchFamily="49" charset="0"/>
+                          <a:cs typeface="Courier New" pitchFamily="49" charset="0"/>
+                        </a:rPr>
+                        <a:t>og</a:t>
+                      </a:r>
+                      <a:r>
+                        <a:rPr lang="en-US" dirty="0" smtClean="0">
+                          <a:latin typeface="Courier New" pitchFamily="49" charset="0"/>
+                          <a:cs typeface="Courier New" pitchFamily="49" charset="0"/>
+                        </a:rPr>
+                        <a:t>/; # bog, dog, log</a:t>
+                      </a:r>
+                    </a:p>
+                    <a:p>
+                      <a:r>
+                        <a:rPr lang="en-US" dirty="0" smtClean="0">
+                          <a:latin typeface="Courier New" pitchFamily="49" charset="0"/>
+                          <a:cs typeface="Courier New" pitchFamily="49" charset="0"/>
+                        </a:rPr>
+                        <a:t>print "2: $string\n" if $string =~ m/dog[^s]/; # no match</a:t>
+                      </a:r>
+                    </a:p>
+                    <a:p>
+                      <a:r>
+                        <a:rPr lang="en-US" dirty="0" smtClean="0">
+                          <a:latin typeface="Courier New" pitchFamily="49" charset="0"/>
+                          <a:cs typeface="Courier New" pitchFamily="49" charset="0"/>
+                        </a:rPr>
+                        <a:t>print "3: $string\n" if $string =~ m/\s\w\w\</a:t>
+                      </a:r>
+                      <a:r>
+                        <a:rPr lang="en-US" dirty="0" err="1" smtClean="0">
+                          <a:latin typeface="Courier New" pitchFamily="49" charset="0"/>
+                          <a:cs typeface="Courier New" pitchFamily="49" charset="0"/>
+                        </a:rPr>
+                        <a:t>wp</a:t>
+                      </a:r>
+                      <a:r>
+                        <a:rPr lang="en-US" dirty="0" smtClean="0">
+                          <a:latin typeface="Courier New" pitchFamily="49" charset="0"/>
+                          <a:cs typeface="Courier New" pitchFamily="49" charset="0"/>
+                        </a:rPr>
+                        <a:t>\s/; # matches</a:t>
+                      </a:r>
+                      <a:endParaRPr lang="en-US" dirty="0">
+                        <a:latin typeface="Courier New" pitchFamily="49" charset="0"/>
+                        <a:cs typeface="Courier New" pitchFamily="49" charset="0"/>
+                      </a:endParaRPr>
+                    </a:p>
+                  </a:txBody>
+                  <a:tcPr/>
+                </a:tc>
+              </a:tr>
+            </a:tbl>
+          </a:graphicData>
+        </a:graphic>
+      </p:graphicFrame>
+    </p:spTree>
+    <p:extLst>
+      <p:ext uri="{BB962C8B-B14F-4D97-AF65-F5344CB8AC3E}">
+        <p14:creationId xmlns:p14="http://schemas.microsoft.com/office/powerpoint/2010/main" val="694241293"/>
+      </p:ext>
+    </p:extLst>
+  </p:cSld>
+  <p:clrMapOvr>
+    <a:masterClrMapping/>
+  </p:clrMapOvr>
+  <p:timing>
+    <p:tnLst>
+      <p:par>
+        <p:cTn id="1" dur="indefinite" restart="never" nodeType="tmRoot"/>
+      </p:par>
+    </p:tnLst>
+  </p:timing>
+</p:sld>
+</file>
+
+<file path=ppt/slides/slide72.xml><?xml version="1.0" encoding="utf-8"?>
+<p:sld xmlns:a="http://schemas.openxmlformats.org/drawingml/2006/main" xmlns:r="http://schemas.openxmlformats.org/officeDocument/2006/relationships" xmlns:p="http://schemas.openxmlformats.org/presentationml/2006/main">
+  <p:cSld>
+    <p:spTree>
+      <p:nvGrpSpPr>
+        <p:cNvPr id="1" name=""/>
+        <p:cNvGrpSpPr/>
+        <p:nvPr/>
+      </p:nvGrpSpPr>
+      <p:grpSpPr>
+        <a:xfrm>
+          <a:off x="0" y="0"/>
+          <a:ext cx="0" cy="0"/>
+          <a:chOff x="0" y="0"/>
+          <a:chExt cx="0" cy="0"/>
+        </a:xfrm>
+      </p:grpSpPr>
+      <p:sp>
+        <p:nvSpPr>
+          <p:cNvPr id="2" name="Title 1"/>
+          <p:cNvSpPr>
+            <a:spLocks noGrp="1"/>
+          </p:cNvSpPr>
+          <p:nvPr>
+            <p:ph type="title"/>
+          </p:nvPr>
+        </p:nvSpPr>
+        <p:spPr/>
+        <p:txBody>
+          <a:bodyPr/>
+          <a:lstStyle/>
+          <a:p>
+            <a:r>
+              <a:rPr lang="en-US" dirty="0" smtClean="0"/>
+              <a:t>Regular Expressions</a:t>
+            </a:r>
+            <a:endParaRPr lang="en-US" dirty="0"/>
+          </a:p>
+        </p:txBody>
+      </p:sp>
+      <p:sp>
+        <p:nvSpPr>
+          <p:cNvPr id="3" name="Content Placeholder 2"/>
+          <p:cNvSpPr>
+            <a:spLocks noGrp="1"/>
+          </p:cNvSpPr>
+          <p:nvPr>
+            <p:ph idx="1"/>
+          </p:nvPr>
+        </p:nvSpPr>
+        <p:spPr/>
+        <p:txBody>
+          <a:bodyPr>
+            <a:normAutofit/>
+          </a:bodyPr>
+          <a:lstStyle/>
+          <a:p>
+            <a:r>
+              <a:rPr lang="en-US" sz="1400" dirty="0" smtClean="0"/>
+              <a:t>Match boundaries between types of characters</a:t>
+            </a:r>
+          </a:p>
+          <a:p>
+            <a:r>
+              <a:rPr lang="en-US" sz="1400" dirty="0" smtClean="0"/>
+              <a:t>^ matches the start of the string</a:t>
+            </a:r>
+          </a:p>
+          <a:p>
+            <a:r>
+              <a:rPr lang="en-US" sz="1400" dirty="0" smtClean="0"/>
+              <a:t>$ matches the end of the string</a:t>
+            </a:r>
+          </a:p>
+          <a:p>
+            <a:r>
+              <a:rPr lang="en-US" sz="1400" dirty="0" smtClean="0"/>
+              <a:t>\b matches a word boundary</a:t>
+            </a:r>
+          </a:p>
+        </p:txBody>
+      </p:sp>
+      <p:graphicFrame>
+        <p:nvGraphicFramePr>
+          <p:cNvPr id="4" name="Table 3"/>
+          <p:cNvGraphicFramePr>
+            <a:graphicFrameLocks noGrp="1"/>
+          </p:cNvGraphicFramePr>
+          <p:nvPr>
+            <p:extLst>
+              <p:ext uri="{D42A27DB-BD31-4B8C-83A1-F6EECF244321}">
+                <p14:modId xmlns:p14="http://schemas.microsoft.com/office/powerpoint/2010/main" val="3060904612"/>
+              </p:ext>
+            </p:extLst>
+          </p:nvPr>
+        </p:nvGraphicFramePr>
+        <p:xfrm>
+          <a:off x="533400" y="3048000"/>
+          <a:ext cx="8382000" cy="1463040"/>
+        </p:xfrm>
+        <a:graphic>
+          <a:graphicData uri="http://schemas.openxmlformats.org/drawingml/2006/table">
+            <a:tbl>
+              <a:tblPr firstRow="1" bandRow="1">
+                <a:tableStyleId>{5C22544A-7EE6-4342-B048-85BDC9FD1C3A}</a:tableStyleId>
+              </a:tblPr>
+              <a:tblGrid>
+                <a:gridCol w="8382000"/>
+              </a:tblGrid>
+              <a:tr h="370840">
+                <a:tc>
+                  <a:txBody>
+                    <a:bodyPr/>
+                    <a:lstStyle/>
+                    <a:p>
+                      <a:r>
+                        <a:rPr lang="en-US" dirty="0" smtClean="0">
+                          <a:latin typeface="Courier New" pitchFamily="49" charset="0"/>
+                          <a:cs typeface="Courier New" pitchFamily="49" charset="0"/>
+                        </a:rPr>
+                        <a:t>my $string = "Did the fox jump over the dogs?";</a:t>
+                      </a:r>
+                    </a:p>
+                    <a:p>
+                      <a:r>
+                        <a:rPr lang="en-US" dirty="0" smtClean="0">
+                          <a:latin typeface="Courier New" pitchFamily="49" charset="0"/>
+                          <a:cs typeface="Courier New" pitchFamily="49" charset="0"/>
+                        </a:rPr>
+                        <a:t>print "1: $string\n" if $string =~ m/^[</a:t>
+                      </a:r>
+                      <a:r>
+                        <a:rPr lang="en-US" dirty="0" err="1" smtClean="0">
+                          <a:latin typeface="Courier New" pitchFamily="49" charset="0"/>
+                          <a:cs typeface="Courier New" pitchFamily="49" charset="0"/>
+                        </a:rPr>
+                        <a:t>Yy</a:t>
+                      </a:r>
+                      <a:r>
+                        <a:rPr lang="en-US" dirty="0" smtClean="0">
+                          <a:latin typeface="Courier New" pitchFamily="49" charset="0"/>
+                          <a:cs typeface="Courier New" pitchFamily="49" charset="0"/>
+                        </a:rPr>
+                        <a:t>]/;  # no match</a:t>
+                      </a:r>
+                    </a:p>
+                    <a:p>
+                      <a:r>
+                        <a:rPr lang="en-US" dirty="0" smtClean="0">
+                          <a:latin typeface="Courier New" pitchFamily="49" charset="0"/>
+                          <a:cs typeface="Courier New" pitchFamily="49" charset="0"/>
+                        </a:rPr>
+                        <a:t>print "2: $string\n" if $string =~ m/\?$/;    # match</a:t>
+                      </a:r>
+                    </a:p>
+                    <a:p>
+                      <a:r>
+                        <a:rPr lang="en-US" dirty="0" smtClean="0">
+                          <a:latin typeface="Courier New" pitchFamily="49" charset="0"/>
+                          <a:cs typeface="Courier New" pitchFamily="49" charset="0"/>
+                        </a:rPr>
+                        <a:t>print "3: $string\n" if $string =~ m/the\b/;  # match</a:t>
+                      </a:r>
+                    </a:p>
+                    <a:p>
+                      <a:r>
+                        <a:rPr lang="en-US" dirty="0" smtClean="0">
+                          <a:latin typeface="Courier New" pitchFamily="49" charset="0"/>
+                          <a:cs typeface="Courier New" pitchFamily="49" charset="0"/>
+                        </a:rPr>
+                        <a:t> </a:t>
+                      </a:r>
+                      <a:endParaRPr lang="en-US" dirty="0">
+                        <a:latin typeface="Courier New" pitchFamily="49" charset="0"/>
+                        <a:cs typeface="Courier New" pitchFamily="49" charset="0"/>
+                      </a:endParaRPr>
+                    </a:p>
+                  </a:txBody>
+                  <a:tcPr/>
+                </a:tc>
+              </a:tr>
+            </a:tbl>
+          </a:graphicData>
+        </a:graphic>
+      </p:graphicFrame>
+    </p:spTree>
+    <p:extLst>
+      <p:ext uri="{BB962C8B-B14F-4D97-AF65-F5344CB8AC3E}">
+        <p14:creationId xmlns:p14="http://schemas.microsoft.com/office/powerpoint/2010/main" val="3496370982"/>
+      </p:ext>
+    </p:extLst>
+  </p:cSld>
+  <p:clrMapOvr>
+    <a:masterClrMapping/>
+  </p:clrMapOvr>
+  <p:timing>
+    <p:tnLst>
+      <p:par>
+        <p:cTn id="1" dur="indefinite" restart="never" nodeType="tmRoot"/>
+      </p:par>
+    </p:tnLst>
+  </p:timing>
+</p:sld>
+</file>
+
+<file path=ppt/slides/slide73.xml><?xml version="1.0" encoding="utf-8"?>
+<p:sld xmlns:a="http://schemas.openxmlformats.org/drawingml/2006/main" xmlns:r="http://schemas.openxmlformats.org/officeDocument/2006/relationships" xmlns:p="http://schemas.openxmlformats.org/presentationml/2006/main">
+  <p:cSld>
+    <p:spTree>
+      <p:nvGrpSpPr>
+        <p:cNvPr id="1" name=""/>
+        <p:cNvGrpSpPr/>
+        <p:nvPr/>
+      </p:nvGrpSpPr>
+      <p:grpSpPr>
+        <a:xfrm>
+          <a:off x="0" y="0"/>
+          <a:ext cx="0" cy="0"/>
+          <a:chOff x="0" y="0"/>
+          <a:chExt cx="0" cy="0"/>
+        </a:xfrm>
+      </p:grpSpPr>
+      <p:sp>
+        <p:nvSpPr>
+          <p:cNvPr id="2" name="Title 1"/>
+          <p:cNvSpPr>
+            <a:spLocks noGrp="1"/>
+          </p:cNvSpPr>
+          <p:nvPr>
+            <p:ph type="title"/>
+          </p:nvPr>
+        </p:nvSpPr>
+        <p:spPr/>
+        <p:txBody>
+          <a:bodyPr/>
+          <a:lstStyle/>
+          <a:p>
+            <a:r>
+              <a:rPr lang="en-US" dirty="0" smtClean="0"/>
+              <a:t>Regular Expressions</a:t>
+            </a:r>
+            <a:endParaRPr lang="en-US" dirty="0"/>
+          </a:p>
+        </p:txBody>
+      </p:sp>
+      <p:sp>
+        <p:nvSpPr>
+          <p:cNvPr id="3" name="Content Placeholder 2"/>
+          <p:cNvSpPr>
+            <a:spLocks noGrp="1"/>
+          </p:cNvSpPr>
+          <p:nvPr>
+            <p:ph idx="1"/>
+          </p:nvPr>
+        </p:nvSpPr>
+        <p:spPr/>
+        <p:txBody>
+          <a:bodyPr>
+            <a:normAutofit/>
+          </a:bodyPr>
+          <a:lstStyle/>
+          <a:p>
+            <a:r>
+              <a:rPr lang="en-US" sz="1600" dirty="0" smtClean="0"/>
+              <a:t>Quantify matches</a:t>
+            </a:r>
+          </a:p>
+          <a:p>
+            <a:pPr lvl="1"/>
+            <a:r>
+              <a:rPr lang="en-US" sz="1600" dirty="0" smtClean="0"/>
+              <a:t>* matches the preceding character 0 or more times</a:t>
+            </a:r>
+          </a:p>
+          <a:p>
+            <a:pPr lvl="1"/>
+            <a:r>
+              <a:rPr lang="en-US" sz="1600" dirty="0" smtClean="0"/>
+              <a:t>+ matches the preceding character 1 or more times</a:t>
+            </a:r>
+          </a:p>
+          <a:p>
+            <a:pPr lvl="1"/>
+            <a:r>
+              <a:rPr lang="en-US" sz="1600" dirty="0" smtClean="0"/>
+              <a:t>? matches the preceding character 0 or once</a:t>
+            </a:r>
+          </a:p>
+          <a:p>
+            <a:pPr lvl="1"/>
+            <a:r>
+              <a:rPr lang="en-US" sz="1600" dirty="0" smtClean="0"/>
+              <a:t>{4} matches exactly 4 times</a:t>
+            </a:r>
+          </a:p>
+          <a:p>
+            <a:pPr lvl="1"/>
+            <a:r>
+              <a:rPr lang="en-US" sz="1600" dirty="0" smtClean="0"/>
+              <a:t>{3,6} matches 3 to 6 times</a:t>
+            </a:r>
+          </a:p>
+        </p:txBody>
+      </p:sp>
+      <p:graphicFrame>
+        <p:nvGraphicFramePr>
+          <p:cNvPr id="4" name="Table 3"/>
+          <p:cNvGraphicFramePr>
+            <a:graphicFrameLocks noGrp="1"/>
+          </p:cNvGraphicFramePr>
+          <p:nvPr>
+            <p:extLst>
+              <p:ext uri="{D42A27DB-BD31-4B8C-83A1-F6EECF244321}">
+                <p14:modId xmlns:p14="http://schemas.microsoft.com/office/powerpoint/2010/main" val="349509058"/>
+              </p:ext>
+            </p:extLst>
+          </p:nvPr>
+        </p:nvGraphicFramePr>
+        <p:xfrm>
+          <a:off x="533400" y="3870960"/>
+          <a:ext cx="8382000" cy="1463040"/>
+        </p:xfrm>
+        <a:graphic>
+          <a:graphicData uri="http://schemas.openxmlformats.org/drawingml/2006/table">
+            <a:tbl>
+              <a:tblPr firstRow="1" bandRow="1">
+                <a:tableStyleId>{5C22544A-7EE6-4342-B048-85BDC9FD1C3A}</a:tableStyleId>
+              </a:tblPr>
+              <a:tblGrid>
+                <a:gridCol w="8382000"/>
+              </a:tblGrid>
+              <a:tr h="370840">
+                <a:tc>
+                  <a:txBody>
+                    <a:bodyPr/>
+                    <a:lstStyle/>
+                    <a:p>
+                      <a:r>
+                        <a:rPr lang="en-US" dirty="0" smtClean="0">
+                          <a:latin typeface="Courier New" pitchFamily="49" charset="0"/>
+                          <a:cs typeface="Courier New" pitchFamily="49" charset="0"/>
+                        </a:rPr>
+                        <a:t>my $string = "Did the fox jump over the dogs?";</a:t>
+                      </a:r>
+                    </a:p>
+                    <a:p>
+                      <a:r>
+                        <a:rPr lang="en-US" dirty="0" smtClean="0">
+                          <a:latin typeface="Courier New" pitchFamily="49" charset="0"/>
+                          <a:cs typeface="Courier New" pitchFamily="49" charset="0"/>
+                        </a:rPr>
+                        <a:t>print "1: $string\n" if $string =~ m/z*/;         # matches</a:t>
+                      </a:r>
+                    </a:p>
+                    <a:p>
+                      <a:r>
+                        <a:rPr lang="en-US" dirty="0" smtClean="0">
+                          <a:latin typeface="Courier New" pitchFamily="49" charset="0"/>
+                          <a:cs typeface="Courier New" pitchFamily="49" charset="0"/>
+                        </a:rPr>
+                        <a:t>print "2: $string\n" if $string =~ m/z+/;         # no match</a:t>
+                      </a:r>
+                    </a:p>
+                    <a:p>
+                      <a:r>
+                        <a:rPr lang="en-US" dirty="0" smtClean="0">
+                          <a:latin typeface="Courier New" pitchFamily="49" charset="0"/>
+                          <a:cs typeface="Courier New" pitchFamily="49" charset="0"/>
+                        </a:rPr>
+                        <a:t>print "3: $string\n" if $string =~ m/\b\w{4}\b/;  # matches "jump" </a:t>
+                      </a:r>
+                      <a:endParaRPr lang="en-US" dirty="0">
+                        <a:latin typeface="Courier New" pitchFamily="49" charset="0"/>
+                        <a:cs typeface="Courier New" pitchFamily="49" charset="0"/>
+                      </a:endParaRPr>
+                    </a:p>
+                  </a:txBody>
+                  <a:tcPr/>
+                </a:tc>
+              </a:tr>
+            </a:tbl>
+          </a:graphicData>
+        </a:graphic>
+      </p:graphicFrame>
+    </p:spTree>
+    <p:extLst>
+      <p:ext uri="{BB962C8B-B14F-4D97-AF65-F5344CB8AC3E}">
+        <p14:creationId xmlns:p14="http://schemas.microsoft.com/office/powerpoint/2010/main" val="1550488376"/>
+      </p:ext>
+    </p:extLst>
+  </p:cSld>
+  <p:clrMapOvr>
+    <a:masterClrMapping/>
+  </p:clrMapOvr>
+  <p:timing>
+    <p:tnLst>
+      <p:par>
+        <p:cTn id="1" dur="indefinite" restart="never" nodeType="tmRoot"/>
+      </p:par>
+    </p:tnLst>
+  </p:timing>
+</p:sld>
+</file>
+
+<file path=ppt/slides/slide74.xml><?xml version="1.0" encoding="utf-8"?>
+<p:sld xmlns:a="http://schemas.openxmlformats.org/drawingml/2006/main" xmlns:r="http://schemas.openxmlformats.org/officeDocument/2006/relationships" xmlns:p="http://schemas.openxmlformats.org/presentationml/2006/main">
+  <p:cSld>
+    <p:spTree>
+      <p:nvGrpSpPr>
+        <p:cNvPr id="1" name=""/>
+        <p:cNvGrpSpPr/>
+        <p:nvPr/>
+      </p:nvGrpSpPr>
+      <p:grpSpPr>
+        <a:xfrm>
+          <a:off x="0" y="0"/>
+          <a:ext cx="0" cy="0"/>
+          <a:chOff x="0" y="0"/>
+          <a:chExt cx="0" cy="0"/>
+        </a:xfrm>
+      </p:grpSpPr>
+      <p:sp>
+        <p:nvSpPr>
+          <p:cNvPr id="2" name="Title 1"/>
+          <p:cNvSpPr>
+            <a:spLocks noGrp="1"/>
+          </p:cNvSpPr>
+          <p:nvPr>
+            <p:ph type="title"/>
+          </p:nvPr>
+        </p:nvSpPr>
+        <p:spPr/>
+        <p:txBody>
+          <a:bodyPr/>
+          <a:lstStyle/>
+          <a:p>
+            <a:r>
+              <a:rPr lang="en-US" dirty="0" smtClean="0"/>
+              <a:t>Regular Expressions</a:t>
+            </a:r>
+            <a:endParaRPr lang="en-US" dirty="0"/>
+          </a:p>
+        </p:txBody>
+      </p:sp>
+      <p:sp>
+        <p:nvSpPr>
+          <p:cNvPr id="3" name="Content Placeholder 2"/>
+          <p:cNvSpPr>
+            <a:spLocks noGrp="1"/>
+          </p:cNvSpPr>
+          <p:nvPr>
+            <p:ph idx="1"/>
+          </p:nvPr>
+        </p:nvSpPr>
+        <p:spPr/>
+        <p:txBody>
+          <a:bodyPr>
+            <a:normAutofit/>
+          </a:bodyPr>
+          <a:lstStyle/>
+          <a:p>
+            <a:r>
+              <a:rPr lang="en-US" sz="1600" dirty="0" smtClean="0"/>
+              <a:t>Quantify matches</a:t>
+            </a:r>
+          </a:p>
+          <a:p>
+            <a:pPr lvl="1"/>
+            <a:r>
+              <a:rPr lang="en-US" sz="1600" dirty="0" smtClean="0"/>
+              <a:t>* matches the preceding character 0 or more times</a:t>
+            </a:r>
+          </a:p>
+          <a:p>
+            <a:pPr lvl="1"/>
+            <a:r>
+              <a:rPr lang="en-US" sz="1600" dirty="0" smtClean="0"/>
+              <a:t>+ matches the preceding character 1 or more times</a:t>
+            </a:r>
+          </a:p>
+          <a:p>
+            <a:pPr lvl="1"/>
+            <a:r>
+              <a:rPr lang="en-US" sz="1600" dirty="0" smtClean="0"/>
+              <a:t>? matches the preceding character 0 or once</a:t>
+            </a:r>
+          </a:p>
+          <a:p>
+            <a:pPr lvl="1"/>
+            <a:r>
+              <a:rPr lang="en-US" sz="1600" dirty="0" smtClean="0"/>
+              <a:t>{4} matches exactly 4 times</a:t>
+            </a:r>
+          </a:p>
+          <a:p>
+            <a:pPr lvl="1"/>
+            <a:r>
+              <a:rPr lang="en-US" sz="1600" dirty="0" smtClean="0"/>
+              <a:t>{3,6} matches 3 to 6 times</a:t>
+            </a:r>
+          </a:p>
+        </p:txBody>
+      </p:sp>
+      <p:graphicFrame>
+        <p:nvGraphicFramePr>
+          <p:cNvPr id="4" name="Table 3"/>
+          <p:cNvGraphicFramePr>
+            <a:graphicFrameLocks noGrp="1"/>
+          </p:cNvGraphicFramePr>
+          <p:nvPr>
+            <p:extLst>
+              <p:ext uri="{D42A27DB-BD31-4B8C-83A1-F6EECF244321}">
+                <p14:modId xmlns:p14="http://schemas.microsoft.com/office/powerpoint/2010/main" val="893195429"/>
+              </p:ext>
+            </p:extLst>
+          </p:nvPr>
+        </p:nvGraphicFramePr>
+        <p:xfrm>
+          <a:off x="533400" y="3870960"/>
+          <a:ext cx="8382000" cy="1463040"/>
+        </p:xfrm>
+        <a:graphic>
+          <a:graphicData uri="http://schemas.openxmlformats.org/drawingml/2006/table">
+            <a:tbl>
+              <a:tblPr firstRow="1" bandRow="1">
+                <a:tableStyleId>{5C22544A-7EE6-4342-B048-85BDC9FD1C3A}</a:tableStyleId>
+              </a:tblPr>
+              <a:tblGrid>
+                <a:gridCol w="8382000"/>
+              </a:tblGrid>
+              <a:tr h="370840">
+                <a:tc>
+                  <a:txBody>
+                    <a:bodyPr/>
+                    <a:lstStyle/>
+                    <a:p>
+                      <a:r>
+                        <a:rPr lang="en-US" dirty="0" smtClean="0">
+                          <a:latin typeface="Courier New" pitchFamily="49" charset="0"/>
+                          <a:cs typeface="Courier New" pitchFamily="49" charset="0"/>
+                        </a:rPr>
+                        <a:t>my $string = "Did the fox jump over the dogs?";</a:t>
+                      </a:r>
+                    </a:p>
+                    <a:p>
+                      <a:r>
+                        <a:rPr lang="en-US" dirty="0" smtClean="0">
+                          <a:latin typeface="Courier New" pitchFamily="49" charset="0"/>
+                          <a:cs typeface="Courier New" pitchFamily="49" charset="0"/>
+                        </a:rPr>
+                        <a:t>print "1: $string\n" if $string =~ m/z*/;         # matches</a:t>
+                      </a:r>
+                    </a:p>
+                    <a:p>
+                      <a:r>
+                        <a:rPr lang="en-US" dirty="0" smtClean="0">
+                          <a:latin typeface="Courier New" pitchFamily="49" charset="0"/>
+                          <a:cs typeface="Courier New" pitchFamily="49" charset="0"/>
+                        </a:rPr>
+                        <a:t>print "2: $string\n" if $string =~ m/z+/;         # no match</a:t>
+                      </a:r>
+                    </a:p>
+                    <a:p>
+                      <a:r>
+                        <a:rPr lang="en-US" dirty="0" smtClean="0">
+                          <a:latin typeface="Courier New" pitchFamily="49" charset="0"/>
+                          <a:cs typeface="Courier New" pitchFamily="49" charset="0"/>
+                        </a:rPr>
+                        <a:t>print "3: $string\n" if $string =~ m/\b\w{4}\b/;  # matches "jump" </a:t>
+                      </a:r>
+                      <a:endParaRPr lang="en-US" dirty="0">
+                        <a:latin typeface="Courier New" pitchFamily="49" charset="0"/>
+                        <a:cs typeface="Courier New" pitchFamily="49" charset="0"/>
+                      </a:endParaRPr>
+                    </a:p>
+                  </a:txBody>
+                  <a:tcPr/>
+                </a:tc>
+              </a:tr>
+            </a:tbl>
+          </a:graphicData>
+        </a:graphic>
+      </p:graphicFrame>
+    </p:spTree>
+    <p:extLst>
+      <p:ext uri="{BB962C8B-B14F-4D97-AF65-F5344CB8AC3E}">
+        <p14:creationId xmlns:p14="http://schemas.microsoft.com/office/powerpoint/2010/main" val="2454941401"/>
+      </p:ext>
+    </p:extLst>
+  </p:cSld>
+  <p:clrMapOvr>
+    <a:masterClrMapping/>
+  </p:clrMapOvr>
+  <p:timing>
+    <p:tnLst>
+      <p:par>
+        <p:cTn id="1" dur="indefinite" restart="never" nodeType="tmRoot"/>
+      </p:par>
+    </p:tnLst>
+  </p:timing>
+</p:sld>
+</file>
+
+<file path=ppt/slides/slide75.xml><?xml version="1.0" encoding="utf-8"?>
+<p:sld xmlns:a="http://schemas.openxmlformats.org/drawingml/2006/main" xmlns:r="http://schemas.openxmlformats.org/officeDocument/2006/relationships" xmlns:p="http://schemas.openxmlformats.org/presentationml/2006/main">
+  <p:cSld>
+    <p:spTree>
+      <p:nvGrpSpPr>
+        <p:cNvPr id="1" name=""/>
+        <p:cNvGrpSpPr/>
+        <p:nvPr/>
+      </p:nvGrpSpPr>
+      <p:grpSpPr>
+        <a:xfrm>
+          <a:off x="0" y="0"/>
+          <a:ext cx="0" cy="0"/>
+          <a:chOff x="0" y="0"/>
+          <a:chExt cx="0" cy="0"/>
+        </a:xfrm>
+      </p:grpSpPr>
+      <p:sp>
+        <p:nvSpPr>
+          <p:cNvPr id="2" name="Title 1"/>
+          <p:cNvSpPr>
+            <a:spLocks noGrp="1"/>
+          </p:cNvSpPr>
+          <p:nvPr>
+            <p:ph type="title"/>
+          </p:nvPr>
+        </p:nvSpPr>
+        <p:spPr/>
+        <p:txBody>
+          <a:bodyPr/>
+          <a:lstStyle/>
+          <a:p>
+            <a:r>
+              <a:rPr lang="en-US" dirty="0" smtClean="0"/>
+              <a:t>Regular Expressions</a:t>
+            </a:r>
+            <a:endParaRPr lang="en-US" dirty="0"/>
+          </a:p>
+        </p:txBody>
+      </p:sp>
+      <p:sp>
+        <p:nvSpPr>
+          <p:cNvPr id="3" name="Content Placeholder 2"/>
+          <p:cNvSpPr>
+            <a:spLocks noGrp="1"/>
+          </p:cNvSpPr>
+          <p:nvPr>
+            <p:ph idx="1"/>
+          </p:nvPr>
+        </p:nvSpPr>
+        <p:spPr/>
+        <p:txBody>
+          <a:bodyPr>
+            <a:normAutofit/>
+          </a:bodyPr>
+          <a:lstStyle/>
+          <a:p>
+            <a:r>
+              <a:rPr lang="en-US" sz="1600" dirty="0" smtClean="0"/>
+              <a:t>Group </a:t>
+            </a:r>
+            <a:r>
+              <a:rPr lang="en-US" sz="1600" dirty="0" err="1" smtClean="0"/>
+              <a:t>subpatterns</a:t>
+            </a:r>
+            <a:endParaRPr lang="en-US" sz="1600" dirty="0" smtClean="0"/>
+          </a:p>
+          <a:p>
+            <a:pPr lvl="1"/>
+            <a:r>
+              <a:rPr lang="en-US" sz="1200" dirty="0" smtClean="0"/>
+              <a:t>() group a </a:t>
+            </a:r>
+            <a:r>
+              <a:rPr lang="en-US" sz="1200" dirty="0" err="1" smtClean="0"/>
+              <a:t>subpattern</a:t>
+            </a:r>
+            <a:endParaRPr lang="en-US" sz="1200" dirty="0" smtClean="0"/>
+          </a:p>
+          <a:p>
+            <a:r>
+              <a:rPr lang="en-US" sz="1600" dirty="0" smtClean="0"/>
+              <a:t>Match repetitions</a:t>
+            </a:r>
+          </a:p>
+          <a:p>
+            <a:pPr lvl="1"/>
+            <a:r>
+              <a:rPr lang="en-US" sz="1200" dirty="0" smtClean="0"/>
+              <a:t>\1, \2 refer to the first and second groups</a:t>
+            </a:r>
+          </a:p>
+        </p:txBody>
+      </p:sp>
+      <p:graphicFrame>
+        <p:nvGraphicFramePr>
+          <p:cNvPr id="4" name="Table 3"/>
+          <p:cNvGraphicFramePr>
+            <a:graphicFrameLocks noGrp="1"/>
+          </p:cNvGraphicFramePr>
+          <p:nvPr>
+            <p:extLst>
+              <p:ext uri="{D42A27DB-BD31-4B8C-83A1-F6EECF244321}">
+                <p14:modId xmlns:p14="http://schemas.microsoft.com/office/powerpoint/2010/main" val="1376863196"/>
+              </p:ext>
+            </p:extLst>
+          </p:nvPr>
+        </p:nvGraphicFramePr>
+        <p:xfrm>
+          <a:off x="533400" y="3276600"/>
+          <a:ext cx="8382000" cy="914400"/>
+        </p:xfrm>
+        <a:graphic>
+          <a:graphicData uri="http://schemas.openxmlformats.org/drawingml/2006/table">
+            <a:tbl>
+              <a:tblPr firstRow="1" bandRow="1">
+                <a:tableStyleId>{5C22544A-7EE6-4342-B048-85BDC9FD1C3A}</a:tableStyleId>
+              </a:tblPr>
+              <a:tblGrid>
+                <a:gridCol w="8382000"/>
+              </a:tblGrid>
+              <a:tr h="370840">
+                <a:tc>
+                  <a:txBody>
+                    <a:bodyPr/>
+                    <a:lstStyle/>
+                    <a:p>
+                      <a:r>
+                        <a:rPr lang="en-US" dirty="0" smtClean="0">
+                          <a:latin typeface="Courier New" pitchFamily="49" charset="0"/>
+                          <a:cs typeface="Courier New" pitchFamily="49" charset="0"/>
+                        </a:rPr>
+                        <a:t>my $string = "Did the fox jump over the dogs?";</a:t>
+                      </a:r>
+                    </a:p>
+                    <a:p>
+                      <a:r>
+                        <a:rPr lang="en-US" dirty="0" smtClean="0">
+                          <a:latin typeface="Courier New" pitchFamily="49" charset="0"/>
+                          <a:cs typeface="Courier New" pitchFamily="49" charset="0"/>
+                        </a:rPr>
+                        <a:t>print "1: $string\n" if $string =~ m/(fox){2}/; # "</a:t>
+                      </a:r>
+                      <a:r>
+                        <a:rPr lang="en-US" dirty="0" err="1" smtClean="0">
+                          <a:latin typeface="Courier New" pitchFamily="49" charset="0"/>
+                          <a:cs typeface="Courier New" pitchFamily="49" charset="0"/>
+                        </a:rPr>
+                        <a:t>foxfox</a:t>
+                      </a:r>
+                      <a:r>
+                        <a:rPr lang="en-US" dirty="0" smtClean="0">
+                          <a:latin typeface="Courier New" pitchFamily="49" charset="0"/>
+                          <a:cs typeface="Courier New" pitchFamily="49" charset="0"/>
+                        </a:rPr>
+                        <a:t>"</a:t>
+                      </a:r>
+                    </a:p>
+                    <a:p>
+                      <a:r>
+                        <a:rPr lang="en-US" dirty="0" smtClean="0">
+                          <a:latin typeface="Courier New" pitchFamily="49" charset="0"/>
+                          <a:cs typeface="Courier New" pitchFamily="49" charset="0"/>
+                        </a:rPr>
+                        <a:t>print "2: $string\n" if $string =~ m/(the\s).*\1/; #</a:t>
+                      </a:r>
+                      <a:r>
+                        <a:rPr lang="en-US" baseline="0" dirty="0" smtClean="0">
+                          <a:latin typeface="Courier New" pitchFamily="49" charset="0"/>
+                          <a:cs typeface="Courier New" pitchFamily="49" charset="0"/>
+                        </a:rPr>
+                        <a:t> </a:t>
+                      </a:r>
+                      <a:r>
+                        <a:rPr lang="en-US" dirty="0" smtClean="0">
+                          <a:latin typeface="Courier New" pitchFamily="49" charset="0"/>
+                          <a:cs typeface="Courier New" pitchFamily="49" charset="0"/>
+                        </a:rPr>
+                        <a:t>matches</a:t>
+                      </a:r>
+                      <a:endParaRPr lang="en-US" dirty="0">
+                        <a:latin typeface="Courier New" pitchFamily="49" charset="0"/>
+                        <a:cs typeface="Courier New" pitchFamily="49" charset="0"/>
+                      </a:endParaRPr>
+                    </a:p>
+                  </a:txBody>
+                  <a:tcPr/>
+                </a:tc>
+              </a:tr>
+            </a:tbl>
+          </a:graphicData>
+        </a:graphic>
+      </p:graphicFrame>
+    </p:spTree>
+    <p:extLst>
+      <p:ext uri="{BB962C8B-B14F-4D97-AF65-F5344CB8AC3E}">
+        <p14:creationId xmlns:p14="http://schemas.microsoft.com/office/powerpoint/2010/main" val="1288563044"/>
+      </p:ext>
+    </p:extLst>
+  </p:cSld>
+  <p:clrMapOvr>
+    <a:masterClrMapping/>
+  </p:clrMapOvr>
+  <p:timing>
+    <p:tnLst>
+      <p:par>
+        <p:cTn id="1" dur="indefinite" restart="never" nodeType="tmRoot"/>
+      </p:par>
+    </p:tnLst>
+  </p:timing>
+</p:sld>
+</file>
+
+<file path=ppt/slides/slide76.xml><?xml version="1.0" encoding="utf-8"?>
+<p:sld xmlns:a="http://schemas.openxmlformats.org/drawingml/2006/main" xmlns:r="http://schemas.openxmlformats.org/officeDocument/2006/relationships" xmlns:p="http://schemas.openxmlformats.org/presentationml/2006/main">
+  <p:cSld>
+    <p:spTree>
+      <p:nvGrpSpPr>
+        <p:cNvPr id="1" name=""/>
+        <p:cNvGrpSpPr/>
+        <p:nvPr/>
+      </p:nvGrpSpPr>
+      <p:grpSpPr>
+        <a:xfrm>
+          <a:off x="0" y="0"/>
+          <a:ext cx="0" cy="0"/>
+          <a:chOff x="0" y="0"/>
+          <a:chExt cx="0" cy="0"/>
+        </a:xfrm>
+      </p:grpSpPr>
+      <p:sp>
+        <p:nvSpPr>
+          <p:cNvPr id="2" name="Title 1"/>
+          <p:cNvSpPr>
+            <a:spLocks noGrp="1"/>
+          </p:cNvSpPr>
+          <p:nvPr>
+            <p:ph type="title"/>
+          </p:nvPr>
+        </p:nvSpPr>
+        <p:spPr/>
+        <p:txBody>
+          <a:bodyPr/>
+          <a:lstStyle/>
+          <a:p>
+            <a:r>
+              <a:rPr lang="en-US" dirty="0" smtClean="0"/>
+              <a:t>Regular Expressions</a:t>
+            </a:r>
+            <a:endParaRPr lang="en-US" dirty="0"/>
+          </a:p>
+        </p:txBody>
+      </p:sp>
+      <p:sp>
+        <p:nvSpPr>
+          <p:cNvPr id="3" name="Content Placeholder 2"/>
+          <p:cNvSpPr>
+            <a:spLocks noGrp="1"/>
+          </p:cNvSpPr>
+          <p:nvPr>
+            <p:ph idx="1"/>
+          </p:nvPr>
+        </p:nvSpPr>
+        <p:spPr/>
+        <p:txBody>
+          <a:bodyPr>
+            <a:normAutofit/>
+          </a:bodyPr>
+          <a:lstStyle/>
+          <a:p>
+            <a:r>
+              <a:rPr lang="en-US" sz="1600" dirty="0" smtClean="0"/>
+              <a:t>Perl has several regex operators</a:t>
+            </a:r>
+          </a:p>
+          <a:p>
+            <a:pPr lvl="1"/>
+            <a:r>
+              <a:rPr lang="en-US" sz="1200" dirty="0" smtClean="0"/>
+              <a:t>m just matches, providing </a:t>
+            </a:r>
+            <a:r>
+              <a:rPr lang="en-US" sz="1200" dirty="0" err="1" smtClean="0"/>
+              <a:t>boolean</a:t>
+            </a:r>
+            <a:r>
+              <a:rPr lang="en-US" sz="1200" dirty="0" smtClean="0"/>
+              <a:t> context</a:t>
+            </a:r>
+          </a:p>
+          <a:p>
+            <a:pPr lvl="1"/>
+            <a:r>
+              <a:rPr lang="en-US" sz="1200" dirty="0" smtClean="0"/>
+              <a:t>s/match/replacement/ substitutes</a:t>
+            </a:r>
+          </a:p>
+          <a:p>
+            <a:pPr lvl="1"/>
+            <a:r>
+              <a:rPr lang="en-US" sz="1200" dirty="0" err="1" smtClean="0"/>
+              <a:t>tr</a:t>
+            </a:r>
+            <a:r>
+              <a:rPr lang="en-US" sz="800" dirty="0" smtClean="0"/>
+              <a:t>/class/replacement/ transliterates</a:t>
+            </a:r>
+          </a:p>
+        </p:txBody>
+      </p:sp>
+      <p:graphicFrame>
+        <p:nvGraphicFramePr>
+          <p:cNvPr id="4" name="Table 3"/>
+          <p:cNvGraphicFramePr>
+            <a:graphicFrameLocks noGrp="1"/>
+          </p:cNvGraphicFramePr>
+          <p:nvPr>
+            <p:extLst>
+              <p:ext uri="{D42A27DB-BD31-4B8C-83A1-F6EECF244321}">
+                <p14:modId xmlns:p14="http://schemas.microsoft.com/office/powerpoint/2010/main" val="2441094453"/>
+              </p:ext>
+            </p:extLst>
+          </p:nvPr>
+        </p:nvGraphicFramePr>
+        <p:xfrm>
+          <a:off x="533400" y="3276600"/>
+          <a:ext cx="8382000" cy="2560320"/>
+        </p:xfrm>
+        <a:graphic>
+          <a:graphicData uri="http://schemas.openxmlformats.org/drawingml/2006/table">
+            <a:tbl>
+              <a:tblPr firstRow="1" bandRow="1">
+                <a:tableStyleId>{5C22544A-7EE6-4342-B048-85BDC9FD1C3A}</a:tableStyleId>
+              </a:tblPr>
+              <a:tblGrid>
+                <a:gridCol w="8382000"/>
+              </a:tblGrid>
+              <a:tr h="370840">
+                <a:tc>
+                  <a:txBody>
+                    <a:bodyPr/>
+                    <a:lstStyle/>
+                    <a:p>
+                      <a:r>
+                        <a:rPr lang="en-US" dirty="0" smtClean="0">
+                          <a:latin typeface="Courier New" pitchFamily="49" charset="0"/>
+                          <a:cs typeface="Courier New" pitchFamily="49" charset="0"/>
+                        </a:rPr>
+                        <a:t>my $string = "Did the fox jump over the dogs?";</a:t>
+                      </a:r>
+                    </a:p>
+                    <a:p>
+                      <a:r>
+                        <a:rPr lang="en-US" dirty="0" smtClean="0">
+                          <a:latin typeface="Courier New" pitchFamily="49" charset="0"/>
+                          <a:cs typeface="Courier New" pitchFamily="49" charset="0"/>
+                        </a:rPr>
+                        <a:t>$string =~ s/dog/cat/;   # substitute "cat" for "dog"</a:t>
+                      </a:r>
+                    </a:p>
+                    <a:p>
+                      <a:r>
+                        <a:rPr lang="en-US" dirty="0" smtClean="0">
+                          <a:latin typeface="Courier New" pitchFamily="49" charset="0"/>
+                          <a:cs typeface="Courier New" pitchFamily="49" charset="0"/>
+                        </a:rPr>
+                        <a:t>$string =~ s(fox)(kangaroo);</a:t>
+                      </a:r>
+                      <a:r>
+                        <a:rPr lang="en-US" baseline="0" dirty="0" smtClean="0">
+                          <a:latin typeface="Courier New" pitchFamily="49" charset="0"/>
+                          <a:cs typeface="Courier New" pitchFamily="49" charset="0"/>
+                        </a:rPr>
+                        <a:t> </a:t>
+                      </a:r>
+                      <a:r>
+                        <a:rPr lang="en-US" dirty="0" smtClean="0">
+                          <a:latin typeface="Courier New" pitchFamily="49" charset="0"/>
+                          <a:cs typeface="Courier New" pitchFamily="49" charset="0"/>
+                        </a:rPr>
+                        <a:t># substitute "kangaroo" for "fox"</a:t>
+                      </a:r>
+                    </a:p>
+                    <a:p>
+                      <a:r>
+                        <a:rPr lang="en-US" dirty="0" smtClean="0">
+                          <a:latin typeface="Courier New" pitchFamily="49" charset="0"/>
+                          <a:cs typeface="Courier New" pitchFamily="49" charset="0"/>
+                        </a:rPr>
+                        <a:t>print "$string\n";</a:t>
+                      </a:r>
+                    </a:p>
+                    <a:p>
+                      <a:endParaRPr lang="en-US" dirty="0" smtClean="0">
+                        <a:latin typeface="Courier New" pitchFamily="49" charset="0"/>
+                        <a:cs typeface="Courier New" pitchFamily="49" charset="0"/>
+                      </a:endParaRPr>
+                    </a:p>
+                    <a:p>
+                      <a:r>
+                        <a:rPr lang="en-US" dirty="0" smtClean="0">
+                          <a:latin typeface="Courier New" pitchFamily="49" charset="0"/>
+                          <a:cs typeface="Courier New" pitchFamily="49" charset="0"/>
+                        </a:rPr>
+                        <a:t>$string =~ </a:t>
+                      </a:r>
+                      <a:r>
+                        <a:rPr lang="en-US" dirty="0" err="1" smtClean="0">
+                          <a:latin typeface="Courier New" pitchFamily="49" charset="0"/>
+                          <a:cs typeface="Courier New" pitchFamily="49" charset="0"/>
+                        </a:rPr>
+                        <a:t>tr</a:t>
+                      </a:r>
+                      <a:r>
+                        <a:rPr lang="en-US" dirty="0" smtClean="0">
+                          <a:latin typeface="Courier New" pitchFamily="49" charset="0"/>
+                          <a:cs typeface="Courier New" pitchFamily="49" charset="0"/>
+                        </a:rPr>
+                        <a:t>/a-z/n-</a:t>
+                      </a:r>
+                      <a:r>
+                        <a:rPr lang="en-US" dirty="0" err="1" smtClean="0">
+                          <a:latin typeface="Courier New" pitchFamily="49" charset="0"/>
+                          <a:cs typeface="Courier New" pitchFamily="49" charset="0"/>
+                        </a:rPr>
+                        <a:t>za</a:t>
+                      </a:r>
+                      <a:r>
+                        <a:rPr lang="en-US" dirty="0" smtClean="0">
+                          <a:latin typeface="Courier New" pitchFamily="49" charset="0"/>
+                          <a:cs typeface="Courier New" pitchFamily="49" charset="0"/>
+                        </a:rPr>
+                        <a:t>-m/;          # Rot13</a:t>
+                      </a:r>
+                    </a:p>
+                    <a:p>
+                      <a:r>
+                        <a:rPr lang="en-US" dirty="0" smtClean="0">
+                          <a:latin typeface="Courier New" pitchFamily="49" charset="0"/>
+                          <a:cs typeface="Courier New" pitchFamily="49" charset="0"/>
+                        </a:rPr>
+                        <a:t>print "$string\n";</a:t>
+                      </a:r>
+                    </a:p>
+                    <a:p>
+                      <a:r>
+                        <a:rPr lang="en-US" dirty="0" smtClean="0">
+                          <a:latin typeface="Courier New" pitchFamily="49" charset="0"/>
+                          <a:cs typeface="Courier New" pitchFamily="49" charset="0"/>
+                        </a:rPr>
+                        <a:t> </a:t>
+                      </a:r>
+                      <a:endParaRPr lang="en-US" dirty="0">
+                        <a:latin typeface="Courier New" pitchFamily="49" charset="0"/>
+                        <a:cs typeface="Courier New" pitchFamily="49" charset="0"/>
+                      </a:endParaRPr>
+                    </a:p>
+                  </a:txBody>
+                  <a:tcPr/>
+                </a:tc>
+              </a:tr>
+            </a:tbl>
+          </a:graphicData>
+        </a:graphic>
+      </p:graphicFrame>
+    </p:spTree>
+    <p:extLst>
+      <p:ext uri="{BB962C8B-B14F-4D97-AF65-F5344CB8AC3E}">
+        <p14:creationId xmlns:p14="http://schemas.microsoft.com/office/powerpoint/2010/main" val="838448461"/>
+      </p:ext>
+    </p:extLst>
+  </p:cSld>
+  <p:clrMapOvr>
+    <a:masterClrMapping/>
+  </p:clrMapOvr>
+  <p:timing>
+    <p:tnLst>
+      <p:par>
+        <p:cTn id="1" dur="indefinite" restart="never" nodeType="tmRoot"/>
+      </p:par>
+    </p:tnLst>
+  </p:timing>
+</p:sld>
+</file>
+
+<file path=ppt/slides/slide77.xml><?xml version="1.0" encoding="utf-8"?>
+<p:sld xmlns:a="http://schemas.openxmlformats.org/drawingml/2006/main" xmlns:r="http://schemas.openxmlformats.org/officeDocument/2006/relationships" xmlns:p="http://schemas.openxmlformats.org/presentationml/2006/main">
+  <p:cSld>
+    <p:spTree>
+      <p:nvGrpSpPr>
+        <p:cNvPr id="1" name=""/>
+        <p:cNvGrpSpPr/>
+        <p:nvPr/>
+      </p:nvGrpSpPr>
+      <p:grpSpPr>
+        <a:xfrm>
+          <a:off x="0" y="0"/>
+          <a:ext cx="0" cy="0"/>
+          <a:chOff x="0" y="0"/>
+          <a:chExt cx="0" cy="0"/>
+        </a:xfrm>
+      </p:grpSpPr>
+      <p:sp>
+        <p:nvSpPr>
+          <p:cNvPr id="2" name="Title 1"/>
+          <p:cNvSpPr>
+            <a:spLocks noGrp="1"/>
+          </p:cNvSpPr>
+          <p:nvPr>
+            <p:ph type="title"/>
+          </p:nvPr>
+        </p:nvSpPr>
+        <p:spPr/>
+        <p:txBody>
+          <a:bodyPr/>
+          <a:lstStyle/>
+          <a:p>
+            <a:r>
+              <a:rPr lang="en-US" dirty="0" smtClean="0"/>
+              <a:t>Regular Expressions</a:t>
+            </a:r>
+            <a:endParaRPr lang="en-US" dirty="0"/>
+          </a:p>
+        </p:txBody>
+      </p:sp>
+      <p:sp>
+        <p:nvSpPr>
+          <p:cNvPr id="3" name="Content Placeholder 2"/>
+          <p:cNvSpPr>
+            <a:spLocks noGrp="1"/>
+          </p:cNvSpPr>
+          <p:nvPr>
+            <p:ph idx="1"/>
+          </p:nvPr>
+        </p:nvSpPr>
+        <p:spPr/>
+        <p:txBody>
+          <a:bodyPr>
+            <a:normAutofit/>
+          </a:bodyPr>
+          <a:lstStyle/>
+          <a:p>
+            <a:r>
+              <a:rPr lang="en-US" sz="1400" dirty="0" smtClean="0"/>
+              <a:t>Perl has several regex modifiers</a:t>
+            </a:r>
+          </a:p>
+          <a:p>
+            <a:pPr lvl="1"/>
+            <a:r>
+              <a:rPr lang="en-US" sz="1400" dirty="0" smtClean="0"/>
+              <a:t>g global: allows for multiple substitutions</a:t>
+            </a:r>
+          </a:p>
+          <a:p>
+            <a:pPr lvl="1"/>
+            <a:r>
+              <a:rPr lang="en-US" sz="1400" dirty="0" smtClean="0"/>
+              <a:t>i case insensitive matching</a:t>
+            </a:r>
+          </a:p>
+          <a:p>
+            <a:pPr lvl="1"/>
+            <a:r>
+              <a:rPr lang="en-US" sz="1400" dirty="0" smtClean="0"/>
+              <a:t>s treat string as one line</a:t>
+            </a:r>
+          </a:p>
+          <a:p>
+            <a:pPr lvl="1"/>
+            <a:r>
+              <a:rPr lang="en-US" sz="1400" dirty="0" smtClean="0"/>
+              <a:t>m treat string as multiple lines</a:t>
+            </a:r>
+          </a:p>
+        </p:txBody>
+      </p:sp>
+      <p:graphicFrame>
+        <p:nvGraphicFramePr>
+          <p:cNvPr id="4" name="Table 3"/>
+          <p:cNvGraphicFramePr>
+            <a:graphicFrameLocks noGrp="1"/>
+          </p:cNvGraphicFramePr>
+          <p:nvPr>
+            <p:extLst>
+              <p:ext uri="{D42A27DB-BD31-4B8C-83A1-F6EECF244321}">
+                <p14:modId xmlns:p14="http://schemas.microsoft.com/office/powerpoint/2010/main" val="3877502860"/>
+              </p:ext>
+            </p:extLst>
+          </p:nvPr>
+        </p:nvGraphicFramePr>
+        <p:xfrm>
+          <a:off x="533400" y="3276600"/>
+          <a:ext cx="8382000" cy="2286000"/>
+        </p:xfrm>
+        <a:graphic>
+          <a:graphicData uri="http://schemas.openxmlformats.org/drawingml/2006/table">
+            <a:tbl>
+              <a:tblPr firstRow="1" bandRow="1">
+                <a:tableStyleId>{5C22544A-7EE6-4342-B048-85BDC9FD1C3A}</a:tableStyleId>
+              </a:tblPr>
+              <a:tblGrid>
+                <a:gridCol w="8382000"/>
+              </a:tblGrid>
+              <a:tr h="370840">
+                <a:tc>
+                  <a:txBody>
+                    <a:bodyPr/>
+                    <a:lstStyle/>
+                    <a:p>
+                      <a:r>
+                        <a:rPr lang="en-US" dirty="0" smtClean="0">
+                          <a:latin typeface="Courier New" pitchFamily="49" charset="0"/>
+                          <a:cs typeface="Courier New" pitchFamily="49" charset="0"/>
+                        </a:rPr>
+                        <a:t>my $breakfast = 'Lox </a:t>
+                      </a:r>
+                      <a:r>
+                        <a:rPr lang="en-US" dirty="0" err="1" smtClean="0">
+                          <a:latin typeface="Courier New" pitchFamily="49" charset="0"/>
+                          <a:cs typeface="Courier New" pitchFamily="49" charset="0"/>
+                        </a:rPr>
+                        <a:t>Lox</a:t>
+                      </a:r>
+                      <a:r>
+                        <a:rPr lang="en-US" dirty="0" smtClean="0">
+                          <a:latin typeface="Courier New" pitchFamily="49" charset="0"/>
+                          <a:cs typeface="Courier New" pitchFamily="49" charset="0"/>
+                        </a:rPr>
+                        <a:t> </a:t>
+                      </a:r>
+                      <a:r>
+                        <a:rPr lang="en-US" dirty="0" err="1" smtClean="0">
+                          <a:latin typeface="Courier New" pitchFamily="49" charset="0"/>
+                          <a:cs typeface="Courier New" pitchFamily="49" charset="0"/>
+                        </a:rPr>
+                        <a:t>Lox</a:t>
+                      </a:r>
+                      <a:r>
+                        <a:rPr lang="en-US" dirty="0" smtClean="0">
+                          <a:latin typeface="Courier New" pitchFamily="49" charset="0"/>
+                          <a:cs typeface="Courier New" pitchFamily="49" charset="0"/>
+                        </a:rPr>
+                        <a:t> </a:t>
+                      </a:r>
+                      <a:r>
+                        <a:rPr lang="en-US" dirty="0" err="1" smtClean="0">
+                          <a:latin typeface="Courier New" pitchFamily="49" charset="0"/>
+                          <a:cs typeface="Courier New" pitchFamily="49" charset="0"/>
+                        </a:rPr>
+                        <a:t>lox</a:t>
+                      </a:r>
+                      <a:r>
+                        <a:rPr lang="en-US" dirty="0" smtClean="0">
+                          <a:latin typeface="Courier New" pitchFamily="49" charset="0"/>
+                          <a:cs typeface="Courier New" pitchFamily="49" charset="0"/>
+                        </a:rPr>
+                        <a:t> and bagels';</a:t>
+                      </a:r>
+                    </a:p>
+                    <a:p>
+                      <a:r>
+                        <a:rPr lang="en-US" dirty="0" smtClean="0">
+                          <a:latin typeface="Courier New" pitchFamily="49" charset="0"/>
+                          <a:cs typeface="Courier New" pitchFamily="49" charset="0"/>
+                        </a:rPr>
+                        <a:t>$breakfast =~ s/Lox //g;</a:t>
+                      </a:r>
+                    </a:p>
+                    <a:p>
+                      <a:r>
+                        <a:rPr lang="en-US" dirty="0" smtClean="0">
+                          <a:latin typeface="Courier New" pitchFamily="49" charset="0"/>
+                          <a:cs typeface="Courier New" pitchFamily="49" charset="0"/>
+                        </a:rPr>
+                        <a:t>print "$breakfast\n";</a:t>
+                      </a:r>
+                    </a:p>
+                    <a:p>
+                      <a:endParaRPr lang="en-US" dirty="0" smtClean="0">
+                        <a:latin typeface="Courier New" pitchFamily="49" charset="0"/>
+                        <a:cs typeface="Courier New" pitchFamily="49" charset="0"/>
+                      </a:endParaRPr>
+                    </a:p>
+                    <a:p>
+                      <a:r>
+                        <a:rPr lang="en-US" dirty="0" smtClean="0">
+                          <a:latin typeface="Courier New" pitchFamily="49" charset="0"/>
+                          <a:cs typeface="Courier New" pitchFamily="49" charset="0"/>
+                        </a:rPr>
+                        <a:t>my $paragraph = "First Line\</a:t>
+                      </a:r>
+                      <a:r>
+                        <a:rPr lang="en-US" dirty="0" err="1" smtClean="0">
+                          <a:latin typeface="Courier New" pitchFamily="49" charset="0"/>
+                          <a:cs typeface="Courier New" pitchFamily="49" charset="0"/>
+                        </a:rPr>
+                        <a:t>nSecond</a:t>
+                      </a:r>
+                      <a:r>
+                        <a:rPr lang="en-US" dirty="0" smtClean="0">
+                          <a:latin typeface="Courier New" pitchFamily="49" charset="0"/>
+                          <a:cs typeface="Courier New" pitchFamily="49" charset="0"/>
+                        </a:rPr>
+                        <a:t> Line\</a:t>
+                      </a:r>
+                      <a:r>
+                        <a:rPr lang="en-US" dirty="0" err="1" smtClean="0">
+                          <a:latin typeface="Courier New" pitchFamily="49" charset="0"/>
+                          <a:cs typeface="Courier New" pitchFamily="49" charset="0"/>
+                        </a:rPr>
+                        <a:t>nThird</a:t>
+                      </a:r>
+                      <a:r>
+                        <a:rPr lang="en-US" dirty="0" smtClean="0">
+                          <a:latin typeface="Courier New" pitchFamily="49" charset="0"/>
+                          <a:cs typeface="Courier New" pitchFamily="49" charset="0"/>
+                        </a:rPr>
+                        <a:t> Line\n";</a:t>
+                      </a:r>
+                    </a:p>
+                    <a:p>
+                      <a:r>
+                        <a:rPr lang="en-US" dirty="0" smtClean="0">
+                          <a:latin typeface="Courier New" pitchFamily="49" charset="0"/>
+                          <a:cs typeface="Courier New" pitchFamily="49" charset="0"/>
+                        </a:rPr>
+                        <a:t>my ($first, $second) = ($paragraph =~ /(^.*$)\n(^.*$)/m);</a:t>
+                      </a:r>
+                    </a:p>
+                    <a:p>
+                      <a:r>
+                        <a:rPr lang="en-US" dirty="0" smtClean="0">
+                          <a:latin typeface="Courier New" pitchFamily="49" charset="0"/>
+                          <a:cs typeface="Courier New" pitchFamily="49" charset="0"/>
+                        </a:rPr>
+                        <a:t>print "$first, $second\n";</a:t>
+                      </a:r>
+                    </a:p>
+                    <a:p>
+                      <a:r>
+                        <a:rPr lang="en-US" dirty="0" smtClean="0">
+                          <a:latin typeface="Courier New" pitchFamily="49" charset="0"/>
+                          <a:cs typeface="Courier New" pitchFamily="49" charset="0"/>
+                        </a:rPr>
+                        <a:t>  </a:t>
+                      </a:r>
+                      <a:endParaRPr lang="en-US" dirty="0">
+                        <a:latin typeface="Courier New" pitchFamily="49" charset="0"/>
+                        <a:cs typeface="Courier New" pitchFamily="49" charset="0"/>
+                      </a:endParaRPr>
+                    </a:p>
+                  </a:txBody>
+                  <a:tcPr/>
+                </a:tc>
+              </a:tr>
+            </a:tbl>
+          </a:graphicData>
+        </a:graphic>
+      </p:graphicFrame>
+    </p:spTree>
+    <p:extLst>
+      <p:ext uri="{BB962C8B-B14F-4D97-AF65-F5344CB8AC3E}">
+        <p14:creationId xmlns:p14="http://schemas.microsoft.com/office/powerpoint/2010/main" val="3651377112"/>
+      </p:ext>
+    </p:extLst>
+  </p:cSld>
+  <p:clrMapOvr>
+    <a:masterClrMapping/>
+  </p:clrMapOvr>
+  <p:timing>
+    <p:tnLst>
+      <p:par>
+        <p:cTn id="1" dur="indefinite" restart="never" nodeType="tmRoot"/>
+      </p:par>
+    </p:tnLst>
+  </p:timing>
+</p:sld>
+</file>
+
+<file path=ppt/slides/slide78.xml><?xml version="1.0" encoding="utf-8"?>
+<p:sld xmlns:a="http://schemas.openxmlformats.org/drawingml/2006/main" xmlns:r="http://schemas.openxmlformats.org/officeDocument/2006/relationships" xmlns:p="http://schemas.openxmlformats.org/presentationml/2006/main">
+  <p:cSld>
+    <p:spTree>
+      <p:nvGrpSpPr>
+        <p:cNvPr id="1" name=""/>
+        <p:cNvGrpSpPr/>
+        <p:nvPr/>
+      </p:nvGrpSpPr>
+      <p:grpSpPr>
+        <a:xfrm>
+          <a:off x="0" y="0"/>
+          <a:ext cx="0" cy="0"/>
+          <a:chOff x="0" y="0"/>
+          <a:chExt cx="0" cy="0"/>
+        </a:xfrm>
+      </p:grpSpPr>
+      <p:sp>
+        <p:nvSpPr>
+          <p:cNvPr id="2" name="Title 1"/>
+          <p:cNvSpPr>
+            <a:spLocks noGrp="1"/>
+          </p:cNvSpPr>
+          <p:nvPr>
+            <p:ph type="title"/>
+          </p:nvPr>
+        </p:nvSpPr>
+        <p:spPr/>
+        <p:txBody>
+          <a:bodyPr/>
+          <a:lstStyle/>
+          <a:p>
+            <a:r>
+              <a:rPr lang="en-US" dirty="0" smtClean="0"/>
+              <a:t>Perl modules and CPAN</a:t>
+            </a:r>
+            <a:endParaRPr lang="en-US" dirty="0"/>
+          </a:p>
+        </p:txBody>
+      </p:sp>
+      <p:sp>
+        <p:nvSpPr>
+          <p:cNvPr id="3" name="Content Placeholder 2"/>
+          <p:cNvSpPr>
+            <a:spLocks noGrp="1"/>
+          </p:cNvSpPr>
+          <p:nvPr>
+            <p:ph idx="1"/>
+          </p:nvPr>
+        </p:nvSpPr>
+        <p:spPr/>
+        <p:txBody>
+          <a:bodyPr>
+            <a:normAutofit/>
+          </a:bodyPr>
+          <a:lstStyle/>
+          <a:p>
+            <a:r>
+              <a:rPr lang="en-US" sz="1600" dirty="0" smtClean="0"/>
+              <a:t>Modules provide extra functionality</a:t>
+            </a:r>
+          </a:p>
+          <a:p>
+            <a:pPr lvl="1"/>
+            <a:r>
+              <a:rPr lang="en-US" sz="1200" dirty="0" smtClean="0"/>
+              <a:t>CGI provides a CGI scripting interface</a:t>
+            </a:r>
+          </a:p>
+          <a:p>
+            <a:pPr lvl="1"/>
+            <a:r>
+              <a:rPr lang="en-US" sz="1200" dirty="0" smtClean="0"/>
+              <a:t>Data::Dumper prints out data structures like hashes</a:t>
+            </a:r>
+          </a:p>
+          <a:p>
+            <a:pPr lvl="1"/>
+            <a:r>
+              <a:rPr lang="en-US" sz="1200" dirty="0" smtClean="0"/>
+              <a:t>DBI provides a database interface</a:t>
+            </a:r>
+          </a:p>
+          <a:p>
+            <a:pPr lvl="1"/>
+            <a:r>
+              <a:rPr lang="en-US" sz="1200" dirty="0" smtClean="0"/>
+              <a:t>Error provides simple error handling</a:t>
+            </a:r>
+          </a:p>
+          <a:p>
+            <a:r>
+              <a:rPr lang="en-US" sz="1600" dirty="0" smtClean="0"/>
+              <a:t>Using modules</a:t>
+            </a:r>
+          </a:p>
+          <a:p>
+            <a:pPr lvl="1"/>
+            <a:r>
+              <a:rPr lang="en-US" sz="1200" dirty="0" smtClean="0"/>
+              <a:t>use modules at the top of your program</a:t>
+            </a:r>
+          </a:p>
+          <a:p>
+            <a:pPr lvl="1"/>
+            <a:r>
+              <a:rPr lang="en-US" sz="1200" dirty="0" smtClean="0"/>
+              <a:t>Some modules take a parameter list</a:t>
+            </a:r>
+          </a:p>
+          <a:p>
+            <a:pPr lvl="1"/>
+            <a:r>
+              <a:rPr lang="en-US" sz="1200" dirty="0" err="1" smtClean="0"/>
+              <a:t>perldoc</a:t>
+            </a:r>
+            <a:r>
+              <a:rPr lang="en-US" sz="1200" dirty="0" smtClean="0"/>
+              <a:t> gives information about installed modules</a:t>
+            </a:r>
+          </a:p>
+        </p:txBody>
+      </p:sp>
+      <p:graphicFrame>
+        <p:nvGraphicFramePr>
+          <p:cNvPr id="4" name="Table 3"/>
+          <p:cNvGraphicFramePr>
+            <a:graphicFrameLocks noGrp="1"/>
+          </p:cNvGraphicFramePr>
+          <p:nvPr>
+            <p:extLst>
+              <p:ext uri="{D42A27DB-BD31-4B8C-83A1-F6EECF244321}">
+                <p14:modId xmlns:p14="http://schemas.microsoft.com/office/powerpoint/2010/main" val="2289293078"/>
+              </p:ext>
+            </p:extLst>
+          </p:nvPr>
+        </p:nvGraphicFramePr>
+        <p:xfrm>
+          <a:off x="533400" y="4008120"/>
+          <a:ext cx="8382000" cy="1737360"/>
+        </p:xfrm>
+        <a:graphic>
+          <a:graphicData uri="http://schemas.openxmlformats.org/drawingml/2006/table">
+            <a:tbl>
+              <a:tblPr firstRow="1" bandRow="1">
+                <a:tableStyleId>{5C22544A-7EE6-4342-B048-85BDC9FD1C3A}</a:tableStyleId>
+              </a:tblPr>
+              <a:tblGrid>
+                <a:gridCol w="8382000"/>
+              </a:tblGrid>
+              <a:tr h="370840">
+                <a:tc>
+                  <a:txBody>
+                    <a:bodyPr/>
+                    <a:lstStyle/>
+                    <a:p>
+                      <a:r>
+                        <a:rPr lang="en-US" dirty="0" smtClean="0">
+                          <a:latin typeface="Courier New" pitchFamily="49" charset="0"/>
+                          <a:cs typeface="Courier New" pitchFamily="49" charset="0"/>
+                        </a:rPr>
+                        <a:t>use CGI </a:t>
+                      </a:r>
+                      <a:r>
+                        <a:rPr lang="en-US" dirty="0" err="1" smtClean="0">
+                          <a:latin typeface="Courier New" pitchFamily="49" charset="0"/>
+                          <a:cs typeface="Courier New" pitchFamily="49" charset="0"/>
+                        </a:rPr>
+                        <a:t>qw</a:t>
+                      </a:r>
+                      <a:r>
+                        <a:rPr lang="en-US" dirty="0" smtClean="0">
+                          <a:latin typeface="Courier New" pitchFamily="49" charset="0"/>
+                          <a:cs typeface="Courier New" pitchFamily="49" charset="0"/>
+                        </a:rPr>
+                        <a:t>(:standard);</a:t>
+                      </a:r>
+                    </a:p>
+                    <a:p>
+                      <a:r>
+                        <a:rPr lang="en-US" dirty="0" smtClean="0">
+                          <a:latin typeface="Courier New" pitchFamily="49" charset="0"/>
+                          <a:cs typeface="Courier New" pitchFamily="49" charset="0"/>
+                        </a:rPr>
+                        <a:t>print header,</a:t>
+                      </a:r>
+                    </a:p>
+                    <a:p>
+                      <a:r>
+                        <a:rPr lang="en-US" dirty="0" err="1" smtClean="0">
+                          <a:latin typeface="Courier New" pitchFamily="49" charset="0"/>
+                          <a:cs typeface="Courier New" pitchFamily="49" charset="0"/>
+                        </a:rPr>
+                        <a:t>start_html</a:t>
+                      </a:r>
+                      <a:r>
+                        <a:rPr lang="en-US" dirty="0" smtClean="0">
+                          <a:latin typeface="Courier New" pitchFamily="49" charset="0"/>
+                          <a:cs typeface="Courier New" pitchFamily="49" charset="0"/>
+                        </a:rPr>
+                        <a:t>('A Simple Example'),</a:t>
+                      </a:r>
+                    </a:p>
+                    <a:p>
+                      <a:r>
+                        <a:rPr lang="en-US" dirty="0" smtClean="0">
+                          <a:latin typeface="Courier New" pitchFamily="49" charset="0"/>
+                          <a:cs typeface="Courier New" pitchFamily="49" charset="0"/>
+                        </a:rPr>
+                        <a:t>h1('A Simple Example'),</a:t>
+                      </a:r>
+                    </a:p>
+                    <a:p>
+                      <a:r>
+                        <a:rPr lang="en-US" dirty="0" smtClean="0">
+                          <a:latin typeface="Courier New" pitchFamily="49" charset="0"/>
+                          <a:cs typeface="Courier New" pitchFamily="49" charset="0"/>
+                        </a:rPr>
+                        <a:t>p("Hello, World"),</a:t>
+                      </a:r>
+                    </a:p>
+                    <a:p>
+                      <a:r>
+                        <a:rPr lang="en-US" dirty="0" err="1" smtClean="0">
+                          <a:latin typeface="Courier New" pitchFamily="49" charset="0"/>
+                          <a:cs typeface="Courier New" pitchFamily="49" charset="0"/>
+                        </a:rPr>
+                        <a:t>end_html</a:t>
+                      </a:r>
+                      <a:r>
+                        <a:rPr lang="en-US" dirty="0" smtClean="0">
+                          <a:latin typeface="Courier New" pitchFamily="49" charset="0"/>
+                          <a:cs typeface="Courier New" pitchFamily="49" charset="0"/>
+                        </a:rPr>
+                        <a:t>;</a:t>
+                      </a:r>
+                      <a:endParaRPr lang="en-US" dirty="0">
+                        <a:latin typeface="Courier New" pitchFamily="49" charset="0"/>
+                        <a:cs typeface="Courier New" pitchFamily="49" charset="0"/>
+                      </a:endParaRPr>
+                    </a:p>
+                  </a:txBody>
+                  <a:tcPr/>
+                </a:tc>
+              </a:tr>
+            </a:tbl>
+          </a:graphicData>
+        </a:graphic>
+      </p:graphicFrame>
+    </p:spTree>
+    <p:extLst>
+      <p:ext uri="{BB962C8B-B14F-4D97-AF65-F5344CB8AC3E}">
+        <p14:creationId xmlns:p14="http://schemas.microsoft.com/office/powerpoint/2010/main" val="2653136024"/>
       </p:ext>
     </p:extLst>
   </p:cSld>
